--- a/SPAMBASE.pptx
+++ b/SPAMBASE.pptx
@@ -14,7 +14,6 @@
     <p:sldId id="262" r:id="rId8"/>
     <p:sldId id="264" r:id="rId9"/>
     <p:sldId id="263" r:id="rId10"/>
-    <p:sldId id="265" r:id="rId11"/>
   </p:sldIdLst>
   <p:sldSz cx="12192000" cy="6858000"/>
   <p:notesSz cx="6858000" cy="9144000"/>
@@ -124,7 +123,7 @@
 <file path=ppt/revisionInfo.xml><?xml version="1.0" encoding="utf-8"?>
 <p1510:revInfo xmlns:a="http://schemas.openxmlformats.org/drawingml/2006/main" xmlns:r="http://schemas.openxmlformats.org/officeDocument/2006/relationships" xmlns:p1510="http://schemas.microsoft.com/office/powerpoint/2015/10/main">
   <p1510:revLst>
-    <p1510:client id="{8A197597-A10C-4BCD-BA9E-0CFC39E9E6C0}" v="257" dt="2021-01-10T18:42:50.275"/>
+    <p1510:client id="{8A197597-A10C-4BCD-BA9E-0CFC39E9E6C0}" v="375" dt="2021-01-10T19:36:58.335"/>
   </p1510:revLst>
 </p1510:revInfo>
 </file>
@@ -133,8 +132,8 @@
 <pc:chgInfo xmlns:a="http://schemas.openxmlformats.org/drawingml/2006/main" xmlns:r="http://schemas.openxmlformats.org/officeDocument/2006/relationships" xmlns:ac="http://schemas.microsoft.com/office/drawing/2013/main/command" xmlns:pc="http://schemas.microsoft.com/office/powerpoint/2013/main/command">
   <pc:docChgLst>
     <pc:chgData name="Ulysse BERTHET" userId="caca43f6-dc03-420d-b53d-33f646cf4df4" providerId="ADAL" clId="{8A197597-A10C-4BCD-BA9E-0CFC39E9E6C0}"/>
-    <pc:docChg chg="undo redo custSel mod addSld modSld">
-      <pc:chgData name="Ulysse BERTHET" userId="caca43f6-dc03-420d-b53d-33f646cf4df4" providerId="ADAL" clId="{8A197597-A10C-4BCD-BA9E-0CFC39E9E6C0}" dt="2021-01-10T18:42:50.274" v="1037" actId="20577"/>
+    <pc:docChg chg="undo redo custSel mod addSld delSld modSld">
+      <pc:chgData name="Ulysse BERTHET" userId="caca43f6-dc03-420d-b53d-33f646cf4df4" providerId="ADAL" clId="{8A197597-A10C-4BCD-BA9E-0CFC39E9E6C0}" dt="2021-01-10T19:36:58.319" v="2324" actId="2711"/>
       <pc:docMkLst>
         <pc:docMk/>
       </pc:docMkLst>
@@ -287,8 +286,149 @@
           </ac:graphicFrameMkLst>
         </pc:graphicFrameChg>
       </pc:sldChg>
+      <pc:sldChg chg="addSp delSp modSp mod setBg">
+        <pc:chgData name="Ulysse BERTHET" userId="caca43f6-dc03-420d-b53d-33f646cf4df4" providerId="ADAL" clId="{8A197597-A10C-4BCD-BA9E-0CFC39E9E6C0}" dt="2021-01-10T19:08:30.438" v="1210" actId="26606"/>
+        <pc:sldMkLst>
+          <pc:docMk/>
+          <pc:sldMk cId="3731609771" sldId="259"/>
+        </pc:sldMkLst>
+        <pc:spChg chg="mod">
+          <ac:chgData name="Ulysse BERTHET" userId="caca43f6-dc03-420d-b53d-33f646cf4df4" providerId="ADAL" clId="{8A197597-A10C-4BCD-BA9E-0CFC39E9E6C0}" dt="2021-01-10T19:08:30.438" v="1210" actId="26606"/>
+          <ac:spMkLst>
+            <pc:docMk/>
+            <pc:sldMk cId="3731609771" sldId="259"/>
+            <ac:spMk id="2" creationId="{41E59157-1949-4A24-8EED-40828F1BBEAF}"/>
+          </ac:spMkLst>
+        </pc:spChg>
+        <pc:spChg chg="add del mod">
+          <ac:chgData name="Ulysse BERTHET" userId="caca43f6-dc03-420d-b53d-33f646cf4df4" providerId="ADAL" clId="{8A197597-A10C-4BCD-BA9E-0CFC39E9E6C0}" dt="2021-01-10T19:08:30.438" v="1210" actId="26606"/>
+          <ac:spMkLst>
+            <pc:docMk/>
+            <pc:sldMk cId="3731609771" sldId="259"/>
+            <ac:spMk id="3" creationId="{7E8534C6-8F99-4FB8-ACBE-E786728B2361}"/>
+          </ac:spMkLst>
+        </pc:spChg>
+        <pc:spChg chg="add">
+          <ac:chgData name="Ulysse BERTHET" userId="caca43f6-dc03-420d-b53d-33f646cf4df4" providerId="ADAL" clId="{8A197597-A10C-4BCD-BA9E-0CFC39E9E6C0}" dt="2021-01-10T19:08:30.438" v="1210" actId="26606"/>
+          <ac:spMkLst>
+            <pc:docMk/>
+            <pc:sldMk cId="3731609771" sldId="259"/>
+            <ac:spMk id="9" creationId="{ECD538B8-489B-407A-A760-436DB4C563CC}"/>
+          </ac:spMkLst>
+        </pc:spChg>
+        <pc:graphicFrameChg chg="add del">
+          <ac:chgData name="Ulysse BERTHET" userId="caca43f6-dc03-420d-b53d-33f646cf4df4" providerId="ADAL" clId="{8A197597-A10C-4BCD-BA9E-0CFC39E9E6C0}" dt="2021-01-10T19:08:30.404" v="1209" actId="26606"/>
+          <ac:graphicFrameMkLst>
+            <pc:docMk/>
+            <pc:sldMk cId="3731609771" sldId="259"/>
+            <ac:graphicFrameMk id="5" creationId="{38BB81DA-4EAF-4F2A-880E-0CE498A9EE95}"/>
+          </ac:graphicFrameMkLst>
+        </pc:graphicFrameChg>
+        <pc:graphicFrameChg chg="add">
+          <ac:chgData name="Ulysse BERTHET" userId="caca43f6-dc03-420d-b53d-33f646cf4df4" providerId="ADAL" clId="{8A197597-A10C-4BCD-BA9E-0CFC39E9E6C0}" dt="2021-01-10T19:08:30.438" v="1210" actId="26606"/>
+          <ac:graphicFrameMkLst>
+            <pc:docMk/>
+            <pc:sldMk cId="3731609771" sldId="259"/>
+            <ac:graphicFrameMk id="7" creationId="{1973D876-BBA7-497C-BFDC-0BFD74716D68}"/>
+          </ac:graphicFrameMkLst>
+        </pc:graphicFrameChg>
+      </pc:sldChg>
+      <pc:sldChg chg="addSp delSp modSp mod">
+        <pc:chgData name="Ulysse BERTHET" userId="caca43f6-dc03-420d-b53d-33f646cf4df4" providerId="ADAL" clId="{8A197597-A10C-4BCD-BA9E-0CFC39E9E6C0}" dt="2021-01-10T19:34:52.935" v="2289" actId="1076"/>
+        <pc:sldMkLst>
+          <pc:docMk/>
+          <pc:sldMk cId="825861003" sldId="260"/>
+        </pc:sldMkLst>
+        <pc:spChg chg="mod">
+          <ac:chgData name="Ulysse BERTHET" userId="caca43f6-dc03-420d-b53d-33f646cf4df4" providerId="ADAL" clId="{8A197597-A10C-4BCD-BA9E-0CFC39E9E6C0}" dt="2021-01-10T19:09:56.970" v="1221" actId="1076"/>
+          <ac:spMkLst>
+            <pc:docMk/>
+            <pc:sldMk cId="825861003" sldId="260"/>
+            <ac:spMk id="2" creationId="{1014F335-927C-4BC4-AA0D-D801679A7886}"/>
+          </ac:spMkLst>
+        </pc:spChg>
+        <pc:spChg chg="mod">
+          <ac:chgData name="Ulysse BERTHET" userId="caca43f6-dc03-420d-b53d-33f646cf4df4" providerId="ADAL" clId="{8A197597-A10C-4BCD-BA9E-0CFC39E9E6C0}" dt="2021-01-10T19:34:52.935" v="2289" actId="1076"/>
+          <ac:spMkLst>
+            <pc:docMk/>
+            <pc:sldMk cId="825861003" sldId="260"/>
+            <ac:spMk id="3" creationId="{F01E8452-2BD2-4E63-8954-DACE71F7CB8C}"/>
+          </ac:spMkLst>
+        </pc:spChg>
+        <pc:spChg chg="del">
+          <ac:chgData name="Ulysse BERTHET" userId="caca43f6-dc03-420d-b53d-33f646cf4df4" providerId="ADAL" clId="{8A197597-A10C-4BCD-BA9E-0CFC39E9E6C0}" dt="2021-01-10T19:09:11.679" v="1211" actId="26606"/>
+          <ac:spMkLst>
+            <pc:docMk/>
+            <pc:sldMk cId="825861003" sldId="260"/>
+            <ac:spMk id="21" creationId="{C69E4C79-4A25-4DCA-9CC1-94147A10E7EE}"/>
+          </ac:spMkLst>
+        </pc:spChg>
+        <pc:spChg chg="del">
+          <ac:chgData name="Ulysse BERTHET" userId="caca43f6-dc03-420d-b53d-33f646cf4df4" providerId="ADAL" clId="{8A197597-A10C-4BCD-BA9E-0CFC39E9E6C0}" dt="2021-01-10T19:09:11.679" v="1211" actId="26606"/>
+          <ac:spMkLst>
+            <pc:docMk/>
+            <pc:sldMk cId="825861003" sldId="260"/>
+            <ac:spMk id="22" creationId="{C2794E3E-966D-43D0-B426-D33988B92C6F}"/>
+          </ac:spMkLst>
+        </pc:spChg>
+        <pc:spChg chg="add">
+          <ac:chgData name="Ulysse BERTHET" userId="caca43f6-dc03-420d-b53d-33f646cf4df4" providerId="ADAL" clId="{8A197597-A10C-4BCD-BA9E-0CFC39E9E6C0}" dt="2021-01-10T19:09:11.679" v="1211" actId="26606"/>
+          <ac:spMkLst>
+            <pc:docMk/>
+            <pc:sldMk cId="825861003" sldId="260"/>
+            <ac:spMk id="27" creationId="{C4D50C41-5487-4C6D-B233-2DC613D05CB1}"/>
+          </ac:spMkLst>
+        </pc:spChg>
+        <pc:spChg chg="add">
+          <ac:chgData name="Ulysse BERTHET" userId="caca43f6-dc03-420d-b53d-33f646cf4df4" providerId="ADAL" clId="{8A197597-A10C-4BCD-BA9E-0CFC39E9E6C0}" dt="2021-01-10T19:09:11.679" v="1211" actId="26606"/>
+          <ac:spMkLst>
+            <pc:docMk/>
+            <pc:sldMk cId="825861003" sldId="260"/>
+            <ac:spMk id="29" creationId="{C2794E3E-966D-43D0-B426-D33988B92C6F}"/>
+          </ac:spMkLst>
+        </pc:spChg>
+        <pc:picChg chg="mod">
+          <ac:chgData name="Ulysse BERTHET" userId="caca43f6-dc03-420d-b53d-33f646cf4df4" providerId="ADAL" clId="{8A197597-A10C-4BCD-BA9E-0CFC39E9E6C0}" dt="2021-01-10T19:09:19.655" v="1213" actId="1076"/>
+          <ac:picMkLst>
+            <pc:docMk/>
+            <pc:sldMk cId="825861003" sldId="260"/>
+            <ac:picMk id="5" creationId="{8E4DF8C2-C4D5-4093-B478-8FE6DA1BF397}"/>
+          </ac:picMkLst>
+        </pc:picChg>
+        <pc:picChg chg="mod ord">
+          <ac:chgData name="Ulysse BERTHET" userId="caca43f6-dc03-420d-b53d-33f646cf4df4" providerId="ADAL" clId="{8A197597-A10C-4BCD-BA9E-0CFC39E9E6C0}" dt="2021-01-10T19:09:28.670" v="1215" actId="14100"/>
+          <ac:picMkLst>
+            <pc:docMk/>
+            <pc:sldMk cId="825861003" sldId="260"/>
+            <ac:picMk id="7" creationId="{9432C593-0C5C-4D83-AE13-F786B273774B}"/>
+          </ac:picMkLst>
+        </pc:picChg>
+      </pc:sldChg>
       <pc:sldChg chg="modSp mod">
-        <pc:chgData name="Ulysse BERTHET" userId="caca43f6-dc03-420d-b53d-33f646cf4df4" providerId="ADAL" clId="{8A197597-A10C-4BCD-BA9E-0CFC39E9E6C0}" dt="2021-01-10T18:04:33.901" v="219" actId="6549"/>
+        <pc:chgData name="Ulysse BERTHET" userId="caca43f6-dc03-420d-b53d-33f646cf4df4" providerId="ADAL" clId="{8A197597-A10C-4BCD-BA9E-0CFC39E9E6C0}" dt="2021-01-10T19:33:58.276" v="2271" actId="20577"/>
+        <pc:sldMkLst>
+          <pc:docMk/>
+          <pc:sldMk cId="4059510052" sldId="261"/>
+        </pc:sldMkLst>
+        <pc:spChg chg="mod">
+          <ac:chgData name="Ulysse BERTHET" userId="caca43f6-dc03-420d-b53d-33f646cf4df4" providerId="ADAL" clId="{8A197597-A10C-4BCD-BA9E-0CFC39E9E6C0}" dt="2021-01-10T19:33:58.276" v="2271" actId="20577"/>
+          <ac:spMkLst>
+            <pc:docMk/>
+            <pc:sldMk cId="4059510052" sldId="261"/>
+            <ac:spMk id="2" creationId="{6F3FD7D4-D827-4026-8B04-8346C394F552}"/>
+          </ac:spMkLst>
+        </pc:spChg>
+        <pc:spChg chg="mod">
+          <ac:chgData name="Ulysse BERTHET" userId="caca43f6-dc03-420d-b53d-33f646cf4df4" providerId="ADAL" clId="{8A197597-A10C-4BCD-BA9E-0CFC39E9E6C0}" dt="2021-01-10T19:33:27.566" v="2259" actId="20577"/>
+          <ac:spMkLst>
+            <pc:docMk/>
+            <pc:sldMk cId="4059510052" sldId="261"/>
+            <ac:spMk id="9" creationId="{D1E97190-737A-4666-A155-F2BD9E749759}"/>
+          </ac:spMkLst>
+        </pc:spChg>
+      </pc:sldChg>
+      <pc:sldChg chg="modSp add del mod">
+        <pc:chgData name="Ulysse BERTHET" userId="caca43f6-dc03-420d-b53d-33f646cf4df4" providerId="ADAL" clId="{8A197597-A10C-4BCD-BA9E-0CFC39E9E6C0}" dt="2021-01-10T19:33:46.111" v="2265" actId="47"/>
         <pc:sldMkLst>
           <pc:docMk/>
           <pc:sldMk cId="1315966964" sldId="262"/>
@@ -302,14 +442,46 @@
           </ac:spMkLst>
         </pc:spChg>
       </pc:sldChg>
-      <pc:sldChg chg="modSp mod">
-        <pc:chgData name="Ulysse BERTHET" userId="caca43f6-dc03-420d-b53d-33f646cf4df4" providerId="ADAL" clId="{8A197597-A10C-4BCD-BA9E-0CFC39E9E6C0}" dt="2021-01-10T18:17:08.702" v="820"/>
+      <pc:sldChg chg="addSp delSp modSp mod">
+        <pc:chgData name="Ulysse BERTHET" userId="caca43f6-dc03-420d-b53d-33f646cf4df4" providerId="ADAL" clId="{8A197597-A10C-4BCD-BA9E-0CFC39E9E6C0}" dt="2021-01-10T19:36:58.319" v="2324" actId="2711"/>
         <pc:sldMkLst>
           <pc:docMk/>
           <pc:sldMk cId="2669652214" sldId="263"/>
         </pc:sldMkLst>
-        <pc:graphicFrameChg chg="add mod">
-          <ac:chgData name="Ulysse BERTHET" userId="caca43f6-dc03-420d-b53d-33f646cf4df4" providerId="ADAL" clId="{8A197597-A10C-4BCD-BA9E-0CFC39E9E6C0}" dt="2021-01-10T18:17:08.702" v="820"/>
+        <pc:spChg chg="mod">
+          <ac:chgData name="Ulysse BERTHET" userId="caca43f6-dc03-420d-b53d-33f646cf4df4" providerId="ADAL" clId="{8A197597-A10C-4BCD-BA9E-0CFC39E9E6C0}" dt="2021-01-10T18:54:20.741" v="1207" actId="1076"/>
+          <ac:spMkLst>
+            <pc:docMk/>
+            <pc:sldMk cId="2669652214" sldId="263"/>
+            <ac:spMk id="2" creationId="{6CC35837-9588-40FB-B0A0-76D702DC7DFE}"/>
+          </ac:spMkLst>
+        </pc:spChg>
+        <pc:spChg chg="add mod">
+          <ac:chgData name="Ulysse BERTHET" userId="caca43f6-dc03-420d-b53d-33f646cf4df4" providerId="ADAL" clId="{8A197597-A10C-4BCD-BA9E-0CFC39E9E6C0}" dt="2021-01-10T18:54:16.410" v="1206" actId="1076"/>
+          <ac:spMkLst>
+            <pc:docMk/>
+            <pc:sldMk cId="2669652214" sldId="263"/>
+            <ac:spMk id="3" creationId="{D6CB4767-04FB-4859-B41A-F87A816EED50}"/>
+          </ac:spMkLst>
+        </pc:spChg>
+        <pc:spChg chg="del">
+          <ac:chgData name="Ulysse BERTHET" userId="caca43f6-dc03-420d-b53d-33f646cf4df4" providerId="ADAL" clId="{8A197597-A10C-4BCD-BA9E-0CFC39E9E6C0}" dt="2021-01-10T18:49:24.863" v="1059" actId="26606"/>
+          <ac:spMkLst>
+            <pc:docMk/>
+            <pc:sldMk cId="2669652214" sldId="263"/>
+            <ac:spMk id="9" creationId="{38E646A7-D148-4320-A501-0291AA75AC42}"/>
+          </ac:spMkLst>
+        </pc:spChg>
+        <pc:spChg chg="add">
+          <ac:chgData name="Ulysse BERTHET" userId="caca43f6-dc03-420d-b53d-33f646cf4df4" providerId="ADAL" clId="{8A197597-A10C-4BCD-BA9E-0CFC39E9E6C0}" dt="2021-01-10T18:49:24.863" v="1059" actId="26606"/>
+          <ac:spMkLst>
+            <pc:docMk/>
+            <pc:sldMk cId="2669652214" sldId="263"/>
+            <ac:spMk id="14" creationId="{ECD538B8-489B-407A-A760-436DB4C563CC}"/>
+          </ac:spMkLst>
+        </pc:spChg>
+        <pc:graphicFrameChg chg="add mod modGraphic">
+          <ac:chgData name="Ulysse BERTHET" userId="caca43f6-dc03-420d-b53d-33f646cf4df4" providerId="ADAL" clId="{8A197597-A10C-4BCD-BA9E-0CFC39E9E6C0}" dt="2021-01-10T19:36:58.319" v="2324" actId="2711"/>
           <ac:graphicFrameMkLst>
             <pc:docMk/>
             <pc:sldMk cId="2669652214" sldId="263"/>
@@ -396,11 +568,18 @@
           </ac:spMkLst>
         </pc:spChg>
       </pc:sldChg>
-      <pc:sldChg chg="new">
-        <pc:chgData name="Ulysse BERTHET" userId="caca43f6-dc03-420d-b53d-33f646cf4df4" providerId="ADAL" clId="{8A197597-A10C-4BCD-BA9E-0CFC39E9E6C0}" dt="2021-01-10T18:14:27.847" v="702" actId="680"/>
+      <pc:sldChg chg="new add del">
+        <pc:chgData name="Ulysse BERTHET" userId="caca43f6-dc03-420d-b53d-33f646cf4df4" providerId="ADAL" clId="{8A197597-A10C-4BCD-BA9E-0CFC39E9E6C0}" dt="2021-01-10T19:33:49.941" v="2267" actId="47"/>
         <pc:sldMkLst>
           <pc:docMk/>
           <pc:sldMk cId="4288854647" sldId="265"/>
+        </pc:sldMkLst>
+      </pc:sldChg>
+      <pc:sldChg chg="new add del">
+        <pc:chgData name="Ulysse BERTHET" userId="caca43f6-dc03-420d-b53d-33f646cf4df4" providerId="ADAL" clId="{8A197597-A10C-4BCD-BA9E-0CFC39E9E6C0}" dt="2021-01-10T19:33:49.196" v="2266" actId="47"/>
+        <pc:sldMkLst>
+          <pc:docMk/>
+          <pc:sldMk cId="4020684910" sldId="266"/>
         </pc:sldMkLst>
       </pc:sldChg>
     </pc:docChg>
@@ -1942,7 +2121,791 @@
 </file>
 
 <file path=ppt/diagrams/colors3.xml><?xml version="1.0" encoding="utf-8"?>
-<dgm:colorsDef xmlns:dgm="http://schemas.openxmlformats.org/drawingml/2006/diagram" xmlns:a="http://schemas.openxmlformats.org/drawingml/2006/main" uniqueId="urn:microsoft.com/office/officeart/2018/5/colors/Iconchunking_neutralbg_colorful1">
+<dgm:colorsDef xmlns:dgm="http://schemas.openxmlformats.org/drawingml/2006/diagram" xmlns:a="http://schemas.openxmlformats.org/drawingml/2006/main" uniqueId="urn:microsoft.com/office/officeart/2018/5/colors/Iconchunking_neutralbg_colorful5">
+  <dgm:title val=""/>
+  <dgm:desc val=""/>
+  <dgm:catLst>
+    <dgm:cat type="colorful" pri="10500"/>
+  </dgm:catLst>
+  <dgm:styleLbl name="node0">
+    <dgm:fillClrLst meth="repeat">
+      <a:schemeClr val="accent4"/>
+    </dgm:fillClrLst>
+    <dgm:linClrLst meth="repeat">
+      <a:schemeClr val="lt1"/>
+    </dgm:linClrLst>
+    <dgm:effectClrLst/>
+    <dgm:txLinClrLst/>
+    <dgm:txFillClrLst/>
+    <dgm:txEffectClrLst/>
+  </dgm:styleLbl>
+  <dgm:styleLbl name="node1">
+    <dgm:fillClrLst>
+      <a:schemeClr val="accent5"/>
+      <a:schemeClr val="accent6"/>
+    </dgm:fillClrLst>
+    <dgm:linClrLst meth="repeat">
+      <a:schemeClr val="lt1">
+        <a:alpha val="0"/>
+      </a:schemeClr>
+    </dgm:linClrLst>
+    <dgm:effectClrLst/>
+    <dgm:txLinClrLst/>
+    <dgm:txFillClrLst/>
+    <dgm:txEffectClrLst/>
+  </dgm:styleLbl>
+  <dgm:styleLbl name="alignNode1">
+    <dgm:fillClrLst>
+      <a:schemeClr val="accent5"/>
+      <a:schemeClr val="accent6"/>
+    </dgm:fillClrLst>
+    <dgm:linClrLst>
+      <a:schemeClr val="accent5"/>
+      <a:schemeClr val="accent6"/>
+    </dgm:linClrLst>
+    <dgm:effectClrLst/>
+    <dgm:txLinClrLst/>
+    <dgm:txFillClrLst/>
+    <dgm:txEffectClrLst/>
+  </dgm:styleLbl>
+  <dgm:styleLbl name="lnNode1">
+    <dgm:fillClrLst>
+      <a:schemeClr val="accent5"/>
+      <a:schemeClr val="accent6"/>
+    </dgm:fillClrLst>
+    <dgm:linClrLst meth="repeat">
+      <a:schemeClr val="lt1"/>
+    </dgm:linClrLst>
+    <dgm:effectClrLst/>
+    <dgm:txLinClrLst/>
+    <dgm:txFillClrLst/>
+    <dgm:txEffectClrLst/>
+  </dgm:styleLbl>
+  <dgm:styleLbl name="vennNode1">
+    <dgm:fillClrLst>
+      <a:schemeClr val="accent5">
+        <a:alpha val="50000"/>
+      </a:schemeClr>
+      <a:schemeClr val="accent6">
+        <a:alpha val="50000"/>
+      </a:schemeClr>
+    </dgm:fillClrLst>
+    <dgm:linClrLst meth="repeat">
+      <a:schemeClr val="lt1"/>
+    </dgm:linClrLst>
+    <dgm:effectClrLst/>
+    <dgm:txLinClrLst/>
+    <dgm:txFillClrLst/>
+    <dgm:txEffectClrLst/>
+  </dgm:styleLbl>
+  <dgm:styleLbl name="node2">
+    <dgm:fillClrLst>
+      <a:schemeClr val="accent6"/>
+    </dgm:fillClrLst>
+    <dgm:linClrLst meth="repeat">
+      <a:schemeClr val="lt1"/>
+    </dgm:linClrLst>
+    <dgm:effectClrLst/>
+    <dgm:txLinClrLst/>
+    <dgm:txFillClrLst/>
+    <dgm:txEffectClrLst/>
+  </dgm:styleLbl>
+  <dgm:styleLbl name="node3">
+    <dgm:fillClrLst>
+      <a:schemeClr val="accent1"/>
+    </dgm:fillClrLst>
+    <dgm:linClrLst meth="repeat">
+      <a:schemeClr val="lt1"/>
+    </dgm:linClrLst>
+    <dgm:effectClrLst/>
+    <dgm:txLinClrLst/>
+    <dgm:txFillClrLst/>
+    <dgm:txEffectClrLst/>
+  </dgm:styleLbl>
+  <dgm:styleLbl name="node4">
+    <dgm:fillClrLst>
+      <a:schemeClr val="accent2"/>
+    </dgm:fillClrLst>
+    <dgm:linClrLst meth="repeat">
+      <a:schemeClr val="lt1"/>
+    </dgm:linClrLst>
+    <dgm:effectClrLst/>
+    <dgm:txLinClrLst/>
+    <dgm:txFillClrLst/>
+    <dgm:txEffectClrLst/>
+  </dgm:styleLbl>
+  <dgm:styleLbl name="fgImgPlace1">
+    <dgm:fillClrLst>
+      <a:schemeClr val="accent5">
+        <a:tint val="50000"/>
+      </a:schemeClr>
+      <a:schemeClr val="accent6">
+        <a:tint val="50000"/>
+      </a:schemeClr>
+    </dgm:fillClrLst>
+    <dgm:linClrLst meth="repeat">
+      <a:schemeClr val="lt1"/>
+    </dgm:linClrLst>
+    <dgm:effectClrLst/>
+    <dgm:txLinClrLst/>
+    <dgm:txFillClrLst meth="repeat">
+      <a:schemeClr val="lt1"/>
+    </dgm:txFillClrLst>
+    <dgm:txEffectClrLst/>
+  </dgm:styleLbl>
+  <dgm:styleLbl name="alignImgPlace1">
+    <dgm:fillClrLst>
+      <a:schemeClr val="accent5">
+        <a:tint val="50000"/>
+      </a:schemeClr>
+      <a:schemeClr val="accent6">
+        <a:tint val="20000"/>
+      </a:schemeClr>
+    </dgm:fillClrLst>
+    <dgm:linClrLst meth="repeat">
+      <a:schemeClr val="lt1"/>
+    </dgm:linClrLst>
+    <dgm:effectClrLst/>
+    <dgm:txLinClrLst/>
+    <dgm:txFillClrLst meth="repeat">
+      <a:schemeClr val="lt1"/>
+    </dgm:txFillClrLst>
+    <dgm:txEffectClrLst/>
+  </dgm:styleLbl>
+  <dgm:styleLbl name="bgImgPlace1">
+    <dgm:fillClrLst>
+      <a:schemeClr val="accent5">
+        <a:tint val="50000"/>
+      </a:schemeClr>
+      <a:schemeClr val="accent6">
+        <a:tint val="20000"/>
+      </a:schemeClr>
+    </dgm:fillClrLst>
+    <dgm:linClrLst meth="repeat">
+      <a:schemeClr val="lt1"/>
+    </dgm:linClrLst>
+    <dgm:effectClrLst/>
+    <dgm:txLinClrLst/>
+    <dgm:txFillClrLst meth="repeat">
+      <a:schemeClr val="lt1"/>
+    </dgm:txFillClrLst>
+    <dgm:txEffectClrLst/>
+  </dgm:styleLbl>
+  <dgm:styleLbl name="sibTrans2D1">
+    <dgm:fillClrLst>
+      <a:schemeClr val="accent5"/>
+      <a:schemeClr val="accent6"/>
+    </dgm:fillClrLst>
+    <dgm:linClrLst meth="repeat">
+      <a:schemeClr val="lt1"/>
+    </dgm:linClrLst>
+    <dgm:effectClrLst/>
+    <dgm:txLinClrLst/>
+    <dgm:txFillClrLst/>
+    <dgm:txEffectClrLst/>
+  </dgm:styleLbl>
+  <dgm:styleLbl name="fgSibTrans2D1">
+    <dgm:fillClrLst>
+      <a:schemeClr val="accent5"/>
+      <a:schemeClr val="accent6"/>
+    </dgm:fillClrLst>
+    <dgm:linClrLst meth="repeat">
+      <a:schemeClr val="lt1"/>
+    </dgm:linClrLst>
+    <dgm:effectClrLst/>
+    <dgm:txLinClrLst/>
+    <dgm:txFillClrLst meth="repeat">
+      <a:schemeClr val="lt1"/>
+    </dgm:txFillClrLst>
+    <dgm:txEffectClrLst/>
+  </dgm:styleLbl>
+  <dgm:styleLbl name="bgSibTrans2D1">
+    <dgm:fillClrLst>
+      <a:schemeClr val="accent5"/>
+      <a:schemeClr val="accent6"/>
+    </dgm:fillClrLst>
+    <dgm:linClrLst meth="repeat">
+      <a:schemeClr val="lt1"/>
+    </dgm:linClrLst>
+    <dgm:effectClrLst/>
+    <dgm:txLinClrLst/>
+    <dgm:txFillClrLst meth="repeat">
+      <a:schemeClr val="lt1"/>
+    </dgm:txFillClrLst>
+    <dgm:txEffectClrLst/>
+  </dgm:styleLbl>
+  <dgm:styleLbl name="sibTrans1D1">
+    <dgm:fillClrLst/>
+    <dgm:linClrLst>
+      <a:schemeClr val="accent5"/>
+      <a:schemeClr val="accent6"/>
+    </dgm:linClrLst>
+    <dgm:effectClrLst/>
+    <dgm:txLinClrLst/>
+    <dgm:txFillClrLst meth="repeat">
+      <a:schemeClr val="tx1"/>
+    </dgm:txFillClrLst>
+    <dgm:txEffectClrLst/>
+  </dgm:styleLbl>
+  <dgm:styleLbl name="callout">
+    <dgm:fillClrLst meth="repeat">
+      <a:schemeClr val="accent5"/>
+    </dgm:fillClrLst>
+    <dgm:linClrLst meth="repeat">
+      <a:schemeClr val="accent5">
+        <a:tint val="50000"/>
+      </a:schemeClr>
+    </dgm:linClrLst>
+    <dgm:effectClrLst/>
+    <dgm:txLinClrLst/>
+    <dgm:txFillClrLst meth="repeat">
+      <a:schemeClr val="tx1"/>
+    </dgm:txFillClrLst>
+    <dgm:txEffectClrLst/>
+  </dgm:styleLbl>
+  <dgm:styleLbl name="asst0">
+    <dgm:fillClrLst meth="repeat">
+      <a:schemeClr val="accent5"/>
+    </dgm:fillClrLst>
+    <dgm:linClrLst meth="repeat">
+      <a:schemeClr val="lt1">
+        <a:shade val="80000"/>
+      </a:schemeClr>
+    </dgm:linClrLst>
+    <dgm:effectClrLst/>
+    <dgm:txLinClrLst/>
+    <dgm:txFillClrLst/>
+    <dgm:txEffectClrLst/>
+  </dgm:styleLbl>
+  <dgm:styleLbl name="asst1">
+    <dgm:fillClrLst meth="repeat">
+      <a:schemeClr val="accent6"/>
+    </dgm:fillClrLst>
+    <dgm:linClrLst meth="repeat">
+      <a:schemeClr val="lt1">
+        <a:shade val="80000"/>
+      </a:schemeClr>
+    </dgm:linClrLst>
+    <dgm:effectClrLst/>
+    <dgm:txLinClrLst/>
+    <dgm:txFillClrLst/>
+    <dgm:txEffectClrLst/>
+  </dgm:styleLbl>
+  <dgm:styleLbl name="asst2">
+    <dgm:fillClrLst>
+      <a:schemeClr val="accent1"/>
+    </dgm:fillClrLst>
+    <dgm:linClrLst meth="repeat">
+      <a:schemeClr val="lt1"/>
+    </dgm:linClrLst>
+    <dgm:effectClrLst/>
+    <dgm:txLinClrLst/>
+    <dgm:txFillClrLst/>
+    <dgm:txEffectClrLst/>
+  </dgm:styleLbl>
+  <dgm:styleLbl name="asst3">
+    <dgm:fillClrLst>
+      <a:schemeClr val="accent2"/>
+    </dgm:fillClrLst>
+    <dgm:linClrLst meth="repeat">
+      <a:schemeClr val="lt1"/>
+    </dgm:linClrLst>
+    <dgm:effectClrLst/>
+    <dgm:txLinClrLst/>
+    <dgm:txFillClrLst/>
+    <dgm:txEffectClrLst/>
+  </dgm:styleLbl>
+  <dgm:styleLbl name="asst4">
+    <dgm:fillClrLst>
+      <a:schemeClr val="accent3"/>
+    </dgm:fillClrLst>
+    <dgm:linClrLst meth="repeat">
+      <a:schemeClr val="lt1"/>
+    </dgm:linClrLst>
+    <dgm:effectClrLst/>
+    <dgm:txLinClrLst/>
+    <dgm:txFillClrLst/>
+    <dgm:txEffectClrLst/>
+  </dgm:styleLbl>
+  <dgm:styleLbl name="parChTrans2D1">
+    <dgm:fillClrLst meth="repeat">
+      <a:schemeClr val="accent5"/>
+    </dgm:fillClrLst>
+    <dgm:linClrLst meth="repeat">
+      <a:schemeClr val="lt1"/>
+    </dgm:linClrLst>
+    <dgm:effectClrLst/>
+    <dgm:txLinClrLst/>
+    <dgm:txFillClrLst meth="repeat">
+      <a:schemeClr val="lt1"/>
+    </dgm:txFillClrLst>
+    <dgm:txEffectClrLst/>
+  </dgm:styleLbl>
+  <dgm:styleLbl name="parChTrans2D2">
+    <dgm:fillClrLst meth="repeat">
+      <a:schemeClr val="accent6"/>
+    </dgm:fillClrLst>
+    <dgm:linClrLst meth="repeat">
+      <a:schemeClr val="lt1"/>
+    </dgm:linClrLst>
+    <dgm:effectClrLst/>
+    <dgm:txLinClrLst/>
+    <dgm:txFillClrLst/>
+    <dgm:txEffectClrLst/>
+  </dgm:styleLbl>
+  <dgm:styleLbl name="parChTrans2D3">
+    <dgm:fillClrLst meth="repeat">
+      <a:schemeClr val="accent6"/>
+    </dgm:fillClrLst>
+    <dgm:linClrLst meth="repeat">
+      <a:schemeClr val="lt1"/>
+    </dgm:linClrLst>
+    <dgm:effectClrLst/>
+    <dgm:txLinClrLst/>
+    <dgm:txFillClrLst/>
+    <dgm:txEffectClrLst/>
+  </dgm:styleLbl>
+  <dgm:styleLbl name="parChTrans2D4">
+    <dgm:fillClrLst meth="repeat">
+      <a:schemeClr val="accent1"/>
+    </dgm:fillClrLst>
+    <dgm:linClrLst meth="repeat">
+      <a:schemeClr val="lt1"/>
+    </dgm:linClrLst>
+    <dgm:effectClrLst/>
+    <dgm:txLinClrLst/>
+    <dgm:txFillClrLst meth="repeat">
+      <a:schemeClr val="lt1"/>
+    </dgm:txFillClrLst>
+    <dgm:txEffectClrLst/>
+  </dgm:styleLbl>
+  <dgm:styleLbl name="parChTrans1D1">
+    <dgm:fillClrLst meth="repeat">
+      <a:schemeClr val="accent5"/>
+    </dgm:fillClrLst>
+    <dgm:linClrLst meth="repeat">
+      <a:schemeClr val="accent5"/>
+    </dgm:linClrLst>
+    <dgm:effectClrLst/>
+    <dgm:txLinClrLst/>
+    <dgm:txFillClrLst meth="repeat">
+      <a:schemeClr val="tx1"/>
+    </dgm:txFillClrLst>
+    <dgm:txEffectClrLst/>
+  </dgm:styleLbl>
+  <dgm:styleLbl name="parChTrans1D2">
+    <dgm:fillClrLst meth="repeat">
+      <a:schemeClr val="accent6">
+        <a:tint val="90000"/>
+      </a:schemeClr>
+    </dgm:fillClrLst>
+    <dgm:linClrLst meth="repeat">
+      <a:schemeClr val="accent6"/>
+    </dgm:linClrLst>
+    <dgm:effectClrLst/>
+    <dgm:txLinClrLst/>
+    <dgm:txFillClrLst meth="repeat">
+      <a:schemeClr val="tx1"/>
+    </dgm:txFillClrLst>
+    <dgm:txEffectClrLst/>
+  </dgm:styleLbl>
+  <dgm:styleLbl name="parChTrans1D3">
+    <dgm:fillClrLst meth="repeat">
+      <a:schemeClr val="accent6">
+        <a:tint val="70000"/>
+      </a:schemeClr>
+    </dgm:fillClrLst>
+    <dgm:linClrLst meth="repeat">
+      <a:schemeClr val="accent1"/>
+    </dgm:linClrLst>
+    <dgm:effectClrLst/>
+    <dgm:txLinClrLst/>
+    <dgm:txFillClrLst meth="repeat">
+      <a:schemeClr val="tx1"/>
+    </dgm:txFillClrLst>
+    <dgm:txEffectClrLst/>
+  </dgm:styleLbl>
+  <dgm:styleLbl name="parChTrans1D4">
+    <dgm:fillClrLst meth="repeat">
+      <a:schemeClr val="accent6">
+        <a:tint val="50000"/>
+      </a:schemeClr>
+    </dgm:fillClrLst>
+    <dgm:linClrLst meth="repeat">
+      <a:schemeClr val="accent2"/>
+    </dgm:linClrLst>
+    <dgm:effectClrLst/>
+    <dgm:txLinClrLst/>
+    <dgm:txFillClrLst meth="repeat">
+      <a:schemeClr val="tx1"/>
+    </dgm:txFillClrLst>
+    <dgm:txEffectClrLst/>
+  </dgm:styleLbl>
+  <dgm:styleLbl name="fgAcc1">
+    <dgm:fillClrLst meth="repeat">
+      <a:schemeClr val="lt1">
+        <a:alpha val="90000"/>
+      </a:schemeClr>
+    </dgm:fillClrLst>
+    <dgm:linClrLst>
+      <a:schemeClr val="accent5"/>
+      <a:schemeClr val="accent6"/>
+    </dgm:linClrLst>
+    <dgm:effectClrLst/>
+    <dgm:txLinClrLst/>
+    <dgm:txFillClrLst meth="repeat">
+      <a:schemeClr val="dk1"/>
+    </dgm:txFillClrLst>
+    <dgm:txEffectClrLst/>
+  </dgm:styleLbl>
+  <dgm:styleLbl name="conFgAcc1">
+    <dgm:fillClrLst meth="repeat">
+      <a:schemeClr val="lt1">
+        <a:alpha val="90000"/>
+      </a:schemeClr>
+    </dgm:fillClrLst>
+    <dgm:linClrLst>
+      <a:schemeClr val="accent5"/>
+      <a:schemeClr val="accent6"/>
+    </dgm:linClrLst>
+    <dgm:effectClrLst/>
+    <dgm:txLinClrLst/>
+    <dgm:txFillClrLst meth="repeat">
+      <a:schemeClr val="dk1"/>
+    </dgm:txFillClrLst>
+    <dgm:txEffectClrLst/>
+  </dgm:styleLbl>
+  <dgm:styleLbl name="alignAcc1">
+    <dgm:fillClrLst meth="repeat">
+      <a:schemeClr val="lt1">
+        <a:alpha val="90000"/>
+      </a:schemeClr>
+    </dgm:fillClrLst>
+    <dgm:linClrLst>
+      <a:schemeClr val="accent5"/>
+      <a:schemeClr val="accent6"/>
+    </dgm:linClrLst>
+    <dgm:effectClrLst/>
+    <dgm:txLinClrLst/>
+    <dgm:txFillClrLst meth="repeat">
+      <a:schemeClr val="dk1"/>
+    </dgm:txFillClrLst>
+    <dgm:txEffectClrLst/>
+  </dgm:styleLbl>
+  <dgm:styleLbl name="trAlignAcc1">
+    <dgm:fillClrLst meth="repeat">
+      <a:schemeClr val="lt1">
+        <a:alpha val="40000"/>
+      </a:schemeClr>
+    </dgm:fillClrLst>
+    <dgm:linClrLst meth="repeat">
+      <a:schemeClr val="accent5"/>
+    </dgm:linClrLst>
+    <dgm:effectClrLst/>
+    <dgm:txLinClrLst/>
+    <dgm:txFillClrLst meth="repeat">
+      <a:schemeClr val="dk1"/>
+    </dgm:txFillClrLst>
+    <dgm:txEffectClrLst/>
+  </dgm:styleLbl>
+  <dgm:styleLbl name="bgAcc1">
+    <dgm:fillClrLst meth="repeat">
+      <a:schemeClr val="lt1">
+        <a:alpha val="90000"/>
+      </a:schemeClr>
+    </dgm:fillClrLst>
+    <dgm:linClrLst>
+      <a:schemeClr val="accent5"/>
+      <a:schemeClr val="accent6"/>
+    </dgm:linClrLst>
+    <dgm:effectClrLst/>
+    <dgm:txLinClrLst/>
+    <dgm:txFillClrLst meth="repeat">
+      <a:schemeClr val="dk1"/>
+    </dgm:txFillClrLst>
+    <dgm:txEffectClrLst/>
+  </dgm:styleLbl>
+  <dgm:styleLbl name="solidFgAcc1">
+    <dgm:fillClrLst meth="repeat">
+      <a:schemeClr val="lt1"/>
+    </dgm:fillClrLst>
+    <dgm:linClrLst>
+      <a:schemeClr val="accent5"/>
+      <a:schemeClr val="accent6"/>
+    </dgm:linClrLst>
+    <dgm:effectClrLst/>
+    <dgm:txLinClrLst/>
+    <dgm:txFillClrLst meth="repeat">
+      <a:schemeClr val="dk1"/>
+    </dgm:txFillClrLst>
+    <dgm:txEffectClrLst/>
+  </dgm:styleLbl>
+  <dgm:styleLbl name="solidAlignAcc1">
+    <dgm:fillClrLst meth="repeat">
+      <a:schemeClr val="lt1"/>
+    </dgm:fillClrLst>
+    <dgm:linClrLst>
+      <a:schemeClr val="accent5"/>
+      <a:schemeClr val="accent6"/>
+    </dgm:linClrLst>
+    <dgm:effectClrLst/>
+    <dgm:txLinClrLst/>
+    <dgm:txFillClrLst meth="repeat">
+      <a:schemeClr val="dk1"/>
+    </dgm:txFillClrLst>
+    <dgm:txEffectClrLst/>
+  </dgm:styleLbl>
+  <dgm:styleLbl name="solidBgAcc1">
+    <dgm:fillClrLst meth="repeat">
+      <a:schemeClr val="lt1"/>
+    </dgm:fillClrLst>
+    <dgm:linClrLst>
+      <a:schemeClr val="accent5"/>
+      <a:schemeClr val="accent6"/>
+    </dgm:linClrLst>
+    <dgm:effectClrLst/>
+    <dgm:txLinClrLst/>
+    <dgm:txFillClrLst meth="repeat">
+      <a:schemeClr val="dk1"/>
+    </dgm:txFillClrLst>
+    <dgm:txEffectClrLst/>
+  </dgm:styleLbl>
+  <dgm:styleLbl name="fgAccFollowNode1">
+    <dgm:fillClrLst>
+      <a:schemeClr val="accent5">
+        <a:tint val="40000"/>
+        <a:alpha val="90000"/>
+      </a:schemeClr>
+      <a:schemeClr val="accent6">
+        <a:tint val="40000"/>
+        <a:alpha val="90000"/>
+      </a:schemeClr>
+    </dgm:fillClrLst>
+    <dgm:linClrLst>
+      <a:schemeClr val="accent5">
+        <a:tint val="40000"/>
+        <a:alpha val="90000"/>
+      </a:schemeClr>
+      <a:schemeClr val="accent5">
+        <a:tint val="40000"/>
+        <a:alpha val="90000"/>
+      </a:schemeClr>
+    </dgm:linClrLst>
+    <dgm:effectClrLst/>
+    <dgm:txLinClrLst/>
+    <dgm:txFillClrLst meth="repeat">
+      <a:schemeClr val="dk1"/>
+    </dgm:txFillClrLst>
+    <dgm:txEffectClrLst/>
+  </dgm:styleLbl>
+  <dgm:styleLbl name="alignAccFollowNode1">
+    <dgm:fillClrLst>
+      <a:schemeClr val="accent5">
+        <a:tint val="40000"/>
+        <a:alpha val="90000"/>
+      </a:schemeClr>
+      <a:schemeClr val="accent6">
+        <a:tint val="40000"/>
+        <a:alpha val="90000"/>
+      </a:schemeClr>
+    </dgm:fillClrLst>
+    <dgm:linClrLst>
+      <a:schemeClr val="accent5">
+        <a:tint val="40000"/>
+        <a:alpha val="90000"/>
+      </a:schemeClr>
+      <a:schemeClr val="accent6">
+        <a:tint val="40000"/>
+        <a:alpha val="90000"/>
+      </a:schemeClr>
+    </dgm:linClrLst>
+    <dgm:effectClrLst/>
+    <dgm:txLinClrLst/>
+    <dgm:txFillClrLst meth="repeat">
+      <a:schemeClr val="dk1"/>
+    </dgm:txFillClrLst>
+    <dgm:txEffectClrLst/>
+  </dgm:styleLbl>
+  <dgm:styleLbl name="bgAccFollowNode1">
+    <dgm:fillClrLst>
+      <a:schemeClr val="accent5">
+        <a:tint val="40000"/>
+        <a:alpha val="90000"/>
+      </a:schemeClr>
+      <a:schemeClr val="accent6">
+        <a:tint val="40000"/>
+        <a:alpha val="90000"/>
+      </a:schemeClr>
+    </dgm:fillClrLst>
+    <dgm:linClrLst>
+      <a:schemeClr val="accent5">
+        <a:tint val="40000"/>
+        <a:alpha val="90000"/>
+      </a:schemeClr>
+      <a:schemeClr val="accent6">
+        <a:tint val="40000"/>
+        <a:alpha val="90000"/>
+      </a:schemeClr>
+    </dgm:linClrLst>
+    <dgm:effectClrLst/>
+    <dgm:txLinClrLst/>
+    <dgm:txFillClrLst meth="repeat">
+      <a:schemeClr val="dk1"/>
+    </dgm:txFillClrLst>
+    <dgm:txEffectClrLst/>
+  </dgm:styleLbl>
+  <dgm:styleLbl name="fgAcc0">
+    <dgm:fillClrLst meth="repeat">
+      <a:schemeClr val="lt1">
+        <a:alpha val="90000"/>
+      </a:schemeClr>
+    </dgm:fillClrLst>
+    <dgm:linClrLst>
+      <a:schemeClr val="accent4"/>
+    </dgm:linClrLst>
+    <dgm:effectClrLst/>
+    <dgm:txLinClrLst/>
+    <dgm:txFillClrLst meth="repeat">
+      <a:schemeClr val="dk1"/>
+    </dgm:txFillClrLst>
+    <dgm:txEffectClrLst/>
+  </dgm:styleLbl>
+  <dgm:styleLbl name="fgAcc2">
+    <dgm:fillClrLst meth="repeat">
+      <a:schemeClr val="lt1">
+        <a:alpha val="90000"/>
+      </a:schemeClr>
+    </dgm:fillClrLst>
+    <dgm:linClrLst>
+      <a:schemeClr val="accent6"/>
+    </dgm:linClrLst>
+    <dgm:effectClrLst/>
+    <dgm:txLinClrLst/>
+    <dgm:txFillClrLst meth="repeat">
+      <a:schemeClr val="dk1"/>
+    </dgm:txFillClrLst>
+    <dgm:txEffectClrLst/>
+  </dgm:styleLbl>
+  <dgm:styleLbl name="fgAcc3">
+    <dgm:fillClrLst meth="repeat">
+      <a:schemeClr val="lt1">
+        <a:alpha val="90000"/>
+      </a:schemeClr>
+    </dgm:fillClrLst>
+    <dgm:linClrLst>
+      <a:schemeClr val="accent1"/>
+    </dgm:linClrLst>
+    <dgm:effectClrLst/>
+    <dgm:txLinClrLst/>
+    <dgm:txFillClrLst meth="repeat">
+      <a:schemeClr val="dk1"/>
+    </dgm:txFillClrLst>
+    <dgm:txEffectClrLst/>
+  </dgm:styleLbl>
+  <dgm:styleLbl name="fgAcc4">
+    <dgm:fillClrLst meth="repeat">
+      <a:schemeClr val="lt1">
+        <a:alpha val="90000"/>
+      </a:schemeClr>
+    </dgm:fillClrLst>
+    <dgm:linClrLst>
+      <a:schemeClr val="accent2"/>
+    </dgm:linClrLst>
+    <dgm:effectClrLst/>
+    <dgm:txLinClrLst/>
+    <dgm:txFillClrLst meth="repeat">
+      <a:schemeClr val="dk1"/>
+    </dgm:txFillClrLst>
+    <dgm:txEffectClrLst/>
+  </dgm:styleLbl>
+  <dgm:styleLbl name="bgShp">
+    <dgm:fillClrLst meth="repeat">
+      <a:schemeClr val="bg1">
+        <a:lumMod val="95000"/>
+      </a:schemeClr>
+    </dgm:fillClrLst>
+    <dgm:linClrLst meth="repeat">
+      <a:schemeClr val="dk1"/>
+    </dgm:linClrLst>
+    <dgm:effectClrLst/>
+    <dgm:txLinClrLst/>
+    <dgm:txFillClrLst meth="repeat">
+      <a:schemeClr val="dk1"/>
+    </dgm:txFillClrLst>
+    <dgm:txEffectClrLst/>
+  </dgm:styleLbl>
+  <dgm:styleLbl name="dkBgShp">
+    <dgm:fillClrLst meth="repeat">
+      <a:schemeClr val="accent5">
+        <a:shade val="90000"/>
+      </a:schemeClr>
+    </dgm:fillClrLst>
+    <dgm:linClrLst meth="repeat">
+      <a:schemeClr val="dk1"/>
+    </dgm:linClrLst>
+    <dgm:effectClrLst/>
+    <dgm:txLinClrLst/>
+    <dgm:txFillClrLst meth="repeat">
+      <a:schemeClr val="lt1"/>
+    </dgm:txFillClrLst>
+    <dgm:txEffectClrLst/>
+  </dgm:styleLbl>
+  <dgm:styleLbl name="trBgShp">
+    <dgm:fillClrLst meth="repeat">
+      <a:schemeClr val="accent5">
+        <a:tint val="50000"/>
+        <a:alpha val="40000"/>
+      </a:schemeClr>
+    </dgm:fillClrLst>
+    <dgm:linClrLst meth="repeat">
+      <a:schemeClr val="accent5"/>
+    </dgm:linClrLst>
+    <dgm:effectClrLst/>
+    <dgm:txLinClrLst/>
+    <dgm:txFillClrLst meth="repeat">
+      <a:schemeClr val="lt1"/>
+    </dgm:txFillClrLst>
+    <dgm:txEffectClrLst/>
+  </dgm:styleLbl>
+  <dgm:styleLbl name="fgShp">
+    <dgm:fillClrLst meth="repeat">
+      <a:schemeClr val="accent5">
+        <a:tint val="40000"/>
+      </a:schemeClr>
+    </dgm:fillClrLst>
+    <dgm:linClrLst meth="repeat">
+      <a:schemeClr val="lt1"/>
+    </dgm:linClrLst>
+    <dgm:effectClrLst/>
+    <dgm:txLinClrLst/>
+    <dgm:txFillClrLst meth="repeat">
+      <a:schemeClr val="dk1"/>
+    </dgm:txFillClrLst>
+    <dgm:txEffectClrLst/>
+  </dgm:styleLbl>
+  <dgm:styleLbl name="revTx">
+    <dgm:fillClrLst meth="repeat">
+      <a:schemeClr val="lt1">
+        <a:alpha val="0"/>
+      </a:schemeClr>
+    </dgm:fillClrLst>
+    <dgm:linClrLst meth="repeat">
+      <a:schemeClr val="dk1">
+        <a:alpha val="0"/>
+      </a:schemeClr>
+    </dgm:linClrLst>
+    <dgm:effectClrLst/>
+    <dgm:txLinClrLst/>
+    <dgm:txFillClrLst meth="repeat">
+      <a:schemeClr val="tx1"/>
+    </dgm:txFillClrLst>
+    <dgm:txEffectClrLst/>
+  </dgm:styleLbl>
+</dgm:colorsDef>
+</file>
+
+<file path=ppt/diagrams/colors4.xml><?xml version="1.0" encoding="utf-8"?>
+<dgm:colorsDef xmlns:dgm="http://schemas.openxmlformats.org/drawingml/2006/diagram" xmlns:a="http://schemas.openxmlformats.org/drawingml/2006/main" uniqueId="urn:microsoft.com/office/officeart/2005/8/colors/colorful1">
   <dgm:title val=""/>
   <dgm:desc val=""/>
   <dgm:catLst>
@@ -1969,9 +2932,7 @@
       <a:schemeClr val="accent6"/>
     </dgm:fillClrLst>
     <dgm:linClrLst meth="repeat">
-      <a:schemeClr val="lt1">
-        <a:alpha val="0"/>
-      </a:schemeClr>
+      <a:schemeClr val="lt1"/>
     </dgm:linClrLst>
     <dgm:effectClrLst/>
     <dgm:txLinClrLst/>
@@ -2778,8 +3739,8 @@
   </dgm:styleLbl>
   <dgm:styleLbl name="bgShp">
     <dgm:fillClrLst meth="repeat">
-      <a:schemeClr val="bg1">
-        <a:lumMod val="95000"/>
+      <a:schemeClr val="accent2">
+        <a:tint val="40000"/>
       </a:schemeClr>
     </dgm:fillClrLst>
     <dgm:linClrLst meth="repeat">
@@ -3938,8 +4899,319 @@
 <file path=ppt/diagrams/data3.xml><?xml version="1.0" encoding="utf-8"?>
 <dgm:dataModel xmlns:dgm="http://schemas.openxmlformats.org/drawingml/2006/diagram" xmlns:a="http://schemas.openxmlformats.org/drawingml/2006/main">
   <dgm:ptLst>
+    <dgm:pt modelId="{821084FB-A8A7-47EB-B7CD-CAB3D0AD0FF0}" type="doc">
+      <dgm:prSet loTypeId="urn:microsoft.com/office/officeart/2018/2/layout/IconLabelList" loCatId="icon" qsTypeId="urn:microsoft.com/office/officeart/2005/8/quickstyle/simple1" qsCatId="simple" csTypeId="urn:microsoft.com/office/officeart/2018/5/colors/Iconchunking_neutralbg_colorful5" csCatId="colorful" phldr="1"/>
+      <dgm:spPr/>
+      <dgm:t>
+        <a:bodyPr/>
+        <a:lstStyle/>
+        <a:p>
+          <a:endParaRPr lang="en-US"/>
+        </a:p>
+      </dgm:t>
+    </dgm:pt>
+    <dgm:pt modelId="{999DF6B1-1879-4806-9258-1B39D1803D18}">
+      <dgm:prSet/>
+      <dgm:spPr/>
+      <dgm:t>
+        <a:bodyPr/>
+        <a:lstStyle/>
+        <a:p>
+          <a:r>
+            <a:rPr lang="fr-FR"/>
+            <a:t>39% of the emails are spams</a:t>
+          </a:r>
+          <a:endParaRPr lang="en-US"/>
+        </a:p>
+      </dgm:t>
+    </dgm:pt>
+    <dgm:pt modelId="{8E7E4ED3-590F-468B-B182-5CD0B9662728}" type="parTrans" cxnId="{AE420AEA-F6F4-4DD6-9842-C398E4EBE122}">
+      <dgm:prSet/>
+      <dgm:spPr/>
+      <dgm:t>
+        <a:bodyPr/>
+        <a:lstStyle/>
+        <a:p>
+          <a:endParaRPr lang="en-US"/>
+        </a:p>
+      </dgm:t>
+    </dgm:pt>
+    <dgm:pt modelId="{5993E251-DFCC-48C5-81B8-E12948BA30FA}" type="sibTrans" cxnId="{AE420AEA-F6F4-4DD6-9842-C398E4EBE122}">
+      <dgm:prSet/>
+      <dgm:spPr/>
+      <dgm:t>
+        <a:bodyPr/>
+        <a:lstStyle/>
+        <a:p>
+          <a:endParaRPr lang="en-US"/>
+        </a:p>
+      </dgm:t>
+    </dgm:pt>
+    <dgm:pt modelId="{06AE36F0-C096-427C-8C15-A2CCF6979091}">
+      <dgm:prSet/>
+      <dgm:spPr/>
+      <dgm:t>
+        <a:bodyPr/>
+        <a:lstStyle/>
+        <a:p>
+          <a:r>
+            <a:rPr lang="fr-FR"/>
+            <a:t>No outliers </a:t>
+          </a:r>
+          <a:endParaRPr lang="en-US"/>
+        </a:p>
+      </dgm:t>
+    </dgm:pt>
+    <dgm:pt modelId="{088232D0-3877-4A2B-9332-34CF856904CB}" type="parTrans" cxnId="{95449C7A-FED5-42F8-943A-2D84381E5208}">
+      <dgm:prSet/>
+      <dgm:spPr/>
+      <dgm:t>
+        <a:bodyPr/>
+        <a:lstStyle/>
+        <a:p>
+          <a:endParaRPr lang="en-US"/>
+        </a:p>
+      </dgm:t>
+    </dgm:pt>
+    <dgm:pt modelId="{658D76CA-9D09-47DC-BC83-75235783ABB6}" type="sibTrans" cxnId="{95449C7A-FED5-42F8-943A-2D84381E5208}">
+      <dgm:prSet/>
+      <dgm:spPr/>
+      <dgm:t>
+        <a:bodyPr/>
+        <a:lstStyle/>
+        <a:p>
+          <a:endParaRPr lang="en-US"/>
+        </a:p>
+      </dgm:t>
+    </dgm:pt>
+    <dgm:pt modelId="{5131A3C9-B841-4205-B0B6-7FC9A2F3C91B}">
+      <dgm:prSet/>
+      <dgm:spPr/>
+      <dgm:t>
+        <a:bodyPr/>
+        <a:lstStyle/>
+        <a:p>
+          <a:r>
+            <a:rPr lang="fr-FR"/>
+            <a:t>No missing values</a:t>
+          </a:r>
+          <a:endParaRPr lang="en-US"/>
+        </a:p>
+      </dgm:t>
+    </dgm:pt>
+    <dgm:pt modelId="{BA0FF5E3-8180-4D45-A61E-A4828871B082}" type="parTrans" cxnId="{EBB1E7E8-765C-4CB2-93A3-43A4608D60BD}">
+      <dgm:prSet/>
+      <dgm:spPr/>
+      <dgm:t>
+        <a:bodyPr/>
+        <a:lstStyle/>
+        <a:p>
+          <a:endParaRPr lang="en-US"/>
+        </a:p>
+      </dgm:t>
+    </dgm:pt>
+    <dgm:pt modelId="{4ADD3ACE-06D2-4A1D-9F8F-FAD11C10E4F4}" type="sibTrans" cxnId="{EBB1E7E8-765C-4CB2-93A3-43A4608D60BD}">
+      <dgm:prSet/>
+      <dgm:spPr/>
+      <dgm:t>
+        <a:bodyPr/>
+        <a:lstStyle/>
+        <a:p>
+          <a:endParaRPr lang="en-US"/>
+        </a:p>
+      </dgm:t>
+    </dgm:pt>
+    <dgm:pt modelId="{705D7FDC-2957-43A8-AFAA-B59A9E4DB9DB}" type="pres">
+      <dgm:prSet presAssocID="{821084FB-A8A7-47EB-B7CD-CAB3D0AD0FF0}" presName="root" presStyleCnt="0">
+        <dgm:presLayoutVars>
+          <dgm:dir/>
+          <dgm:resizeHandles val="exact"/>
+        </dgm:presLayoutVars>
+      </dgm:prSet>
+      <dgm:spPr/>
+    </dgm:pt>
+    <dgm:pt modelId="{9C9ED3F0-A8D9-4D0D-A81E-A5C266159E93}" type="pres">
+      <dgm:prSet presAssocID="{999DF6B1-1879-4806-9258-1B39D1803D18}" presName="compNode" presStyleCnt="0"/>
+      <dgm:spPr/>
+    </dgm:pt>
+    <dgm:pt modelId="{C04B7F63-3F24-4FB9-83BF-8E6EB467D8CF}" type="pres">
+      <dgm:prSet presAssocID="{999DF6B1-1879-4806-9258-1B39D1803D18}" presName="iconRect" presStyleLbl="node1" presStyleIdx="0" presStyleCnt="3"/>
+      <dgm:spPr>
+        <a:blipFill>
+          <a:blip xmlns:r="http://schemas.openxmlformats.org/officeDocument/2006/relationships" r:embed="rId1">
+            <a:extLst>
+              <a:ext uri="{28A0092B-C50C-407E-A947-70E740481C1C}">
+                <a14:useLocalDpi xmlns:a14="http://schemas.microsoft.com/office/drawing/2010/main" val="0"/>
+              </a:ext>
+              <a:ext uri="{96DAC541-7B7A-43D3-8B79-37D633B846F1}">
+                <asvg:svgBlip xmlns:asvg="http://schemas.microsoft.com/office/drawing/2016/SVG/main" r:embed="rId2"/>
+              </a:ext>
+            </a:extLst>
+          </a:blip>
+          <a:stretch>
+            <a:fillRect/>
+          </a:stretch>
+        </a:blipFill>
+        <a:ln>
+          <a:noFill/>
+        </a:ln>
+      </dgm:spPr>
+      <dgm:extLst>
+        <a:ext uri="{E40237B7-FDA0-4F09-8148-C483321AD2D9}">
+          <dgm14:cNvPr xmlns:dgm14="http://schemas.microsoft.com/office/drawing/2010/diagram" id="0" name="" descr="Enveloppe"/>
+        </a:ext>
+      </dgm:extLst>
+    </dgm:pt>
+    <dgm:pt modelId="{015524F2-7AE0-477E-A97C-0ED207F2CD3C}" type="pres">
+      <dgm:prSet presAssocID="{999DF6B1-1879-4806-9258-1B39D1803D18}" presName="spaceRect" presStyleCnt="0"/>
+      <dgm:spPr/>
+    </dgm:pt>
+    <dgm:pt modelId="{3E19CC99-E61D-4679-8DF2-E9221912516B}" type="pres">
+      <dgm:prSet presAssocID="{999DF6B1-1879-4806-9258-1B39D1803D18}" presName="textRect" presStyleLbl="revTx" presStyleIdx="0" presStyleCnt="3">
+        <dgm:presLayoutVars>
+          <dgm:chMax val="1"/>
+          <dgm:chPref val="1"/>
+        </dgm:presLayoutVars>
+      </dgm:prSet>
+      <dgm:spPr/>
+    </dgm:pt>
+    <dgm:pt modelId="{3A9E3489-566E-4270-99CC-CC220C67F17C}" type="pres">
+      <dgm:prSet presAssocID="{5993E251-DFCC-48C5-81B8-E12948BA30FA}" presName="sibTrans" presStyleCnt="0"/>
+      <dgm:spPr/>
+    </dgm:pt>
+    <dgm:pt modelId="{42EA30C9-C823-471C-8B72-17FA4717C244}" type="pres">
+      <dgm:prSet presAssocID="{06AE36F0-C096-427C-8C15-A2CCF6979091}" presName="compNode" presStyleCnt="0"/>
+      <dgm:spPr/>
+    </dgm:pt>
+    <dgm:pt modelId="{496D5E0B-A445-4B09-B2BE-097E0B7CED06}" type="pres">
+      <dgm:prSet presAssocID="{06AE36F0-C096-427C-8C15-A2CCF6979091}" presName="iconRect" presStyleLbl="node1" presStyleIdx="1" presStyleCnt="3"/>
+      <dgm:spPr>
+        <a:blipFill>
+          <a:blip xmlns:r="http://schemas.openxmlformats.org/officeDocument/2006/relationships" r:embed="rId3">
+            <a:extLst>
+              <a:ext uri="{28A0092B-C50C-407E-A947-70E740481C1C}">
+                <a14:useLocalDpi xmlns:a14="http://schemas.microsoft.com/office/drawing/2010/main" val="0"/>
+              </a:ext>
+              <a:ext uri="{96DAC541-7B7A-43D3-8B79-37D633B846F1}">
+                <asvg:svgBlip xmlns:asvg="http://schemas.microsoft.com/office/drawing/2016/SVG/main" r:embed="rId4"/>
+              </a:ext>
+            </a:extLst>
+          </a:blip>
+          <a:stretch>
+            <a:fillRect/>
+          </a:stretch>
+        </a:blipFill>
+        <a:ln>
+          <a:noFill/>
+        </a:ln>
+      </dgm:spPr>
+      <dgm:extLst>
+        <a:ext uri="{E40237B7-FDA0-4F09-8148-C483321AD2D9}">
+          <dgm14:cNvPr xmlns:dgm14="http://schemas.microsoft.com/office/drawing/2010/diagram" id="0" name="" descr="Fermer"/>
+        </a:ext>
+      </dgm:extLst>
+    </dgm:pt>
+    <dgm:pt modelId="{44CFCD4D-3B2F-42C1-B678-11C251656E3C}" type="pres">
+      <dgm:prSet presAssocID="{06AE36F0-C096-427C-8C15-A2CCF6979091}" presName="spaceRect" presStyleCnt="0"/>
+      <dgm:spPr/>
+    </dgm:pt>
+    <dgm:pt modelId="{523B562E-981A-45F3-9290-4921AC972FA6}" type="pres">
+      <dgm:prSet presAssocID="{06AE36F0-C096-427C-8C15-A2CCF6979091}" presName="textRect" presStyleLbl="revTx" presStyleIdx="1" presStyleCnt="3">
+        <dgm:presLayoutVars>
+          <dgm:chMax val="1"/>
+          <dgm:chPref val="1"/>
+        </dgm:presLayoutVars>
+      </dgm:prSet>
+      <dgm:spPr/>
+    </dgm:pt>
+    <dgm:pt modelId="{8F4821B7-4E2C-4EA4-B1E7-2DF7C4615521}" type="pres">
+      <dgm:prSet presAssocID="{658D76CA-9D09-47DC-BC83-75235783ABB6}" presName="sibTrans" presStyleCnt="0"/>
+      <dgm:spPr/>
+    </dgm:pt>
+    <dgm:pt modelId="{6ACD561C-488F-49AD-AD85-34B61E817DA6}" type="pres">
+      <dgm:prSet presAssocID="{5131A3C9-B841-4205-B0B6-7FC9A2F3C91B}" presName="compNode" presStyleCnt="0"/>
+      <dgm:spPr/>
+    </dgm:pt>
+    <dgm:pt modelId="{E28A5C00-38DB-46AE-8E5C-86868B21FE7A}" type="pres">
+      <dgm:prSet presAssocID="{5131A3C9-B841-4205-B0B6-7FC9A2F3C91B}" presName="iconRect" presStyleLbl="node1" presStyleIdx="2" presStyleCnt="3"/>
+      <dgm:spPr>
+        <a:blipFill>
+          <a:blip xmlns:r="http://schemas.openxmlformats.org/officeDocument/2006/relationships" r:embed="rId5">
+            <a:extLst>
+              <a:ext uri="{28A0092B-C50C-407E-A947-70E740481C1C}">
+                <a14:useLocalDpi xmlns:a14="http://schemas.microsoft.com/office/drawing/2010/main" val="0"/>
+              </a:ext>
+              <a:ext uri="{96DAC541-7B7A-43D3-8B79-37D633B846F1}">
+                <asvg:svgBlip xmlns:asvg="http://schemas.microsoft.com/office/drawing/2016/SVG/main" r:embed="rId6"/>
+              </a:ext>
+            </a:extLst>
+          </a:blip>
+          <a:stretch>
+            <a:fillRect/>
+          </a:stretch>
+        </a:blipFill>
+        <a:ln>
+          <a:noFill/>
+        </a:ln>
+      </dgm:spPr>
+      <dgm:extLst>
+        <a:ext uri="{E40237B7-FDA0-4F09-8148-C483321AD2D9}">
+          <dgm14:cNvPr xmlns:dgm14="http://schemas.microsoft.com/office/drawing/2010/diagram" id="0" name="" descr="No sign"/>
+        </a:ext>
+      </dgm:extLst>
+    </dgm:pt>
+    <dgm:pt modelId="{A18A29E5-0FEE-4003-9F7A-3AE578EB17B0}" type="pres">
+      <dgm:prSet presAssocID="{5131A3C9-B841-4205-B0B6-7FC9A2F3C91B}" presName="spaceRect" presStyleCnt="0"/>
+      <dgm:spPr/>
+    </dgm:pt>
+    <dgm:pt modelId="{78A4163A-FD64-4C64-B342-8FE3D391B7E3}" type="pres">
+      <dgm:prSet presAssocID="{5131A3C9-B841-4205-B0B6-7FC9A2F3C91B}" presName="textRect" presStyleLbl="revTx" presStyleIdx="2" presStyleCnt="3">
+        <dgm:presLayoutVars>
+          <dgm:chMax val="1"/>
+          <dgm:chPref val="1"/>
+        </dgm:presLayoutVars>
+      </dgm:prSet>
+      <dgm:spPr/>
+    </dgm:pt>
+  </dgm:ptLst>
+  <dgm:cxnLst>
+    <dgm:cxn modelId="{7185D70B-35DD-4B77-B6F4-7E4D6A56D3A4}" type="presOf" srcId="{06AE36F0-C096-427C-8C15-A2CCF6979091}" destId="{523B562E-981A-45F3-9290-4921AC972FA6}" srcOrd="0" destOrd="0" presId="urn:microsoft.com/office/officeart/2018/2/layout/IconLabelList"/>
+    <dgm:cxn modelId="{04B9A02B-9807-4446-A71B-DE6A7063E316}" type="presOf" srcId="{821084FB-A8A7-47EB-B7CD-CAB3D0AD0FF0}" destId="{705D7FDC-2957-43A8-AFAA-B59A9E4DB9DB}" srcOrd="0" destOrd="0" presId="urn:microsoft.com/office/officeart/2018/2/layout/IconLabelList"/>
+    <dgm:cxn modelId="{20D3884B-675A-4BD9-AF0A-C2AD306F73CF}" type="presOf" srcId="{5131A3C9-B841-4205-B0B6-7FC9A2F3C91B}" destId="{78A4163A-FD64-4C64-B342-8FE3D391B7E3}" srcOrd="0" destOrd="0" presId="urn:microsoft.com/office/officeart/2018/2/layout/IconLabelList"/>
+    <dgm:cxn modelId="{95449C7A-FED5-42F8-943A-2D84381E5208}" srcId="{821084FB-A8A7-47EB-B7CD-CAB3D0AD0FF0}" destId="{06AE36F0-C096-427C-8C15-A2CCF6979091}" srcOrd="1" destOrd="0" parTransId="{088232D0-3877-4A2B-9332-34CF856904CB}" sibTransId="{658D76CA-9D09-47DC-BC83-75235783ABB6}"/>
+    <dgm:cxn modelId="{789FD0E7-2F41-426A-9C8C-AB067A1F250B}" type="presOf" srcId="{999DF6B1-1879-4806-9258-1B39D1803D18}" destId="{3E19CC99-E61D-4679-8DF2-E9221912516B}" srcOrd="0" destOrd="0" presId="urn:microsoft.com/office/officeart/2018/2/layout/IconLabelList"/>
+    <dgm:cxn modelId="{EBB1E7E8-765C-4CB2-93A3-43A4608D60BD}" srcId="{821084FB-A8A7-47EB-B7CD-CAB3D0AD0FF0}" destId="{5131A3C9-B841-4205-B0B6-7FC9A2F3C91B}" srcOrd="2" destOrd="0" parTransId="{BA0FF5E3-8180-4D45-A61E-A4828871B082}" sibTransId="{4ADD3ACE-06D2-4A1D-9F8F-FAD11C10E4F4}"/>
+    <dgm:cxn modelId="{AE420AEA-F6F4-4DD6-9842-C398E4EBE122}" srcId="{821084FB-A8A7-47EB-B7CD-CAB3D0AD0FF0}" destId="{999DF6B1-1879-4806-9258-1B39D1803D18}" srcOrd="0" destOrd="0" parTransId="{8E7E4ED3-590F-468B-B182-5CD0B9662728}" sibTransId="{5993E251-DFCC-48C5-81B8-E12948BA30FA}"/>
+    <dgm:cxn modelId="{186CB2C6-9329-4FDF-B72E-DEDFEB9A3E2E}" type="presParOf" srcId="{705D7FDC-2957-43A8-AFAA-B59A9E4DB9DB}" destId="{9C9ED3F0-A8D9-4D0D-A81E-A5C266159E93}" srcOrd="0" destOrd="0" presId="urn:microsoft.com/office/officeart/2018/2/layout/IconLabelList"/>
+    <dgm:cxn modelId="{F15F0342-BFA6-46BF-B11C-3F8EFA2B1509}" type="presParOf" srcId="{9C9ED3F0-A8D9-4D0D-A81E-A5C266159E93}" destId="{C04B7F63-3F24-4FB9-83BF-8E6EB467D8CF}" srcOrd="0" destOrd="0" presId="urn:microsoft.com/office/officeart/2018/2/layout/IconLabelList"/>
+    <dgm:cxn modelId="{CF6ABD78-2A11-4527-BB10-5CDBCB844D1B}" type="presParOf" srcId="{9C9ED3F0-A8D9-4D0D-A81E-A5C266159E93}" destId="{015524F2-7AE0-477E-A97C-0ED207F2CD3C}" srcOrd="1" destOrd="0" presId="urn:microsoft.com/office/officeart/2018/2/layout/IconLabelList"/>
+    <dgm:cxn modelId="{3B3AC45B-1112-4817-AC38-9B501C5AAF91}" type="presParOf" srcId="{9C9ED3F0-A8D9-4D0D-A81E-A5C266159E93}" destId="{3E19CC99-E61D-4679-8DF2-E9221912516B}" srcOrd="2" destOrd="0" presId="urn:microsoft.com/office/officeart/2018/2/layout/IconLabelList"/>
+    <dgm:cxn modelId="{6FE18644-5C90-45B5-B026-7B2469392AB1}" type="presParOf" srcId="{705D7FDC-2957-43A8-AFAA-B59A9E4DB9DB}" destId="{3A9E3489-566E-4270-99CC-CC220C67F17C}" srcOrd="1" destOrd="0" presId="urn:microsoft.com/office/officeart/2018/2/layout/IconLabelList"/>
+    <dgm:cxn modelId="{55F3A887-AEE8-4AE3-A758-56915D0DD135}" type="presParOf" srcId="{705D7FDC-2957-43A8-AFAA-B59A9E4DB9DB}" destId="{42EA30C9-C823-471C-8B72-17FA4717C244}" srcOrd="2" destOrd="0" presId="urn:microsoft.com/office/officeart/2018/2/layout/IconLabelList"/>
+    <dgm:cxn modelId="{878690D7-5049-4B0C-BEBA-47C89EFAA930}" type="presParOf" srcId="{42EA30C9-C823-471C-8B72-17FA4717C244}" destId="{496D5E0B-A445-4B09-B2BE-097E0B7CED06}" srcOrd="0" destOrd="0" presId="urn:microsoft.com/office/officeart/2018/2/layout/IconLabelList"/>
+    <dgm:cxn modelId="{F72E44C0-5CFF-4E4C-96C0-B2AFBFDBF5E4}" type="presParOf" srcId="{42EA30C9-C823-471C-8B72-17FA4717C244}" destId="{44CFCD4D-3B2F-42C1-B678-11C251656E3C}" srcOrd="1" destOrd="0" presId="urn:microsoft.com/office/officeart/2018/2/layout/IconLabelList"/>
+    <dgm:cxn modelId="{B604AA14-A70F-43F3-B863-94ECF0B95CB9}" type="presParOf" srcId="{42EA30C9-C823-471C-8B72-17FA4717C244}" destId="{523B562E-981A-45F3-9290-4921AC972FA6}" srcOrd="2" destOrd="0" presId="urn:microsoft.com/office/officeart/2018/2/layout/IconLabelList"/>
+    <dgm:cxn modelId="{D2F5321E-7809-4A49-8E92-4820CF83F7E9}" type="presParOf" srcId="{705D7FDC-2957-43A8-AFAA-B59A9E4DB9DB}" destId="{8F4821B7-4E2C-4EA4-B1E7-2DF7C4615521}" srcOrd="3" destOrd="0" presId="urn:microsoft.com/office/officeart/2018/2/layout/IconLabelList"/>
+    <dgm:cxn modelId="{01BEF08D-5206-47CB-8A5D-6619C3BF18FE}" type="presParOf" srcId="{705D7FDC-2957-43A8-AFAA-B59A9E4DB9DB}" destId="{6ACD561C-488F-49AD-AD85-34B61E817DA6}" srcOrd="4" destOrd="0" presId="urn:microsoft.com/office/officeart/2018/2/layout/IconLabelList"/>
+    <dgm:cxn modelId="{B3CE2372-3C38-43A4-B9FC-660E9A176409}" type="presParOf" srcId="{6ACD561C-488F-49AD-AD85-34B61E817DA6}" destId="{E28A5C00-38DB-46AE-8E5C-86868B21FE7A}" srcOrd="0" destOrd="0" presId="urn:microsoft.com/office/officeart/2018/2/layout/IconLabelList"/>
+    <dgm:cxn modelId="{709DF4E4-E4FD-4F30-A08A-15672F4F7A7C}" type="presParOf" srcId="{6ACD561C-488F-49AD-AD85-34B61E817DA6}" destId="{A18A29E5-0FEE-4003-9F7A-3AE578EB17B0}" srcOrd="1" destOrd="0" presId="urn:microsoft.com/office/officeart/2018/2/layout/IconLabelList"/>
+    <dgm:cxn modelId="{7FA80607-55F4-495C-B755-3E06B9F3D68A}" type="presParOf" srcId="{6ACD561C-488F-49AD-AD85-34B61E817DA6}" destId="{78A4163A-FD64-4C64-B342-8FE3D391B7E3}" srcOrd="2" destOrd="0" presId="urn:microsoft.com/office/officeart/2018/2/layout/IconLabelList"/>
+  </dgm:cxnLst>
+  <dgm:bg/>
+  <dgm:whole/>
+  <dgm:extLst>
+    <a:ext uri="http://schemas.microsoft.com/office/drawing/2008/diagram">
+      <dsp:dataModelExt xmlns:dsp="http://schemas.microsoft.com/office/drawing/2008/diagram" relId="rId6" minVer="http://schemas.openxmlformats.org/drawingml/2006/diagram"/>
+    </a:ext>
+  </dgm:extLst>
+</dgm:dataModel>
+</file>
+
+<file path=ppt/diagrams/data4.xml><?xml version="1.0" encoding="utf-8"?>
+<dgm:dataModel xmlns:dgm="http://schemas.openxmlformats.org/drawingml/2006/diagram" xmlns:a="http://schemas.openxmlformats.org/drawingml/2006/main">
+  <dgm:ptLst>
     <dgm:pt modelId="{0C94ED1F-1648-4E53-95A0-FDE2BC613166}" type="doc">
-      <dgm:prSet loTypeId="urn:microsoft.com/office/officeart/2018/5/layout/CenteredIconLabelDescriptionList" loCatId="icon" qsTypeId="urn:microsoft.com/office/officeart/2005/8/quickstyle/simple1" qsCatId="simple" csTypeId="urn:microsoft.com/office/officeart/2018/5/colors/Iconchunking_neutralbg_colorful1" csCatId="colorful" phldr="1"/>
+      <dgm:prSet loTypeId="urn:microsoft.com/office/officeart/2005/8/layout/list1" loCatId="list" qsTypeId="urn:microsoft.com/office/officeart/2005/8/quickstyle/simple1" qsCatId="simple" csTypeId="urn:microsoft.com/office/officeart/2005/8/colors/colorful1" csCatId="colorful" phldr="1"/>
       <dgm:spPr/>
       <dgm:t>
         <a:bodyPr/>
@@ -3957,13 +5229,10 @@
         <a:lstStyle/>
         <a:p>
           <a:pPr>
-            <a:lnSpc>
-              <a:spcPct val="100000"/>
-            </a:lnSpc>
             <a:defRPr b="1"/>
           </a:pPr>
           <a:r>
-            <a:rPr lang="en-US"/>
+            <a:rPr lang="en-US" dirty="0"/>
             <a:t>Input :</a:t>
           </a:r>
         </a:p>
@@ -3992,39 +5261,26 @@
       </dgm:t>
     </dgm:pt>
     <dgm:pt modelId="{85A3A20B-F1A4-4341-B193-044A19AE8956}">
-      <dgm:prSet custT="1"/>
+      <dgm:prSet/>
       <dgm:spPr/>
       <dgm:t>
         <a:bodyPr/>
         <a:lstStyle/>
         <a:p>
           <a:pPr>
-            <a:lnSpc>
-              <a:spcPct val="100000"/>
-            </a:lnSpc>
+            <a:buNone/>
           </a:pPr>
           <a:r>
-            <a:rPr lang="en-US" sz="1600" kern="1200"/>
+            <a:rPr lang="en-US" sz="1700" kern="1200" dirty="0"/>
             <a:t>Request to the </a:t>
           </a:r>
           <a:r>
-            <a:rPr lang="en-US" sz="1600" kern="1200" err="1"/>
+            <a:rPr lang="en-US" sz="1700" kern="1200" dirty="0" err="1"/>
             <a:t>api</a:t>
           </a:r>
           <a:r>
-            <a:rPr lang="en-US" sz="1600" kern="1200"/>
+            <a:rPr lang="en-US" sz="1700" kern="1200" dirty="0"/>
             <a:t> must have the following Json format :</a:t>
-          </a:r>
-        </a:p>
-        <a:p>
-          <a:pPr>
-            <a:lnSpc>
-              <a:spcPct val="100000"/>
-            </a:lnSpc>
-          </a:pPr>
-          <a:r>
-            <a:rPr lang="en-US" sz="1600" kern="1200"/>
-            <a:t>For vectorized data :</a:t>
           </a:r>
         </a:p>
       </dgm:t>
@@ -4058,43 +5314,98 @@
         <a:bodyPr/>
         <a:lstStyle/>
         <a:p>
+          <a:pPr>
+            <a:buFont typeface="Wingdings" panose="05000000000000000000" pitchFamily="2" charset="2"/>
+            <a:buChar char="Ø"/>
+          </a:pPr>
           <a:r>
-            <a:rPr lang="en-US" sz="1600" kern="1200"/>
-            <a:t>data = [1,[X</a:t>
+            <a:rPr lang="en-US" sz="1700" kern="1200" dirty="0"/>
+            <a:t> data = </a:t>
           </a:r>
           <a:r>
-            <a:rPr lang="en-US" sz="1200" kern="1200"/>
+            <a:rPr lang="en-US" sz="1700" kern="1200" dirty="0">
+              <a:latin typeface="Courier New" panose="02070309020205020404" pitchFamily="49" charset="0"/>
+              <a:cs typeface="Courier New" panose="02070309020205020404" pitchFamily="49" charset="0"/>
+            </a:rPr>
+            <a:t>[1,[X</a:t>
+          </a:r>
+          <a:r>
+            <a:rPr lang="en-US" sz="1200" kern="1200" dirty="0">
+              <a:latin typeface="Courier New" panose="02070309020205020404" pitchFamily="49" charset="0"/>
+              <a:cs typeface="Courier New" panose="02070309020205020404" pitchFamily="49" charset="0"/>
+            </a:rPr>
             <a:t>1</a:t>
           </a:r>
           <a:r>
-            <a:rPr lang="en-US" sz="1600" kern="1200"/>
+            <a:rPr lang="en-US" sz="1700" kern="1200" dirty="0">
+              <a:latin typeface="Courier New" panose="02070309020205020404" pitchFamily="49" charset="0"/>
+              <a:cs typeface="Courier New" panose="02070309020205020404" pitchFamily="49" charset="0"/>
+            </a:rPr>
             <a:t>,X</a:t>
           </a:r>
           <a:r>
-            <a:rPr lang="en-US" sz="1200" kern="1200"/>
+            <a:rPr lang="en-US" sz="1200" kern="1200" dirty="0">
+              <a:latin typeface="Courier New" panose="02070309020205020404" pitchFamily="49" charset="0"/>
+              <a:cs typeface="Courier New" panose="02070309020205020404" pitchFamily="49" charset="0"/>
+            </a:rPr>
             <a:t>2</a:t>
           </a:r>
           <a:r>
-            <a:rPr lang="en-US" sz="1600" kern="1200"/>
+            <a:rPr lang="en-US" sz="1700" kern="1200" dirty="0">
+              <a:latin typeface="Courier New" panose="02070309020205020404" pitchFamily="49" charset="0"/>
+              <a:cs typeface="Courier New" panose="02070309020205020404" pitchFamily="49" charset="0"/>
+            </a:rPr>
             <a:t>,...] = [1,[[x</a:t>
           </a:r>
           <a:r>
-            <a:rPr lang="en-US" sz="1200" kern="1200"/>
+            <a:rPr lang="en-US" sz="1200" kern="1200" dirty="0">
+              <a:latin typeface="Courier New" panose="02070309020205020404" pitchFamily="49" charset="0"/>
+              <a:cs typeface="Courier New" panose="02070309020205020404" pitchFamily="49" charset="0"/>
+            </a:rPr>
             <a:t>1i</a:t>
           </a:r>
           <a:r>
-            <a:rPr lang="en-US" sz="1600" kern="1200"/>
-            <a:t>]*57,[x</a:t>
+            <a:rPr lang="en-US" sz="1700" kern="1200" dirty="0">
+              <a:latin typeface="Courier New" panose="02070309020205020404" pitchFamily="49" charset="0"/>
+              <a:cs typeface="Courier New" panose="02070309020205020404" pitchFamily="49" charset="0"/>
+            </a:rPr>
+            <a:t>]*57, [x</a:t>
           </a:r>
           <a:r>
-            <a:rPr lang="en-US" sz="1100" kern="1200"/>
+            <a:rPr lang="en-US" sz="1200" kern="1200" dirty="0">
+              <a:latin typeface="Courier New" panose="02070309020205020404" pitchFamily="49" charset="0"/>
+              <a:cs typeface="Courier New" panose="02070309020205020404" pitchFamily="49" charset="0"/>
+            </a:rPr>
             <a:t>2i</a:t>
           </a:r>
           <a:r>
-            <a:rPr lang="en-US" sz="1600" kern="1200"/>
-            <a:t>]*57,...]</a:t>
+            <a:rPr lang="en-US" sz="1700" kern="1200" dirty="0">
+              <a:latin typeface="Courier New" panose="02070309020205020404" pitchFamily="49" charset="0"/>
+              <a:cs typeface="Courier New" panose="02070309020205020404" pitchFamily="49" charset="0"/>
+            </a:rPr>
+            <a:t>]*57, ... [</a:t>
           </a:r>
-          <a:endParaRPr lang="en-US" sz="1200" kern="1200"/>
+          <a:r>
+            <a:rPr lang="en-US" sz="1700" kern="1200" dirty="0" err="1">
+              <a:latin typeface="Courier New" panose="02070309020205020404" pitchFamily="49" charset="0"/>
+              <a:cs typeface="Courier New" panose="02070309020205020404" pitchFamily="49" charset="0"/>
+            </a:rPr>
+            <a:t>x</a:t>
+          </a:r>
+          <a:r>
+            <a:rPr lang="en-US" sz="1400" kern="1200" dirty="0" err="1">
+              <a:latin typeface="Courier New" panose="02070309020205020404" pitchFamily="49" charset="0"/>
+              <a:cs typeface="Courier New" panose="02070309020205020404" pitchFamily="49" charset="0"/>
+            </a:rPr>
+            <a:t>ni</a:t>
+          </a:r>
+          <a:r>
+            <a:rPr lang="en-US" sz="1700" kern="1200" dirty="0">
+              <a:latin typeface="Courier New" panose="02070309020205020404" pitchFamily="49" charset="0"/>
+              <a:cs typeface="Courier New" panose="02070309020205020404" pitchFamily="49" charset="0"/>
+            </a:rPr>
+            <a:t>]*57]</a:t>
+          </a:r>
         </a:p>
       </dgm:t>
     </dgm:pt>
@@ -4121,15 +5432,19 @@
       </dgm:t>
     </dgm:pt>
     <dgm:pt modelId="{B124D733-97A5-43CB-B588-6034C2546151}">
-      <dgm:prSet custT="1"/>
+      <dgm:prSet/>
       <dgm:spPr/>
       <dgm:t>
         <a:bodyPr/>
         <a:lstStyle/>
         <a:p>
+          <a:pPr>
+            <a:buFont typeface="Wingdings" panose="05000000000000000000" pitchFamily="2" charset="2"/>
+            <a:buChar char="Ø"/>
+          </a:pPr>
           <a:r>
-            <a:rPr lang="en-US" sz="1600" kern="1200"/>
-            <a:t>data = [0,["raw email text 1","raw email text 2",... ]]</a:t>
+            <a:rPr lang="en-US" sz="1700" kern="1200" dirty="0"/>
+            <a:t> data = [0,["raw email text 1", "raw email text 2", ... ]]</a:t>
           </a:r>
         </a:p>
       </dgm:t>
@@ -4157,20 +5472,19 @@
       </dgm:t>
     </dgm:pt>
     <dgm:pt modelId="{BA916E41-9B8C-46AA-BAB3-55D1C85AF8CA}">
-      <dgm:prSet custT="1"/>
+      <dgm:prSet/>
       <dgm:spPr/>
       <dgm:t>
         <a:bodyPr/>
         <a:lstStyle/>
         <a:p>
           <a:pPr>
-            <a:lnSpc>
-              <a:spcPct val="100000"/>
-            </a:lnSpc>
+            <a:buFont typeface="Wingdings" panose="05000000000000000000" pitchFamily="2" charset="2"/>
+            <a:buChar char="Ø"/>
           </a:pPr>
           <a:r>
-            <a:rPr lang="en-US" sz="1600" kern="1200"/>
-            <a:t>data[0]=0 if it is a list of raw emails, data[0]=1 if it is a list of vector compatible with the model</a:t>
+            <a:rPr lang="en-US" sz="1700" kern="1200" dirty="0"/>
+            <a:t> data[0]=0 if it is a list of raw emails, data[0]=1 if it is a list of vector compatible with the model</a:t>
           </a:r>
         </a:p>
       </dgm:t>
@@ -4205,9 +5519,6 @@
         <a:lstStyle/>
         <a:p>
           <a:pPr>
-            <a:lnSpc>
-              <a:spcPct val="100000"/>
-            </a:lnSpc>
             <a:defRPr b="1"/>
           </a:pPr>
           <a:r>
@@ -4247,21 +5558,19 @@
         <a:lstStyle/>
         <a:p>
           <a:pPr>
-            <a:lnSpc>
-              <a:spcPct val="100000"/>
-            </a:lnSpc>
+            <a:buNone/>
           </a:pPr>
           <a:r>
-            <a:rPr lang="en-US" sz="1700"/>
+            <a:rPr lang="en-US" dirty="0"/>
             <a:t>The </a:t>
           </a:r>
           <a:r>
-            <a:rPr lang="en-US" sz="1700" err="1"/>
+            <a:rPr lang="en-US" dirty="0" err="1"/>
             <a:t>api</a:t>
           </a:r>
           <a:r>
-            <a:rPr lang="en-US" sz="1700"/>
-            <a:t> will return data in the following format :</a:t>
+            <a:rPr lang="en-US" dirty="0"/>
+            <a:t> will return data in the following Json format :</a:t>
           </a:r>
         </a:p>
       </dgm:t>
@@ -4289,36 +5598,15 @@
       </dgm:t>
     </dgm:pt>
     <dgm:pt modelId="{3804CF93-893D-46F0-833B-787FACCA925A}">
-      <dgm:prSet custT="1"/>
+      <dgm:prSet/>
       <dgm:spPr/>
       <dgm:t>
         <a:bodyPr/>
         <a:lstStyle/>
         <a:p>
-          <a:pPr>
-            <a:lnSpc>
-              <a:spcPct val="100000"/>
-            </a:lnSpc>
-          </a:pPr>
           <a:r>
-            <a:rPr lang="en-US" sz="1700"/>
-            <a:t>[p</a:t>
-          </a:r>
-          <a:r>
-            <a:rPr lang="en-US" sz="1200"/>
-            <a:t>1</a:t>
-          </a:r>
-          <a:r>
-            <a:rPr lang="en-US" sz="1700"/>
-            <a:t>,p</a:t>
-          </a:r>
-          <a:r>
-            <a:rPr lang="en-US" sz="1200"/>
-            <a:t>2</a:t>
-          </a:r>
-          <a:r>
-            <a:rPr lang="en-US" sz="1700"/>
-            <a:t>,...]</a:t>
+            <a:rPr lang="en-US" dirty="0"/>
+            <a:t>[p1,p2,...]</a:t>
           </a:r>
         </a:p>
       </dgm:t>
@@ -4345,166 +5633,18 @@
         </a:p>
       </dgm:t>
     </dgm:pt>
-    <dgm:pt modelId="{07C353E5-FD42-472A-9B63-346F6D1DFE1C}">
-      <dgm:prSet custT="1"/>
+    <dgm:pt modelId="{82884F94-B4DA-4D87-AA43-664DA084FD2A}">
+      <dgm:prSet/>
       <dgm:spPr/>
       <dgm:t>
         <a:bodyPr/>
         <a:lstStyle/>
         <a:p>
           <a:pPr>
-            <a:lnSpc>
-              <a:spcPct val="100000"/>
-            </a:lnSpc>
+            <a:buNone/>
           </a:pPr>
           <a:r>
-            <a:rPr lang="en-US" sz="1700"/>
-            <a:t>with </a:t>
-          </a:r>
-          <a:r>
-            <a:rPr lang="en-US" sz="1700" err="1"/>
-            <a:t>p</a:t>
-          </a:r>
-          <a:r>
-            <a:rPr lang="en-US" sz="1200" err="1"/>
-            <a:t>n</a:t>
-          </a:r>
-          <a:r>
-            <a:rPr lang="en-US" sz="1700"/>
-            <a:t> the prediction for the n </a:t>
-          </a:r>
-          <a:r>
-            <a:rPr lang="en-US" sz="1700" err="1"/>
-            <a:t>th</a:t>
-          </a:r>
-          <a:r>
-            <a:rPr lang="en-US" sz="1700"/>
-            <a:t> element</a:t>
-          </a:r>
-        </a:p>
-      </dgm:t>
-    </dgm:pt>
-    <dgm:pt modelId="{04BA297C-5AD7-479F-BB38-E5A94BB3EFDC}" type="parTrans" cxnId="{32A70F65-A956-4C37-993E-1DB326065323}">
-      <dgm:prSet/>
-      <dgm:spPr/>
-      <dgm:t>
-        <a:bodyPr/>
-        <a:lstStyle/>
-        <a:p>
-          <a:endParaRPr lang="en-US"/>
-        </a:p>
-      </dgm:t>
-    </dgm:pt>
-    <dgm:pt modelId="{5684205D-41BA-483F-A1AD-88A202029E49}" type="sibTrans" cxnId="{32A70F65-A956-4C37-993E-1DB326065323}">
-      <dgm:prSet/>
-      <dgm:spPr/>
-      <dgm:t>
-        <a:bodyPr/>
-        <a:lstStyle/>
-        <a:p>
-          <a:endParaRPr lang="en-US"/>
-        </a:p>
-      </dgm:t>
-    </dgm:pt>
-    <dgm:pt modelId="{25D90DFA-65C3-43F6-8DB0-0AFA3884D179}">
-      <dgm:prSet custT="1"/>
-      <dgm:spPr/>
-      <dgm:t>
-        <a:bodyPr/>
-        <a:lstStyle/>
-        <a:p>
-          <a:pPr>
-            <a:lnSpc>
-              <a:spcPct val="100000"/>
-            </a:lnSpc>
-          </a:pPr>
-          <a:r>
-            <a:rPr lang="en-US" sz="1600" kern="1200"/>
-            <a:t>with every </a:t>
-          </a:r>
-          <a:r>
-            <a:rPr lang="en-US" sz="1600" kern="1200" err="1"/>
-            <a:t>x</a:t>
-          </a:r>
-          <a:r>
-            <a:rPr lang="en-US" sz="1100" kern="1200" err="1"/>
-            <a:t>ni</a:t>
-          </a:r>
-          <a:r>
-            <a:rPr lang="en-US" sz="1600" kern="1200"/>
-            <a:t> corresponding to a columns of </a:t>
-          </a:r>
-          <a:r>
-            <a:rPr lang="en-US" sz="1600" kern="1200" err="1"/>
-            <a:t>X</a:t>
-          </a:r>
-          <a:r>
-            <a:rPr lang="en-US" sz="1200" kern="1200" err="1"/>
-            <a:t>n</a:t>
-          </a:r>
-          <a:endParaRPr lang="en-US" sz="1200" kern="1200"/>
-        </a:p>
-        <a:p>
-          <a:pPr>
-            <a:lnSpc>
-              <a:spcPct val="100000"/>
-            </a:lnSpc>
-          </a:pPr>
-          <a:r>
-            <a:rPr lang="en-US" sz="1600" kern="1200">
-              <a:solidFill>
-                <a:srgbClr val="000000">
-                  <a:hueOff val="0"/>
-                  <a:satOff val="0"/>
-                  <a:lumOff val="0"/>
-                  <a:alphaOff val="0"/>
-                </a:srgbClr>
-              </a:solidFill>
-              <a:latin typeface="Gill Sans MT"/>
-              <a:ea typeface="+mn-ea"/>
-              <a:cs typeface="+mn-cs"/>
-            </a:rPr>
-            <a:t>For raw email data :</a:t>
-          </a:r>
-        </a:p>
-      </dgm:t>
-    </dgm:pt>
-    <dgm:pt modelId="{15E8B901-56B0-405B-AEFF-87099620FA15}" type="parTrans" cxnId="{2DE932AD-5AD6-403B-A0A3-47E23B5CC4E3}">
-      <dgm:prSet/>
-      <dgm:spPr/>
-      <dgm:t>
-        <a:bodyPr/>
-        <a:lstStyle/>
-        <a:p>
-          <a:endParaRPr lang="fr-FR"/>
-        </a:p>
-      </dgm:t>
-    </dgm:pt>
-    <dgm:pt modelId="{24837CF6-15DE-4524-9FB0-90986FEDE43A}" type="sibTrans" cxnId="{2DE932AD-5AD6-403B-A0A3-47E23B5CC4E3}">
-      <dgm:prSet/>
-      <dgm:spPr/>
-      <dgm:t>
-        <a:bodyPr/>
-        <a:lstStyle/>
-        <a:p>
-          <a:endParaRPr lang="fr-FR"/>
-        </a:p>
-      </dgm:t>
-    </dgm:pt>
-    <dgm:pt modelId="{82884F94-B4DA-4D87-AA43-664DA084FD2A}">
-      <dgm:prSet custT="1"/>
-      <dgm:spPr/>
-      <dgm:t>
-        <a:bodyPr/>
-        <a:lstStyle/>
-        <a:p>
-          <a:pPr>
-            <a:lnSpc>
-              <a:spcPct val="100000"/>
-            </a:lnSpc>
-          </a:pPr>
-          <a:r>
-            <a:rPr lang="en-US" sz="1600" kern="1200"/>
+            <a:rPr lang="en-US" sz="1700" kern="1200" dirty="0"/>
             <a:t>data[0] is a flag to know if the data is a row emails or a vector :</a:t>
           </a:r>
         </a:p>
@@ -4533,13 +5673,13 @@
       </dgm:t>
     </dgm:pt>
     <dgm:pt modelId="{BFB2FC67-0F04-4F80-A54F-770B1E182FD6}">
-      <dgm:prSet custT="1"/>
+      <dgm:prSet/>
       <dgm:spPr/>
       <dgm:t>
         <a:bodyPr/>
         <a:lstStyle/>
         <a:p>
-          <a:endParaRPr lang="en-US" sz="1600" kern="1200"/>
+          <a:endParaRPr lang="en-US" sz="1700" kern="1200" dirty="0"/>
         </a:p>
       </dgm:t>
     </dgm:pt>
@@ -4565,169 +5705,307 @@
         </a:p>
       </dgm:t>
     </dgm:pt>
-    <dgm:pt modelId="{5ABE4AB1-B6BC-46CB-83DB-0009F78BAA11}" type="pres">
-      <dgm:prSet presAssocID="{0C94ED1F-1648-4E53-95A0-FDE2BC613166}" presName="root" presStyleCnt="0">
+    <dgm:pt modelId="{A776210D-E9E2-4126-A48A-06F66E35877D}">
+      <dgm:prSet/>
+      <dgm:spPr/>
+      <dgm:t>
+        <a:bodyPr/>
+        <a:lstStyle/>
+        <a:p>
+          <a:r>
+            <a:rPr lang="en-US" sz="1700" kern="1200" dirty="0">
+              <a:latin typeface="Gill Sans MT"/>
+              <a:ea typeface="+mn-ea"/>
+              <a:cs typeface="+mn-cs"/>
+            </a:rPr>
+            <a:t>For raw email data :</a:t>
+          </a:r>
+          <a:endParaRPr lang="en-US" sz="1700" kern="1200" dirty="0"/>
+        </a:p>
+      </dgm:t>
+    </dgm:pt>
+    <dgm:pt modelId="{BBE06DD7-BEB3-4E55-921C-8F97AFEE3AEE}" type="parTrans" cxnId="{9E8C9E96-43AD-4032-83E5-4D97A2ACB1E4}">
+      <dgm:prSet/>
+      <dgm:spPr/>
+      <dgm:t>
+        <a:bodyPr/>
+        <a:lstStyle/>
+        <a:p>
+          <a:endParaRPr lang="fr-FR"/>
+        </a:p>
+      </dgm:t>
+    </dgm:pt>
+    <dgm:pt modelId="{1FFCAD74-6850-4BD8-BBB1-08C46C7DCD4E}" type="sibTrans" cxnId="{9E8C9E96-43AD-4032-83E5-4D97A2ACB1E4}">
+      <dgm:prSet/>
+      <dgm:spPr/>
+      <dgm:t>
+        <a:bodyPr/>
+        <a:lstStyle/>
+        <a:p>
+          <a:endParaRPr lang="fr-FR"/>
+        </a:p>
+      </dgm:t>
+    </dgm:pt>
+    <dgm:pt modelId="{89E444BA-9FAB-4CD6-A6A4-F5073EF8A101}">
+      <dgm:prSet/>
+      <dgm:spPr/>
+      <dgm:t>
+        <a:bodyPr/>
+        <a:lstStyle/>
+        <a:p>
+          <a:r>
+            <a:rPr lang="en-US" sz="1700" kern="1200" dirty="0"/>
+            <a:t>For vectorized data :</a:t>
+          </a:r>
+        </a:p>
+      </dgm:t>
+    </dgm:pt>
+    <dgm:pt modelId="{DCBE5948-6ABE-4FF7-88DF-6D8CEBDAB960}" type="parTrans" cxnId="{04FB8061-CA19-4AC8-BCC3-9ADCDE860AE9}">
+      <dgm:prSet/>
+      <dgm:spPr/>
+      <dgm:t>
+        <a:bodyPr/>
+        <a:lstStyle/>
+        <a:p>
+          <a:endParaRPr lang="fr-FR"/>
+        </a:p>
+      </dgm:t>
+    </dgm:pt>
+    <dgm:pt modelId="{DB6D0B64-2262-4D97-9073-C19BFFD4484E}" type="sibTrans" cxnId="{04FB8061-CA19-4AC8-BCC3-9ADCDE860AE9}">
+      <dgm:prSet/>
+      <dgm:spPr/>
+      <dgm:t>
+        <a:bodyPr/>
+        <a:lstStyle/>
+        <a:p>
+          <a:endParaRPr lang="fr-FR"/>
+        </a:p>
+      </dgm:t>
+    </dgm:pt>
+    <dgm:pt modelId="{F708F9D0-4368-41B1-9186-8E809972D07E}">
+      <dgm:prSet/>
+      <dgm:spPr/>
+      <dgm:t>
+        <a:bodyPr/>
+        <a:lstStyle/>
+        <a:p>
+          <a:pPr>
+            <a:buFont typeface="Wingdings" panose="05000000000000000000" pitchFamily="2" charset="2"/>
+            <a:buNone/>
+          </a:pPr>
+          <a:r>
+            <a:rPr lang="en-US" sz="1700" kern="1200" dirty="0"/>
+            <a:t>with every </a:t>
+          </a:r>
+          <a:r>
+            <a:rPr lang="en-US" sz="1700" kern="1200" dirty="0" err="1"/>
+            <a:t>xni</a:t>
+          </a:r>
+          <a:r>
+            <a:rPr lang="en-US" sz="1700" kern="1200" dirty="0"/>
+            <a:t> corresponding to a columns of </a:t>
+          </a:r>
+          <a:r>
+            <a:rPr lang="en-US" sz="1700" kern="1200" dirty="0" err="1"/>
+            <a:t>Xn</a:t>
+          </a:r>
+          <a:endParaRPr lang="en-US" sz="1700" kern="1200" dirty="0"/>
+        </a:p>
+      </dgm:t>
+    </dgm:pt>
+    <dgm:pt modelId="{C3F2FA08-1F06-4B45-BD89-8E9905A4A323}" type="parTrans" cxnId="{921673DD-A889-4CBD-8494-9EAC0F8CE114}">
+      <dgm:prSet/>
+      <dgm:spPr/>
+      <dgm:t>
+        <a:bodyPr/>
+        <a:lstStyle/>
+        <a:p>
+          <a:endParaRPr lang="fr-FR"/>
+        </a:p>
+      </dgm:t>
+    </dgm:pt>
+    <dgm:pt modelId="{C98F1B81-5DE8-4D74-A48A-5BA24C01BFCD}" type="sibTrans" cxnId="{921673DD-A889-4CBD-8494-9EAC0F8CE114}">
+      <dgm:prSet/>
+      <dgm:spPr/>
+      <dgm:t>
+        <a:bodyPr/>
+        <a:lstStyle/>
+        <a:p>
+          <a:endParaRPr lang="fr-FR"/>
+        </a:p>
+      </dgm:t>
+    </dgm:pt>
+    <dgm:pt modelId="{A522C5B3-D332-4844-873D-01AD0A825653}">
+      <dgm:prSet/>
+      <dgm:spPr/>
+      <dgm:t>
+        <a:bodyPr/>
+        <a:lstStyle/>
+        <a:p>
+          <a:pPr>
+            <a:buNone/>
+          </a:pPr>
+          <a:r>
+            <a:rPr lang="en-US" dirty="0"/>
+            <a:t>with </a:t>
+          </a:r>
+          <a:r>
+            <a:rPr lang="en-US" dirty="0" err="1"/>
+            <a:t>pn</a:t>
+          </a:r>
+          <a:r>
+            <a:rPr lang="en-US" dirty="0"/>
+            <a:t> the prediction for the n </a:t>
+          </a:r>
+          <a:r>
+            <a:rPr lang="en-US" dirty="0" err="1"/>
+            <a:t>th</a:t>
+          </a:r>
+          <a:r>
+            <a:rPr lang="en-US" dirty="0"/>
+            <a:t> element</a:t>
+          </a:r>
+        </a:p>
+      </dgm:t>
+    </dgm:pt>
+    <dgm:pt modelId="{DEE12271-4BE4-4AEB-9255-91DCCA523E5A}" type="parTrans" cxnId="{63A5C05E-2282-44FC-8BFD-2FAC0FAFAA54}">
+      <dgm:prSet/>
+      <dgm:spPr/>
+      <dgm:t>
+        <a:bodyPr/>
+        <a:lstStyle/>
+        <a:p>
+          <a:endParaRPr lang="fr-FR"/>
+        </a:p>
+      </dgm:t>
+    </dgm:pt>
+    <dgm:pt modelId="{EB96B9B8-CD80-4B48-8C02-4A69FD9CBF9E}" type="sibTrans" cxnId="{63A5C05E-2282-44FC-8BFD-2FAC0FAFAA54}">
+      <dgm:prSet/>
+      <dgm:spPr/>
+      <dgm:t>
+        <a:bodyPr/>
+        <a:lstStyle/>
+        <a:p>
+          <a:endParaRPr lang="fr-FR"/>
+        </a:p>
+      </dgm:t>
+    </dgm:pt>
+    <dgm:pt modelId="{25B7E9ED-1AE5-4A3E-B6DF-909B7BEB5418}" type="pres">
+      <dgm:prSet presAssocID="{0C94ED1F-1648-4E53-95A0-FDE2BC613166}" presName="linear" presStyleCnt="0">
         <dgm:presLayoutVars>
           <dgm:dir/>
+          <dgm:animLvl val="lvl"/>
           <dgm:resizeHandles val="exact"/>
         </dgm:presLayoutVars>
       </dgm:prSet>
       <dgm:spPr/>
     </dgm:pt>
-    <dgm:pt modelId="{EE409CF5-15F2-473B-A98F-4473C495534E}" type="pres">
-      <dgm:prSet presAssocID="{7101E244-D671-4E48-8436-8E44FF3D7F25}" presName="compNode" presStyleCnt="0"/>
+    <dgm:pt modelId="{DDB80F5E-29E1-4283-8699-3A8AD1A335FE}" type="pres">
+      <dgm:prSet presAssocID="{7101E244-D671-4E48-8436-8E44FF3D7F25}" presName="parentLin" presStyleCnt="0"/>
       <dgm:spPr/>
     </dgm:pt>
-    <dgm:pt modelId="{0E6590DB-63FF-43E3-8E4F-7D4E25D552A1}" type="pres">
-      <dgm:prSet presAssocID="{7101E244-D671-4E48-8436-8E44FF3D7F25}" presName="iconRect" presStyleLbl="node1" presStyleIdx="0" presStyleCnt="2" custScaleX="75392" custScaleY="75392" custLinFactY="-100000" custLinFactNeighborX="-7868" custLinFactNeighborY="-101397"/>
-      <dgm:spPr>
-        <a:blipFill>
-          <a:blip xmlns:r="http://schemas.openxmlformats.org/officeDocument/2006/relationships" r:embed="rId1">
-            <a:extLst>
-              <a:ext uri="{28A0092B-C50C-407E-A947-70E740481C1C}">
-                <a14:useLocalDpi xmlns:a14="http://schemas.microsoft.com/office/drawing/2010/main" val="0"/>
-              </a:ext>
-              <a:ext uri="{96DAC541-7B7A-43D3-8B79-37D633B846F1}">
-                <asvg:svgBlip xmlns:asvg="http://schemas.microsoft.com/office/drawing/2016/SVG/main" r:embed="rId2"/>
-              </a:ext>
-            </a:extLst>
-          </a:blip>
-          <a:stretch>
-            <a:fillRect/>
-          </a:stretch>
-        </a:blipFill>
-        <a:ln>
-          <a:noFill/>
-        </a:ln>
-      </dgm:spPr>
-      <dgm:extLst>
-        <a:ext uri="{E40237B7-FDA0-4F09-8148-C483321AD2D9}">
-          <dgm14:cNvPr xmlns:dgm14="http://schemas.microsoft.com/office/drawing/2010/diagram" id="0" name="" descr="Serveur"/>
-        </a:ext>
-      </dgm:extLst>
-    </dgm:pt>
-    <dgm:pt modelId="{94A170AE-52BE-47B0-8E39-864504101F5E}" type="pres">
-      <dgm:prSet presAssocID="{7101E244-D671-4E48-8436-8E44FF3D7F25}" presName="iconSpace" presStyleCnt="0"/>
+    <dgm:pt modelId="{4E8BCDB6-EDBD-4B98-A1C0-3AB01EB718BA}" type="pres">
+      <dgm:prSet presAssocID="{7101E244-D671-4E48-8436-8E44FF3D7F25}" presName="parentLeftMargin" presStyleLbl="node1" presStyleIdx="0" presStyleCnt="2"/>
       <dgm:spPr/>
     </dgm:pt>
-    <dgm:pt modelId="{77D8ECA1-E405-4C49-8D89-49233D6C0146}" type="pres">
-      <dgm:prSet presAssocID="{7101E244-D671-4E48-8436-8E44FF3D7F25}" presName="parTx" presStyleLbl="revTx" presStyleIdx="0" presStyleCnt="4" custLinFactY="-100000" custLinFactNeighborX="-1432" custLinFactNeighborY="-132096">
+    <dgm:pt modelId="{609A8973-722A-4A19-B38E-0DF607150791}" type="pres">
+      <dgm:prSet presAssocID="{7101E244-D671-4E48-8436-8E44FF3D7F25}" presName="parentText" presStyleLbl="node1" presStyleIdx="0" presStyleCnt="2">
         <dgm:presLayoutVars>
           <dgm:chMax val="0"/>
-          <dgm:chPref val="0"/>
+          <dgm:bulletEnabled val="1"/>
         </dgm:presLayoutVars>
       </dgm:prSet>
       <dgm:spPr/>
     </dgm:pt>
-    <dgm:pt modelId="{3605F66B-12CD-418A-9E09-D80200DD767A}" type="pres">
-      <dgm:prSet presAssocID="{7101E244-D671-4E48-8436-8E44FF3D7F25}" presName="txSpace" presStyleCnt="0"/>
+    <dgm:pt modelId="{77680267-6712-4046-9F8D-0E564CC9CE7F}" type="pres">
+      <dgm:prSet presAssocID="{7101E244-D671-4E48-8436-8E44FF3D7F25}" presName="negativeSpace" presStyleCnt="0"/>
       <dgm:spPr/>
     </dgm:pt>
-    <dgm:pt modelId="{43C399A7-4663-487B-8BD2-976D2964809C}" type="pres">
-      <dgm:prSet presAssocID="{7101E244-D671-4E48-8436-8E44FF3D7F25}" presName="desTx" presStyleLbl="revTx" presStyleIdx="1" presStyleCnt="4" custScaleX="107210" custScaleY="317037" custLinFactY="-25900000" custLinFactNeighborX="-422" custLinFactNeighborY="-25978562">
-        <dgm:presLayoutVars/>
-      </dgm:prSet>
-      <dgm:spPr/>
-    </dgm:pt>
-    <dgm:pt modelId="{F65C6602-CBFE-48D7-8FBC-B967E588BA0B}" type="pres">
-      <dgm:prSet presAssocID="{ABB5A731-F5F9-4CCF-AB29-A7018C894595}" presName="sibTrans" presStyleCnt="0"/>
-      <dgm:spPr/>
-    </dgm:pt>
-    <dgm:pt modelId="{E2E2A2CB-FC0A-4717-8106-E42DF89F1F2C}" type="pres">
-      <dgm:prSet presAssocID="{9D6BD5ED-D44C-4B36-83EE-309EADB41281}" presName="compNode" presStyleCnt="0"/>
-      <dgm:spPr/>
-    </dgm:pt>
-    <dgm:pt modelId="{2CBF5E41-34CE-4628-A253-31E6FAC26EAD}" type="pres">
-      <dgm:prSet presAssocID="{9D6BD5ED-D44C-4B36-83EE-309EADB41281}" presName="iconRect" presStyleLbl="node1" presStyleIdx="1" presStyleCnt="2" custScaleX="45860" custScaleY="45860" custLinFactY="-94486" custLinFactNeighborX="-2550" custLinFactNeighborY="-100000"/>
-      <dgm:spPr>
-        <a:blipFill>
-          <a:blip xmlns:r="http://schemas.openxmlformats.org/officeDocument/2006/relationships" r:embed="rId3">
-            <a:extLst>
-              <a:ext uri="{28A0092B-C50C-407E-A947-70E740481C1C}">
-                <a14:useLocalDpi xmlns:a14="http://schemas.microsoft.com/office/drawing/2010/main" val="0"/>
-              </a:ext>
-              <a:ext uri="{96DAC541-7B7A-43D3-8B79-37D633B846F1}">
-                <asvg:svgBlip xmlns:asvg="http://schemas.microsoft.com/office/drawing/2016/SVG/main" r:embed="rId4"/>
-              </a:ext>
-            </a:extLst>
-          </a:blip>
-          <a:stretch>
-            <a:fillRect/>
-          </a:stretch>
-        </a:blipFill>
-        <a:ln>
-          <a:noFill/>
-        </a:ln>
-      </dgm:spPr>
-      <dgm:extLst>
-        <a:ext uri="{E40237B7-FDA0-4F09-8148-C483321AD2D9}">
-          <dgm14:cNvPr xmlns:dgm14="http://schemas.microsoft.com/office/drawing/2010/diagram" id="0" name="" descr="Database"/>
-        </a:ext>
-      </dgm:extLst>
-    </dgm:pt>
-    <dgm:pt modelId="{A5881330-AA6C-4AAA-9EF2-D7103A6A5DC3}" type="pres">
-      <dgm:prSet presAssocID="{9D6BD5ED-D44C-4B36-83EE-309EADB41281}" presName="iconSpace" presStyleCnt="0"/>
-      <dgm:spPr/>
-    </dgm:pt>
-    <dgm:pt modelId="{B2DC1454-C481-499F-802F-7FA5B7D9C1FA}" type="pres">
-      <dgm:prSet presAssocID="{9D6BD5ED-D44C-4B36-83EE-309EADB41281}" presName="parTx" presStyleLbl="revTx" presStyleIdx="2" presStyleCnt="4" custLinFactY="-100000" custLinFactNeighborX="982" custLinFactNeighborY="-137708">
+    <dgm:pt modelId="{A4FB64FD-1F96-4CA0-B071-D9B35C178207}" type="pres">
+      <dgm:prSet presAssocID="{7101E244-D671-4E48-8436-8E44FF3D7F25}" presName="childText" presStyleLbl="conFgAcc1" presStyleIdx="0" presStyleCnt="2">
         <dgm:presLayoutVars>
-          <dgm:chMax val="0"/>
-          <dgm:chPref val="0"/>
+          <dgm:bulletEnabled val="1"/>
         </dgm:presLayoutVars>
       </dgm:prSet>
       <dgm:spPr/>
     </dgm:pt>
-    <dgm:pt modelId="{6ECAE74F-7EBD-4C8A-A996-4E657196A0F0}" type="pres">
-      <dgm:prSet presAssocID="{9D6BD5ED-D44C-4B36-83EE-309EADB41281}" presName="txSpace" presStyleCnt="0"/>
+    <dgm:pt modelId="{963AD950-7A47-4ED8-84F4-112945018AAA}" type="pres">
+      <dgm:prSet presAssocID="{ABB5A731-F5F9-4CCF-AB29-A7018C894595}" presName="spaceBetweenRectangles" presStyleCnt="0"/>
       <dgm:spPr/>
     </dgm:pt>
-    <dgm:pt modelId="{2320C310-36B7-4E1E-A37E-3CCCC3CC34E0}" type="pres">
-      <dgm:prSet presAssocID="{9D6BD5ED-D44C-4B36-83EE-309EADB41281}" presName="desTx" presStyleLbl="revTx" presStyleIdx="3" presStyleCnt="4" custLinFactY="-25000000" custLinFactNeighborX="-842" custLinFactNeighborY="-25003006">
-        <dgm:presLayoutVars/>
+    <dgm:pt modelId="{454DCBF6-81D7-42AB-8A97-276375ED0396}" type="pres">
+      <dgm:prSet presAssocID="{9D6BD5ED-D44C-4B36-83EE-309EADB41281}" presName="parentLin" presStyleCnt="0"/>
+      <dgm:spPr/>
+    </dgm:pt>
+    <dgm:pt modelId="{939C21DE-8321-4C95-B427-03974284F980}" type="pres">
+      <dgm:prSet presAssocID="{9D6BD5ED-D44C-4B36-83EE-309EADB41281}" presName="parentLeftMargin" presStyleLbl="node1" presStyleIdx="0" presStyleCnt="2"/>
+      <dgm:spPr/>
+    </dgm:pt>
+    <dgm:pt modelId="{424CB831-90AD-4109-8527-48DDD90B9888}" type="pres">
+      <dgm:prSet presAssocID="{9D6BD5ED-D44C-4B36-83EE-309EADB41281}" presName="parentText" presStyleLbl="node1" presStyleIdx="1" presStyleCnt="2">
+        <dgm:presLayoutVars>
+          <dgm:chMax val="0"/>
+          <dgm:bulletEnabled val="1"/>
+        </dgm:presLayoutVars>
+      </dgm:prSet>
+      <dgm:spPr/>
+    </dgm:pt>
+    <dgm:pt modelId="{32B5299B-351F-402B-98D0-5FF07FADDF92}" type="pres">
+      <dgm:prSet presAssocID="{9D6BD5ED-D44C-4B36-83EE-309EADB41281}" presName="negativeSpace" presStyleCnt="0"/>
+      <dgm:spPr/>
+    </dgm:pt>
+    <dgm:pt modelId="{075BEA9C-7BFF-4B30-8EDE-82F5D04E1CB0}" type="pres">
+      <dgm:prSet presAssocID="{9D6BD5ED-D44C-4B36-83EE-309EADB41281}" presName="childText" presStyleLbl="conFgAcc1" presStyleIdx="1" presStyleCnt="2">
+        <dgm:presLayoutVars>
+          <dgm:bulletEnabled val="1"/>
+        </dgm:presLayoutVars>
       </dgm:prSet>
       <dgm:spPr/>
     </dgm:pt>
   </dgm:ptLst>
   <dgm:cxnLst>
-    <dgm:cxn modelId="{3F065A0F-60DA-4545-8FE5-37CF365508BF}" type="presOf" srcId="{BFB2FC67-0F04-4F80-A54F-770B1E182FD6}" destId="{43C399A7-4663-487B-8BD2-976D2964809C}" srcOrd="0" destOrd="4" presId="urn:microsoft.com/office/officeart/2018/5/layout/CenteredIconLabelDescriptionList"/>
-    <dgm:cxn modelId="{23E87419-CFE0-491A-B155-B4B827960AFD}" type="presOf" srcId="{9D6BD5ED-D44C-4B36-83EE-309EADB41281}" destId="{B2DC1454-C481-499F-802F-7FA5B7D9C1FA}" srcOrd="0" destOrd="0" presId="urn:microsoft.com/office/officeart/2018/5/layout/CenteredIconLabelDescriptionList"/>
-    <dgm:cxn modelId="{C057312B-8DD3-44C3-97D5-63130E66F2BA}" type="presOf" srcId="{67DB84F2-B1EE-4E3A-AFC1-4FB8DB8E3288}" destId="{43C399A7-4663-487B-8BD2-976D2964809C}" srcOrd="0" destOrd="1" presId="urn:microsoft.com/office/officeart/2018/5/layout/CenteredIconLabelDescriptionList"/>
-    <dgm:cxn modelId="{563E6D38-994A-4C79-A4DE-1A735AC4B132}" srcId="{85A3A20B-F1A4-4341-B193-044A19AE8956}" destId="{67DB84F2-B1EE-4E3A-AFC1-4FB8DB8E3288}" srcOrd="0" destOrd="0" parTransId="{BDF49D6D-9883-4206-BC21-5CA05542CB4F}" sibTransId="{DEC39EBE-DA41-4C27-B253-13F53279F31D}"/>
-    <dgm:cxn modelId="{5E324F3D-87C3-4C8B-999E-F3FA4224CC7D}" type="presOf" srcId="{0C94ED1F-1648-4E53-95A0-FDE2BC613166}" destId="{5ABE4AB1-B6BC-46CB-83DB-0009F78BAA11}" srcOrd="0" destOrd="0" presId="urn:microsoft.com/office/officeart/2018/5/layout/CenteredIconLabelDescriptionList"/>
+    <dgm:cxn modelId="{6D6FE510-305D-419C-853A-B97A05D3B3E2}" type="presOf" srcId="{67DB84F2-B1EE-4E3A-AFC1-4FB8DB8E3288}" destId="{A4FB64FD-1F96-4CA0-B071-D9B35C178207}" srcOrd="0" destOrd="2" presId="urn:microsoft.com/office/officeart/2005/8/layout/list1"/>
+    <dgm:cxn modelId="{E3D4F01B-D5DC-4A90-B6A3-525460DC6879}" type="presOf" srcId="{BFB2FC67-0F04-4F80-A54F-770B1E182FD6}" destId="{A4FB64FD-1F96-4CA0-B071-D9B35C178207}" srcOrd="0" destOrd="6" presId="urn:microsoft.com/office/officeart/2005/8/layout/list1"/>
+    <dgm:cxn modelId="{99E6B531-8458-4C51-85A6-107BF30D2B29}" type="presOf" srcId="{9D6BD5ED-D44C-4B36-83EE-309EADB41281}" destId="{939C21DE-8321-4C95-B427-03974284F980}" srcOrd="0" destOrd="0" presId="urn:microsoft.com/office/officeart/2005/8/layout/list1"/>
+    <dgm:cxn modelId="{563E6D38-994A-4C79-A4DE-1A735AC4B132}" srcId="{89E444BA-9FAB-4CD6-A6A4-F5073EF8A101}" destId="{67DB84F2-B1EE-4E3A-AFC1-4FB8DB8E3288}" srcOrd="0" destOrd="0" parTransId="{BDF49D6D-9883-4206-BC21-5CA05542CB4F}" sibTransId="{DEC39EBE-DA41-4C27-B253-13F53279F31D}"/>
     <dgm:cxn modelId="{BF06115E-6213-402A-8E40-50041987AC46}" srcId="{9D6BD5ED-D44C-4B36-83EE-309EADB41281}" destId="{A2803F61-460C-476A-9BEE-B63AF799CE38}" srcOrd="0" destOrd="0" parTransId="{4E2D9D42-BD32-4815-B7FB-72FF115BBC39}" sibTransId="{8BF4F11D-F2D1-4DA1-B539-016D76F580C6}"/>
-    <dgm:cxn modelId="{32A70F65-A956-4C37-993E-1DB326065323}" srcId="{9D6BD5ED-D44C-4B36-83EE-309EADB41281}" destId="{07C353E5-FD42-472A-9B63-346F6D1DFE1C}" srcOrd="2" destOrd="0" parTransId="{04BA297C-5AD7-479F-BB38-E5A94BB3EFDC}" sibTransId="{5684205D-41BA-483F-A1AD-88A202029E49}"/>
-    <dgm:cxn modelId="{45750D46-E4A2-4CB0-A889-4D4D0D07D112}" type="presOf" srcId="{25D90DFA-65C3-43F6-8DB0-0AFA3884D179}" destId="{43C399A7-4663-487B-8BD2-976D2964809C}" srcOrd="0" destOrd="2" presId="urn:microsoft.com/office/officeart/2018/5/layout/CenteredIconLabelDescriptionList"/>
+    <dgm:cxn modelId="{3A591A5E-A3F2-467A-8949-1019BE144B82}" type="presOf" srcId="{7101E244-D671-4E48-8436-8E44FF3D7F25}" destId="{4E8BCDB6-EDBD-4B98-A1C0-3AB01EB718BA}" srcOrd="0" destOrd="0" presId="urn:microsoft.com/office/officeart/2005/8/layout/list1"/>
+    <dgm:cxn modelId="{63A5C05E-2282-44FC-8BFD-2FAC0FAFAA54}" srcId="{3804CF93-893D-46F0-833B-787FACCA925A}" destId="{A522C5B3-D332-4844-873D-01AD0A825653}" srcOrd="0" destOrd="0" parTransId="{DEE12271-4BE4-4AEB-9255-91DCCA523E5A}" sibTransId="{EB96B9B8-CD80-4B48-8C02-4A69FD9CBF9E}"/>
+    <dgm:cxn modelId="{04FB8061-CA19-4AC8-BCC3-9ADCDE860AE9}" srcId="{7101E244-D671-4E48-8436-8E44FF3D7F25}" destId="{89E444BA-9FAB-4CD6-A6A4-F5073EF8A101}" srcOrd="1" destOrd="0" parTransId="{DCBE5948-6ABE-4FF7-88DF-6D8CEBDAB960}" sibTransId="{DB6D0B64-2262-4D97-9073-C19BFFD4484E}"/>
+    <dgm:cxn modelId="{8EF64248-4C4B-4BB6-B3F8-DCAF8A7964D5}" type="presOf" srcId="{0C94ED1F-1648-4E53-95A0-FDE2BC613166}" destId="{25B7E9ED-1AE5-4A3E-B6DF-909B7BEB5418}" srcOrd="0" destOrd="0" presId="urn:microsoft.com/office/officeart/2005/8/layout/list1"/>
     <dgm:cxn modelId="{FC7C734D-3143-41E5-B671-E74FEF64DEAF}" srcId="{0C94ED1F-1648-4E53-95A0-FDE2BC613166}" destId="{9D6BD5ED-D44C-4B36-83EE-309EADB41281}" srcOrd="1" destOrd="0" parTransId="{2A9A39F1-3DA7-4480-B070-CEAEB63CFC2C}" sibTransId="{5E747DDB-D49F-498D-BD39-DF684BA5DEDD}"/>
-    <dgm:cxn modelId="{AE24F56D-5737-4C2D-B9AF-E77EDF8A22AB}" type="presOf" srcId="{BA916E41-9B8C-46AA-BAB3-55D1C85AF8CA}" destId="{43C399A7-4663-487B-8BD2-976D2964809C}" srcOrd="0" destOrd="6" presId="urn:microsoft.com/office/officeart/2018/5/layout/CenteredIconLabelDescriptionList"/>
-    <dgm:cxn modelId="{2C884150-9A6E-42FC-A628-FB6136C1B88F}" type="presOf" srcId="{A2803F61-460C-476A-9BEE-B63AF799CE38}" destId="{2320C310-36B7-4E1E-A37E-3CCCC3CC34E0}" srcOrd="0" destOrd="0" presId="urn:microsoft.com/office/officeart/2018/5/layout/CenteredIconLabelDescriptionList"/>
-    <dgm:cxn modelId="{C0FC8556-6B7C-436F-B9FC-7B85B056D6B4}" type="presOf" srcId="{07C353E5-FD42-472A-9B63-346F6D1DFE1C}" destId="{2320C310-36B7-4E1E-A37E-3CCCC3CC34E0}" srcOrd="0" destOrd="2" presId="urn:microsoft.com/office/officeart/2018/5/layout/CenteredIconLabelDescriptionList"/>
-    <dgm:cxn modelId="{31DE575A-1A1D-4255-86E5-4AF134FA1742}" type="presOf" srcId="{3804CF93-893D-46F0-833B-787FACCA925A}" destId="{2320C310-36B7-4E1E-A37E-3CCCC3CC34E0}" srcOrd="0" destOrd="1" presId="urn:microsoft.com/office/officeart/2018/5/layout/CenteredIconLabelDescriptionList"/>
+    <dgm:cxn modelId="{039F5059-FD9C-4804-AC6A-1CE325E9F219}" type="presOf" srcId="{7101E244-D671-4E48-8436-8E44FF3D7F25}" destId="{609A8973-722A-4A19-B38E-0DF607150791}" srcOrd="1" destOrd="0" presId="urn:microsoft.com/office/officeart/2005/8/layout/list1"/>
+    <dgm:cxn modelId="{0F5E3D5A-91A8-48CD-9C3E-8C2DB7DD5626}" type="presOf" srcId="{A2803F61-460C-476A-9BEE-B63AF799CE38}" destId="{075BEA9C-7BFF-4B30-8EDE-82F5D04E1CB0}" srcOrd="0" destOrd="0" presId="urn:microsoft.com/office/officeart/2005/8/layout/list1"/>
+    <dgm:cxn modelId="{7E149D7A-4EB4-458F-BF94-31F41135A1EE}" type="presOf" srcId="{BA916E41-9B8C-46AA-BAB3-55D1C85AF8CA}" destId="{A4FB64FD-1F96-4CA0-B071-D9B35C178207}" srcOrd="0" destOrd="8" presId="urn:microsoft.com/office/officeart/2005/8/layout/list1"/>
     <dgm:cxn modelId="{CFAFC77D-9A57-40A9-BD9B-3E52469AA09B}" srcId="{9D6BD5ED-D44C-4B36-83EE-309EADB41281}" destId="{3804CF93-893D-46F0-833B-787FACCA925A}" srcOrd="1" destOrd="0" parTransId="{2FB29779-9A46-4F52-9260-51FAB0DD791D}" sibTransId="{03E094F7-BE93-408B-AA8F-92BF36D96B4A}"/>
-    <dgm:cxn modelId="{A5341E84-9CA6-4258-A43F-31407E0F3191}" type="presOf" srcId="{85A3A20B-F1A4-4341-B193-044A19AE8956}" destId="{43C399A7-4663-487B-8BD2-976D2964809C}" srcOrd="0" destOrd="0" presId="urn:microsoft.com/office/officeart/2018/5/layout/CenteredIconLabelDescriptionList"/>
+    <dgm:cxn modelId="{5410E684-D51F-4992-9E3F-79FE54B02751}" type="presOf" srcId="{B124D733-97A5-43CB-B588-6034C2546151}" destId="{A4FB64FD-1F96-4CA0-B071-D9B35C178207}" srcOrd="0" destOrd="5" presId="urn:microsoft.com/office/officeart/2005/8/layout/list1"/>
+    <dgm:cxn modelId="{B7E8AA8A-9414-400A-99ED-695250B9B87E}" type="presOf" srcId="{89E444BA-9FAB-4CD6-A6A4-F5073EF8A101}" destId="{A4FB64FD-1F96-4CA0-B071-D9B35C178207}" srcOrd="0" destOrd="1" presId="urn:microsoft.com/office/officeart/2005/8/layout/list1"/>
+    <dgm:cxn modelId="{9E8C9E96-43AD-4032-83E5-4D97A2ACB1E4}" srcId="{7101E244-D671-4E48-8436-8E44FF3D7F25}" destId="{A776210D-E9E2-4126-A48A-06F66E35877D}" srcOrd="2" destOrd="0" parTransId="{BBE06DD7-BEB3-4E55-921C-8F97AFEE3AEE}" sibTransId="{1FFCAD74-6850-4BD8-BBB1-08C46C7DCD4E}"/>
     <dgm:cxn modelId="{75F5EEA0-BA07-4C32-9C62-91D2D84E9E76}" srcId="{0C94ED1F-1648-4E53-95A0-FDE2BC613166}" destId="{7101E244-D671-4E48-8436-8E44FF3D7F25}" srcOrd="0" destOrd="0" parTransId="{37DDABE0-D292-476E-B144-4006F446CF9C}" sibTransId="{ABB5A731-F5F9-4CCF-AB29-A7018C894595}"/>
-    <dgm:cxn modelId="{B0C4D5A6-4D61-4DB5-B4E6-7054833B09E0}" srcId="{7101E244-D671-4E48-8436-8E44FF3D7F25}" destId="{BA916E41-9B8C-46AA-BAB3-55D1C85AF8CA}" srcOrd="3" destOrd="0" parTransId="{39815C65-24F9-4CC1-A3F2-53962C5F85F1}" sibTransId="{7AB2E6D0-0407-445B-B96F-BA13EEE0385D}"/>
-    <dgm:cxn modelId="{A4B357AB-A818-43CE-BD2D-1D114296137E}" srcId="{7101E244-D671-4E48-8436-8E44FF3D7F25}" destId="{82884F94-B4DA-4D87-AA43-664DA084FD2A}" srcOrd="2" destOrd="0" parTransId="{B5BA80C7-C868-4C63-928F-3388F28E932B}" sibTransId="{A78F36CE-5588-4C0E-9A7D-85690F8623FD}"/>
-    <dgm:cxn modelId="{2DE932AD-5AD6-403B-A0A3-47E23B5CC4E3}" srcId="{7101E244-D671-4E48-8436-8E44FF3D7F25}" destId="{25D90DFA-65C3-43F6-8DB0-0AFA3884D179}" srcOrd="1" destOrd="0" parTransId="{15E8B901-56B0-405B-AEFF-87099620FA15}" sibTransId="{24837CF6-15DE-4524-9FB0-90986FEDE43A}"/>
-    <dgm:cxn modelId="{F2F546BB-F0EC-42A0-B151-543B573C0DD6}" srcId="{25D90DFA-65C3-43F6-8DB0-0AFA3884D179}" destId="{B124D733-97A5-43CB-B588-6034C2546151}" srcOrd="0" destOrd="0" parTransId="{F5498C3C-7C81-4081-ACBA-99166D658CA3}" sibTransId="{6402704B-CA45-4ADD-B16D-0914EEE34773}"/>
+    <dgm:cxn modelId="{F2E92DA2-6FDC-4BF2-8EC3-07EB72D558D5}" type="presOf" srcId="{F708F9D0-4368-41B1-9186-8E809972D07E}" destId="{A4FB64FD-1F96-4CA0-B071-D9B35C178207}" srcOrd="0" destOrd="3" presId="urn:microsoft.com/office/officeart/2005/8/layout/list1"/>
+    <dgm:cxn modelId="{B0C4D5A6-4D61-4DB5-B4E6-7054833B09E0}" srcId="{82884F94-B4DA-4D87-AA43-664DA084FD2A}" destId="{BA916E41-9B8C-46AA-BAB3-55D1C85AF8CA}" srcOrd="0" destOrd="0" parTransId="{39815C65-24F9-4CC1-A3F2-53962C5F85F1}" sibTransId="{7AB2E6D0-0407-445B-B96F-BA13EEE0385D}"/>
+    <dgm:cxn modelId="{A4B357AB-A818-43CE-BD2D-1D114296137E}" srcId="{7101E244-D671-4E48-8436-8E44FF3D7F25}" destId="{82884F94-B4DA-4D87-AA43-664DA084FD2A}" srcOrd="3" destOrd="0" parTransId="{B5BA80C7-C868-4C63-928F-3388F28E932B}" sibTransId="{A78F36CE-5588-4C0E-9A7D-85690F8623FD}"/>
+    <dgm:cxn modelId="{D30916B5-E0C2-4AEA-9EFF-89B096AA8790}" type="presOf" srcId="{A522C5B3-D332-4844-873D-01AD0A825653}" destId="{075BEA9C-7BFF-4B30-8EDE-82F5D04E1CB0}" srcOrd="0" destOrd="2" presId="urn:microsoft.com/office/officeart/2005/8/layout/list1"/>
+    <dgm:cxn modelId="{18A45DB6-D384-44EB-8143-26656362DB9D}" type="presOf" srcId="{85A3A20B-F1A4-4341-B193-044A19AE8956}" destId="{A4FB64FD-1F96-4CA0-B071-D9B35C178207}" srcOrd="0" destOrd="0" presId="urn:microsoft.com/office/officeart/2005/8/layout/list1"/>
+    <dgm:cxn modelId="{217226B9-3ADD-438D-AD47-11CE4C4AC734}" type="presOf" srcId="{A776210D-E9E2-4126-A48A-06F66E35877D}" destId="{A4FB64FD-1F96-4CA0-B071-D9B35C178207}" srcOrd="0" destOrd="4" presId="urn:microsoft.com/office/officeart/2005/8/layout/list1"/>
+    <dgm:cxn modelId="{F2F546BB-F0EC-42A0-B151-543B573C0DD6}" srcId="{A776210D-E9E2-4126-A48A-06F66E35877D}" destId="{B124D733-97A5-43CB-B588-6034C2546151}" srcOrd="0" destOrd="0" parTransId="{F5498C3C-7C81-4081-ACBA-99166D658CA3}" sibTransId="{6402704B-CA45-4ADD-B16D-0914EEE34773}"/>
+    <dgm:cxn modelId="{3162DDBB-8D63-41FB-AD9D-815028332DED}" type="presOf" srcId="{3804CF93-893D-46F0-833B-787FACCA925A}" destId="{075BEA9C-7BFF-4B30-8EDE-82F5D04E1CB0}" srcOrd="0" destOrd="1" presId="urn:microsoft.com/office/officeart/2005/8/layout/list1"/>
     <dgm:cxn modelId="{21C7BAC0-BE46-4293-8358-F8CDB98BFCB4}" srcId="{7101E244-D671-4E48-8436-8E44FF3D7F25}" destId="{85A3A20B-F1A4-4341-B193-044A19AE8956}" srcOrd="0" destOrd="0" parTransId="{806B075E-8B08-4FF6-8BC2-9EDC64230022}" sibTransId="{404EC299-7285-43B2-8D84-60C1D73C485A}"/>
-    <dgm:cxn modelId="{C9F282CC-4FA8-4519-88CC-2196DFF8A50F}" type="presOf" srcId="{B124D733-97A5-43CB-B588-6034C2546151}" destId="{43C399A7-4663-487B-8BD2-976D2964809C}" srcOrd="0" destOrd="3" presId="urn:microsoft.com/office/officeart/2018/5/layout/CenteredIconLabelDescriptionList"/>
-    <dgm:cxn modelId="{4C1A40DF-4BE2-4C41-B069-D6D31CF2A310}" srcId="{25D90DFA-65C3-43F6-8DB0-0AFA3884D179}" destId="{BFB2FC67-0F04-4F80-A54F-770B1E182FD6}" srcOrd="1" destOrd="0" parTransId="{8AF76940-7DCE-44B0-95C3-F444A942254C}" sibTransId="{B5D3C953-C513-40F7-971E-80DC41CD07FA}"/>
-    <dgm:cxn modelId="{9A303AEA-689D-4E91-82A6-80C0F3FB33FE}" type="presOf" srcId="{7101E244-D671-4E48-8436-8E44FF3D7F25}" destId="{77D8ECA1-E405-4C49-8D89-49233D6C0146}" srcOrd="0" destOrd="0" presId="urn:microsoft.com/office/officeart/2018/5/layout/CenteredIconLabelDescriptionList"/>
-    <dgm:cxn modelId="{2F2F30F0-8BC9-4C59-8AAC-0B61C3BB692B}" type="presOf" srcId="{82884F94-B4DA-4D87-AA43-664DA084FD2A}" destId="{43C399A7-4663-487B-8BD2-976D2964809C}" srcOrd="0" destOrd="5" presId="urn:microsoft.com/office/officeart/2018/5/layout/CenteredIconLabelDescriptionList"/>
-    <dgm:cxn modelId="{D7F47677-A03B-47AC-9822-8510682CEF7E}" type="presParOf" srcId="{5ABE4AB1-B6BC-46CB-83DB-0009F78BAA11}" destId="{EE409CF5-15F2-473B-A98F-4473C495534E}" srcOrd="0" destOrd="0" presId="urn:microsoft.com/office/officeart/2018/5/layout/CenteredIconLabelDescriptionList"/>
-    <dgm:cxn modelId="{E91BD562-EC14-448E-9140-99E0AF9CB9EE}" type="presParOf" srcId="{EE409CF5-15F2-473B-A98F-4473C495534E}" destId="{0E6590DB-63FF-43E3-8E4F-7D4E25D552A1}" srcOrd="0" destOrd="0" presId="urn:microsoft.com/office/officeart/2018/5/layout/CenteredIconLabelDescriptionList"/>
-    <dgm:cxn modelId="{F0EEBAEF-3D75-464F-B606-C86A0F2D3C90}" type="presParOf" srcId="{EE409CF5-15F2-473B-A98F-4473C495534E}" destId="{94A170AE-52BE-47B0-8E39-864504101F5E}" srcOrd="1" destOrd="0" presId="urn:microsoft.com/office/officeart/2018/5/layout/CenteredIconLabelDescriptionList"/>
-    <dgm:cxn modelId="{BB9C8FE3-7AF2-46D4-B259-C806E8165285}" type="presParOf" srcId="{EE409CF5-15F2-473B-A98F-4473C495534E}" destId="{77D8ECA1-E405-4C49-8D89-49233D6C0146}" srcOrd="2" destOrd="0" presId="urn:microsoft.com/office/officeart/2018/5/layout/CenteredIconLabelDescriptionList"/>
-    <dgm:cxn modelId="{19370196-2B80-4F69-977D-044EE4E7F478}" type="presParOf" srcId="{EE409CF5-15F2-473B-A98F-4473C495534E}" destId="{3605F66B-12CD-418A-9E09-D80200DD767A}" srcOrd="3" destOrd="0" presId="urn:microsoft.com/office/officeart/2018/5/layout/CenteredIconLabelDescriptionList"/>
-    <dgm:cxn modelId="{78DF1B91-1FA1-4649-B404-CEC43AE4C6BA}" type="presParOf" srcId="{EE409CF5-15F2-473B-A98F-4473C495534E}" destId="{43C399A7-4663-487B-8BD2-976D2964809C}" srcOrd="4" destOrd="0" presId="urn:microsoft.com/office/officeart/2018/5/layout/CenteredIconLabelDescriptionList"/>
-    <dgm:cxn modelId="{8FED41AA-6D07-4C7B-A139-655A7EB3118F}" type="presParOf" srcId="{5ABE4AB1-B6BC-46CB-83DB-0009F78BAA11}" destId="{F65C6602-CBFE-48D7-8FBC-B967E588BA0B}" srcOrd="1" destOrd="0" presId="urn:microsoft.com/office/officeart/2018/5/layout/CenteredIconLabelDescriptionList"/>
-    <dgm:cxn modelId="{2B74406D-5920-4C35-B6A4-FD339B622FDC}" type="presParOf" srcId="{5ABE4AB1-B6BC-46CB-83DB-0009F78BAA11}" destId="{E2E2A2CB-FC0A-4717-8106-E42DF89F1F2C}" srcOrd="2" destOrd="0" presId="urn:microsoft.com/office/officeart/2018/5/layout/CenteredIconLabelDescriptionList"/>
-    <dgm:cxn modelId="{AF5B7104-8A59-4D75-9DF9-5CD7EE3DC72E}" type="presParOf" srcId="{E2E2A2CB-FC0A-4717-8106-E42DF89F1F2C}" destId="{2CBF5E41-34CE-4628-A253-31E6FAC26EAD}" srcOrd="0" destOrd="0" presId="urn:microsoft.com/office/officeart/2018/5/layout/CenteredIconLabelDescriptionList"/>
-    <dgm:cxn modelId="{C3702E47-0A42-4C69-8A5C-7EB6FDDA2093}" type="presParOf" srcId="{E2E2A2CB-FC0A-4717-8106-E42DF89F1F2C}" destId="{A5881330-AA6C-4AAA-9EF2-D7103A6A5DC3}" srcOrd="1" destOrd="0" presId="urn:microsoft.com/office/officeart/2018/5/layout/CenteredIconLabelDescriptionList"/>
-    <dgm:cxn modelId="{F20DEEB0-6C8B-4336-A7B4-844B0230CD69}" type="presParOf" srcId="{E2E2A2CB-FC0A-4717-8106-E42DF89F1F2C}" destId="{B2DC1454-C481-499F-802F-7FA5B7D9C1FA}" srcOrd="2" destOrd="0" presId="urn:microsoft.com/office/officeart/2018/5/layout/CenteredIconLabelDescriptionList"/>
-    <dgm:cxn modelId="{C6F88304-108F-486B-9673-A9CD3DD74F8E}" type="presParOf" srcId="{E2E2A2CB-FC0A-4717-8106-E42DF89F1F2C}" destId="{6ECAE74F-7EBD-4C8A-A996-4E657196A0F0}" srcOrd="3" destOrd="0" presId="urn:microsoft.com/office/officeart/2018/5/layout/CenteredIconLabelDescriptionList"/>
-    <dgm:cxn modelId="{2D4FB403-35B4-4D6C-812B-1BABD3624468}" type="presParOf" srcId="{E2E2A2CB-FC0A-4717-8106-E42DF89F1F2C}" destId="{2320C310-36B7-4E1E-A37E-3CCCC3CC34E0}" srcOrd="4" destOrd="0" presId="urn:microsoft.com/office/officeart/2018/5/layout/CenteredIconLabelDescriptionList"/>
+    <dgm:cxn modelId="{959CEAC1-801A-46B5-ADF1-C78A7445ED19}" type="presOf" srcId="{82884F94-B4DA-4D87-AA43-664DA084FD2A}" destId="{A4FB64FD-1F96-4CA0-B071-D9B35C178207}" srcOrd="0" destOrd="7" presId="urn:microsoft.com/office/officeart/2005/8/layout/list1"/>
+    <dgm:cxn modelId="{A0259BCF-14A0-4164-B3B2-5B6EFAE2F11B}" type="presOf" srcId="{9D6BD5ED-D44C-4B36-83EE-309EADB41281}" destId="{424CB831-90AD-4109-8527-48DDD90B9888}" srcOrd="1" destOrd="0" presId="urn:microsoft.com/office/officeart/2005/8/layout/list1"/>
+    <dgm:cxn modelId="{921673DD-A889-4CBD-8494-9EAC0F8CE114}" srcId="{67DB84F2-B1EE-4E3A-AFC1-4FB8DB8E3288}" destId="{F708F9D0-4368-41B1-9186-8E809972D07E}" srcOrd="0" destOrd="0" parTransId="{C3F2FA08-1F06-4B45-BD89-8E9905A4A323}" sibTransId="{C98F1B81-5DE8-4D74-A48A-5BA24C01BFCD}"/>
+    <dgm:cxn modelId="{4C1A40DF-4BE2-4C41-B069-D6D31CF2A310}" srcId="{A776210D-E9E2-4126-A48A-06F66E35877D}" destId="{BFB2FC67-0F04-4F80-A54F-770B1E182FD6}" srcOrd="1" destOrd="0" parTransId="{8AF76940-7DCE-44B0-95C3-F444A942254C}" sibTransId="{B5D3C953-C513-40F7-971E-80DC41CD07FA}"/>
+    <dgm:cxn modelId="{9243FA77-B088-4572-84C2-BD675BABC9B4}" type="presParOf" srcId="{25B7E9ED-1AE5-4A3E-B6DF-909B7BEB5418}" destId="{DDB80F5E-29E1-4283-8699-3A8AD1A335FE}" srcOrd="0" destOrd="0" presId="urn:microsoft.com/office/officeart/2005/8/layout/list1"/>
+    <dgm:cxn modelId="{D37BD207-3C7E-4281-BF82-C873112796CA}" type="presParOf" srcId="{DDB80F5E-29E1-4283-8699-3A8AD1A335FE}" destId="{4E8BCDB6-EDBD-4B98-A1C0-3AB01EB718BA}" srcOrd="0" destOrd="0" presId="urn:microsoft.com/office/officeart/2005/8/layout/list1"/>
+    <dgm:cxn modelId="{A2926812-BC02-492B-9888-BAB0C34FDEB4}" type="presParOf" srcId="{DDB80F5E-29E1-4283-8699-3A8AD1A335FE}" destId="{609A8973-722A-4A19-B38E-0DF607150791}" srcOrd="1" destOrd="0" presId="urn:microsoft.com/office/officeart/2005/8/layout/list1"/>
+    <dgm:cxn modelId="{6770A5CC-40F4-47FE-B04D-1D5810492F5E}" type="presParOf" srcId="{25B7E9ED-1AE5-4A3E-B6DF-909B7BEB5418}" destId="{77680267-6712-4046-9F8D-0E564CC9CE7F}" srcOrd="1" destOrd="0" presId="urn:microsoft.com/office/officeart/2005/8/layout/list1"/>
+    <dgm:cxn modelId="{5D9A89C7-82B4-4055-8FD6-5793514F1AC2}" type="presParOf" srcId="{25B7E9ED-1AE5-4A3E-B6DF-909B7BEB5418}" destId="{A4FB64FD-1F96-4CA0-B071-D9B35C178207}" srcOrd="2" destOrd="0" presId="urn:microsoft.com/office/officeart/2005/8/layout/list1"/>
+    <dgm:cxn modelId="{5DC56E43-A1E1-406B-86D1-D22DB9797A30}" type="presParOf" srcId="{25B7E9ED-1AE5-4A3E-B6DF-909B7BEB5418}" destId="{963AD950-7A47-4ED8-84F4-112945018AAA}" srcOrd="3" destOrd="0" presId="urn:microsoft.com/office/officeart/2005/8/layout/list1"/>
+    <dgm:cxn modelId="{C419ACD4-4C51-49D4-B23F-1096BB92A8E1}" type="presParOf" srcId="{25B7E9ED-1AE5-4A3E-B6DF-909B7BEB5418}" destId="{454DCBF6-81D7-42AB-8A97-276375ED0396}" srcOrd="4" destOrd="0" presId="urn:microsoft.com/office/officeart/2005/8/layout/list1"/>
+    <dgm:cxn modelId="{9D73B777-E1ED-434B-B97E-58FC9EFF48AF}" type="presParOf" srcId="{454DCBF6-81D7-42AB-8A97-276375ED0396}" destId="{939C21DE-8321-4C95-B427-03974284F980}" srcOrd="0" destOrd="0" presId="urn:microsoft.com/office/officeart/2005/8/layout/list1"/>
+    <dgm:cxn modelId="{F2D3B347-BB72-4BF9-B68A-8B85D6FF49A3}" type="presParOf" srcId="{454DCBF6-81D7-42AB-8A97-276375ED0396}" destId="{424CB831-90AD-4109-8527-48DDD90B9888}" srcOrd="1" destOrd="0" presId="urn:microsoft.com/office/officeart/2005/8/layout/list1"/>
+    <dgm:cxn modelId="{55ED6A8B-06D3-47E5-87D5-E65AC7C7651C}" type="presParOf" srcId="{25B7E9ED-1AE5-4A3E-B6DF-909B7BEB5418}" destId="{32B5299B-351F-402B-98D0-5FF07FADDF92}" srcOrd="5" destOrd="0" presId="urn:microsoft.com/office/officeart/2005/8/layout/list1"/>
+    <dgm:cxn modelId="{A31415B9-43B0-4BB6-924D-9F334EA2943E}" type="presParOf" srcId="{25B7E9ED-1AE5-4A3E-B6DF-909B7BEB5418}" destId="{075BEA9C-7BFF-4B30-8EDE-82F5D04E1CB0}" srcOrd="6" destOrd="0" presId="urn:microsoft.com/office/officeart/2005/8/layout/list1"/>
   </dgm:cxnLst>
   <dgm:bg/>
   <dgm:whole/>
@@ -6064,15 +7342,15 @@
       <dsp:cNvGrpSpPr/>
     </dsp:nvGrpSpPr>
     <dsp:grpSpPr/>
-    <dsp:sp modelId="{0E6590DB-63FF-43E3-8E4F-7D4E25D552A1}">
+    <dsp:sp modelId="{C04B7F63-3F24-4FB9-83BF-8E6EB467D8CF}">
       <dsp:nvSpPr>
         <dsp:cNvPr id="0" name=""/>
         <dsp:cNvSpPr/>
       </dsp:nvSpPr>
       <dsp:spPr>
         <a:xfrm>
-          <a:off x="2561520" y="129481"/>
-          <a:ext cx="522260" cy="522260"/>
+          <a:off x="1149187" y="350240"/>
+          <a:ext cx="1051650" cy="1051650"/>
         </a:xfrm>
         <a:prstGeom prst="rect">
           <a:avLst/>
@@ -6114,15 +7392,15 @@
         </a:fontRef>
       </dsp:style>
     </dsp:sp>
-    <dsp:sp modelId="{77D8ECA1-E405-4C49-8D89-49233D6C0146}">
+    <dsp:sp modelId="{3E19CC99-E61D-4679-8DF2-E9221912516B}">
       <dsp:nvSpPr>
         <dsp:cNvPr id="0" name=""/>
         <dsp:cNvSpPr/>
       </dsp:nvSpPr>
       <dsp:spPr>
         <a:xfrm>
-          <a:off x="659629" y="730140"/>
-          <a:ext cx="4311566" cy="646734"/>
+          <a:off x="506512" y="1731075"/>
+          <a:ext cx="2337000" cy="720000"/>
         </a:xfrm>
         <a:prstGeom prst="rect">
           <a:avLst/>
@@ -6151,70 +7429,9 @@
         </a:bodyPr>
         <a:lstStyle/>
         <a:p>
-          <a:pPr marL="0" lvl="0" indent="0" algn="ctr" defTabSz="1600200">
+          <a:pPr marL="0" lvl="0" indent="0" algn="ctr" defTabSz="1200150">
             <a:lnSpc>
-              <a:spcPct val="100000"/>
-            </a:lnSpc>
-            <a:spcBef>
-              <a:spcPct val="0"/>
-            </a:spcBef>
-            <a:spcAft>
-              <a:spcPct val="35000"/>
-            </a:spcAft>
-            <a:buNone/>
-            <a:defRPr b="1"/>
-          </a:pPr>
-          <a:r>
-            <a:rPr lang="en-US" sz="3600" kern="1200"/>
-            <a:t>Input :</a:t>
-          </a:r>
-        </a:p>
-      </dsp:txBody>
-      <dsp:txXfrm>
-        <a:off x="659629" y="730140"/>
-        <a:ext cx="4311566" cy="646734"/>
-      </dsp:txXfrm>
-    </dsp:sp>
-    <dsp:sp modelId="{43C399A7-4663-487B-8BD2-976D2964809C}">
-      <dsp:nvSpPr>
-        <dsp:cNvPr id="0" name=""/>
-        <dsp:cNvSpPr/>
-      </dsp:nvSpPr>
-      <dsp:spPr>
-        <a:xfrm>
-          <a:off x="547744" y="1359147"/>
-          <a:ext cx="4622430" cy="9543"/>
-        </a:xfrm>
-        <a:prstGeom prst="rect">
-          <a:avLst/>
-        </a:prstGeom>
-        <a:noFill/>
-        <a:ln>
-          <a:noFill/>
-        </a:ln>
-        <a:effectLst/>
-      </dsp:spPr>
-      <dsp:style>
-        <a:lnRef idx="0">
-          <a:scrgbClr r="0" g="0" b="0"/>
-        </a:lnRef>
-        <a:fillRef idx="0">
-          <a:scrgbClr r="0" g="0" b="0"/>
-        </a:fillRef>
-        <a:effectRef idx="0">
-          <a:scrgbClr r="0" g="0" b="0"/>
-        </a:effectRef>
-        <a:fontRef idx="minor"/>
-      </dsp:style>
-      <dsp:txBody>
-        <a:bodyPr spcFirstLastPara="0" vert="horz" wrap="square" lIns="0" tIns="0" rIns="0" bIns="0" numCol="1" spcCol="1270" anchor="t" anchorCtr="0">
-          <a:noAutofit/>
-        </a:bodyPr>
-        <a:lstStyle/>
-        <a:p>
-          <a:pPr marL="0" lvl="0" indent="0" algn="l" defTabSz="711200">
-            <a:lnSpc>
-              <a:spcPct val="100000"/>
+              <a:spcPct val="90000"/>
             </a:lnSpc>
             <a:spcBef>
               <a:spcPct val="0"/>
@@ -6225,240 +7442,26 @@
             <a:buNone/>
           </a:pPr>
           <a:r>
-            <a:rPr lang="en-US" sz="1600" kern="1200"/>
-            <a:t>Request to the </a:t>
+            <a:rPr lang="fr-FR" sz="2700" kern="1200"/>
+            <a:t>39% of the emails are spams</a:t>
           </a:r>
-          <a:r>
-            <a:rPr lang="en-US" sz="1600" kern="1200" err="1"/>
-            <a:t>api</a:t>
-          </a:r>
-          <a:r>
-            <a:rPr lang="en-US" sz="1600" kern="1200"/>
-            <a:t> must have the following Json format :</a:t>
-          </a:r>
-        </a:p>
-        <a:p>
-          <a:pPr marL="0" lvl="0" indent="0" algn="l" defTabSz="711200">
-            <a:lnSpc>
-              <a:spcPct val="100000"/>
-            </a:lnSpc>
-            <a:spcBef>
-              <a:spcPct val="0"/>
-            </a:spcBef>
-            <a:spcAft>
-              <a:spcPct val="35000"/>
-            </a:spcAft>
-            <a:buNone/>
-          </a:pPr>
-          <a:r>
-            <a:rPr lang="en-US" sz="1600" kern="1200"/>
-            <a:t>For vectorized data :</a:t>
-          </a:r>
-        </a:p>
-        <a:p>
-          <a:pPr marL="171450" lvl="1" indent="-171450" algn="l" defTabSz="711200">
-            <a:lnSpc>
-              <a:spcPct val="90000"/>
-            </a:lnSpc>
-            <a:spcBef>
-              <a:spcPct val="0"/>
-            </a:spcBef>
-            <a:spcAft>
-              <a:spcPct val="15000"/>
-            </a:spcAft>
-            <a:buChar char="•"/>
-          </a:pPr>
-          <a:r>
-            <a:rPr lang="en-US" sz="1600" kern="1200"/>
-            <a:t>data = [1,[X</a:t>
-          </a:r>
-          <a:r>
-            <a:rPr lang="en-US" sz="1200" kern="1200"/>
-            <a:t>1</a:t>
-          </a:r>
-          <a:r>
-            <a:rPr lang="en-US" sz="1600" kern="1200"/>
-            <a:t>,X</a:t>
-          </a:r>
-          <a:r>
-            <a:rPr lang="en-US" sz="1200" kern="1200"/>
-            <a:t>2</a:t>
-          </a:r>
-          <a:r>
-            <a:rPr lang="en-US" sz="1600" kern="1200"/>
-            <a:t>,...] = [1,[[x</a:t>
-          </a:r>
-          <a:r>
-            <a:rPr lang="en-US" sz="1200" kern="1200"/>
-            <a:t>1i</a:t>
-          </a:r>
-          <a:r>
-            <a:rPr lang="en-US" sz="1600" kern="1200"/>
-            <a:t>]*57,[x</a:t>
-          </a:r>
-          <a:r>
-            <a:rPr lang="en-US" sz="1100" kern="1200"/>
-            <a:t>2i</a:t>
-          </a:r>
-          <a:r>
-            <a:rPr lang="en-US" sz="1600" kern="1200"/>
-            <a:t>]*57,...]</a:t>
-          </a:r>
-          <a:endParaRPr lang="en-US" sz="1200" kern="1200"/>
-        </a:p>
-        <a:p>
-          <a:pPr marL="0" lvl="0" indent="0" algn="l" defTabSz="711200">
-            <a:lnSpc>
-              <a:spcPct val="100000"/>
-            </a:lnSpc>
-            <a:spcBef>
-              <a:spcPct val="0"/>
-            </a:spcBef>
-            <a:spcAft>
-              <a:spcPct val="35000"/>
-            </a:spcAft>
-            <a:buNone/>
-          </a:pPr>
-          <a:r>
-            <a:rPr lang="en-US" sz="1600" kern="1200"/>
-            <a:t>with every </a:t>
-          </a:r>
-          <a:r>
-            <a:rPr lang="en-US" sz="1600" kern="1200" err="1"/>
-            <a:t>x</a:t>
-          </a:r>
-          <a:r>
-            <a:rPr lang="en-US" sz="1100" kern="1200" err="1"/>
-            <a:t>ni</a:t>
-          </a:r>
-          <a:r>
-            <a:rPr lang="en-US" sz="1600" kern="1200"/>
-            <a:t> corresponding to a columns of </a:t>
-          </a:r>
-          <a:r>
-            <a:rPr lang="en-US" sz="1600" kern="1200" err="1"/>
-            <a:t>X</a:t>
-          </a:r>
-          <a:r>
-            <a:rPr lang="en-US" sz="1200" kern="1200" err="1"/>
-            <a:t>n</a:t>
-          </a:r>
-          <a:endParaRPr lang="en-US" sz="1200" kern="1200"/>
-        </a:p>
-        <a:p>
-          <a:pPr marL="0" lvl="0" indent="0" algn="l" defTabSz="711200">
-            <a:lnSpc>
-              <a:spcPct val="100000"/>
-            </a:lnSpc>
-            <a:spcBef>
-              <a:spcPct val="0"/>
-            </a:spcBef>
-            <a:spcAft>
-              <a:spcPct val="35000"/>
-            </a:spcAft>
-            <a:buNone/>
-          </a:pPr>
-          <a:r>
-            <a:rPr lang="en-US" sz="1600" kern="1200">
-              <a:solidFill>
-                <a:srgbClr val="000000">
-                  <a:hueOff val="0"/>
-                  <a:satOff val="0"/>
-                  <a:lumOff val="0"/>
-                  <a:alphaOff val="0"/>
-                </a:srgbClr>
-              </a:solidFill>
-              <a:latin typeface="Gill Sans MT"/>
-              <a:ea typeface="+mn-ea"/>
-              <a:cs typeface="+mn-cs"/>
-            </a:rPr>
-            <a:t>For raw email data :</a:t>
-          </a:r>
-        </a:p>
-        <a:p>
-          <a:pPr marL="171450" lvl="1" indent="-171450" algn="l" defTabSz="711200">
-            <a:lnSpc>
-              <a:spcPct val="90000"/>
-            </a:lnSpc>
-            <a:spcBef>
-              <a:spcPct val="0"/>
-            </a:spcBef>
-            <a:spcAft>
-              <a:spcPct val="15000"/>
-            </a:spcAft>
-            <a:buChar char="•"/>
-          </a:pPr>
-          <a:r>
-            <a:rPr lang="en-US" sz="1600" kern="1200"/>
-            <a:t>data = [0,["raw email text 1","raw email text 2",... ]]</a:t>
-          </a:r>
-        </a:p>
-        <a:p>
-          <a:pPr marL="171450" lvl="1" indent="-171450" algn="l" defTabSz="711200">
-            <a:lnSpc>
-              <a:spcPct val="90000"/>
-            </a:lnSpc>
-            <a:spcBef>
-              <a:spcPct val="0"/>
-            </a:spcBef>
-            <a:spcAft>
-              <a:spcPct val="15000"/>
-            </a:spcAft>
-            <a:buChar char="•"/>
-          </a:pPr>
-          <a:endParaRPr lang="en-US" sz="1600" kern="1200"/>
-        </a:p>
-        <a:p>
-          <a:pPr marL="0" lvl="0" indent="0" algn="l" defTabSz="711200">
-            <a:lnSpc>
-              <a:spcPct val="100000"/>
-            </a:lnSpc>
-            <a:spcBef>
-              <a:spcPct val="0"/>
-            </a:spcBef>
-            <a:spcAft>
-              <a:spcPct val="35000"/>
-            </a:spcAft>
-            <a:buNone/>
-          </a:pPr>
-          <a:r>
-            <a:rPr lang="en-US" sz="1600" kern="1200"/>
-            <a:t>data[0] is a flag to know if the data is a row emails or a vector :</a:t>
-          </a:r>
-        </a:p>
-        <a:p>
-          <a:pPr marL="0" lvl="0" indent="0" algn="l" defTabSz="711200">
-            <a:lnSpc>
-              <a:spcPct val="100000"/>
-            </a:lnSpc>
-            <a:spcBef>
-              <a:spcPct val="0"/>
-            </a:spcBef>
-            <a:spcAft>
-              <a:spcPct val="35000"/>
-            </a:spcAft>
-            <a:buNone/>
-          </a:pPr>
-          <a:r>
-            <a:rPr lang="en-US" sz="1600" kern="1200"/>
-            <a:t>data[0]=0 if it is a list of raw emails, data[0]=1 if it is a list of vector compatible with the model</a:t>
-          </a:r>
+          <a:endParaRPr lang="en-US" sz="2700" kern="1200"/>
         </a:p>
       </dsp:txBody>
       <dsp:txXfrm>
-        <a:off x="547744" y="1359147"/>
-        <a:ext cx="4622430" cy="9543"/>
+        <a:off x="506512" y="1731075"/>
+        <a:ext cx="2337000" cy="720000"/>
       </dsp:txXfrm>
     </dsp:sp>
-    <dsp:sp modelId="{2CBF5E41-34CE-4628-A253-31E6FAC26EAD}">
+    <dsp:sp modelId="{496D5E0B-A445-4B09-B2BE-097E0B7CED06}">
       <dsp:nvSpPr>
         <dsp:cNvPr id="0" name=""/>
         <dsp:cNvSpPr/>
       </dsp:nvSpPr>
       <dsp:spPr>
         <a:xfrm>
-          <a:off x="7922170" y="230133"/>
-          <a:ext cx="317684" cy="317684"/>
+          <a:off x="3895162" y="350240"/>
+          <a:ext cx="1051650" cy="1051650"/>
         </a:xfrm>
         <a:prstGeom prst="rect">
           <a:avLst/>
@@ -6500,15 +7503,15 @@
         </a:fontRef>
       </dsp:style>
     </dsp:sp>
-    <dsp:sp modelId="{B2DC1454-C481-499F-802F-7FA5B7D9C1FA}">
+    <dsp:sp modelId="{523B562E-981A-45F3-9290-4921AC972FA6}">
       <dsp:nvSpPr>
         <dsp:cNvPr id="0" name=""/>
         <dsp:cNvSpPr/>
       </dsp:nvSpPr>
       <dsp:spPr>
         <a:xfrm>
-          <a:off x="5985233" y="644334"/>
-          <a:ext cx="4311566" cy="646734"/>
+          <a:off x="3252487" y="1731075"/>
+          <a:ext cx="2337000" cy="720000"/>
         </a:xfrm>
         <a:prstGeom prst="rect">
           <a:avLst/>
@@ -6537,9 +7540,9 @@
         </a:bodyPr>
         <a:lstStyle/>
         <a:p>
-          <a:pPr marL="0" lvl="0" indent="0" algn="ctr" defTabSz="1600200">
+          <a:pPr marL="0" lvl="0" indent="0" algn="ctr" defTabSz="1200150">
             <a:lnSpc>
-              <a:spcPct val="100000"/>
+              <a:spcPct val="90000"/>
             </a:lnSpc>
             <a:spcBef>
               <a:spcPct val="0"/>
@@ -6548,28 +7551,78 @@
               <a:spcPct val="35000"/>
             </a:spcAft>
             <a:buNone/>
-            <a:defRPr b="1"/>
           </a:pPr>
           <a:r>
-            <a:rPr lang="en-US" sz="3600" kern="1200"/>
-            <a:t>Output : </a:t>
+            <a:rPr lang="fr-FR" sz="2700" kern="1200"/>
+            <a:t>No outliers </a:t>
           </a:r>
+          <a:endParaRPr lang="en-US" sz="2700" kern="1200"/>
         </a:p>
       </dsp:txBody>
       <dsp:txXfrm>
-        <a:off x="5985233" y="644334"/>
-        <a:ext cx="4311566" cy="646734"/>
+        <a:off x="3252487" y="1731075"/>
+        <a:ext cx="2337000" cy="720000"/>
       </dsp:txXfrm>
     </dsp:sp>
-    <dsp:sp modelId="{2320C310-36B7-4E1E-A37E-3CCCC3CC34E0}">
+    <dsp:sp modelId="{E28A5C00-38DB-46AE-8E5C-86868B21FE7A}">
       <dsp:nvSpPr>
         <dsp:cNvPr id="0" name=""/>
         <dsp:cNvSpPr/>
       </dsp:nvSpPr>
       <dsp:spPr>
         <a:xfrm>
-          <a:off x="5906590" y="1369359"/>
-          <a:ext cx="4311566" cy="3010"/>
+          <a:off x="2522175" y="3035325"/>
+          <a:ext cx="1051650" cy="1051650"/>
+        </a:xfrm>
+        <a:prstGeom prst="rect">
+          <a:avLst/>
+        </a:prstGeom>
+        <a:blipFill>
+          <a:blip xmlns:r="http://schemas.openxmlformats.org/officeDocument/2006/relationships" r:embed="rId5">
+            <a:extLst>
+              <a:ext uri="{28A0092B-C50C-407E-A947-70E740481C1C}">
+                <a14:useLocalDpi xmlns:a14="http://schemas.microsoft.com/office/drawing/2010/main" val="0"/>
+              </a:ext>
+              <a:ext uri="{96DAC541-7B7A-43D3-8B79-37D633B846F1}">
+                <asvg:svgBlip xmlns:asvg="http://schemas.microsoft.com/office/drawing/2016/SVG/main" r:embed="rId6"/>
+              </a:ext>
+            </a:extLst>
+          </a:blip>
+          <a:stretch>
+            <a:fillRect/>
+          </a:stretch>
+        </a:blipFill>
+        <a:ln w="12700" cap="flat" cmpd="sng" algn="ctr">
+          <a:noFill/>
+          <a:prstDash val="solid"/>
+          <a:miter lim="800000"/>
+        </a:ln>
+        <a:effectLst/>
+      </dsp:spPr>
+      <dsp:style>
+        <a:lnRef idx="2">
+          <a:scrgbClr r="0" g="0" b="0"/>
+        </a:lnRef>
+        <a:fillRef idx="1">
+          <a:scrgbClr r="0" g="0" b="0"/>
+        </a:fillRef>
+        <a:effectRef idx="0">
+          <a:scrgbClr r="0" g="0" b="0"/>
+        </a:effectRef>
+        <a:fontRef idx="minor">
+          <a:schemeClr val="lt1"/>
+        </a:fontRef>
+      </dsp:style>
+    </dsp:sp>
+    <dsp:sp modelId="{78A4163A-FD64-4C64-B342-8FE3D391B7E3}">
+      <dsp:nvSpPr>
+        <dsp:cNvPr id="0" name=""/>
+        <dsp:cNvSpPr/>
+      </dsp:nvSpPr>
+      <dsp:spPr>
+        <a:xfrm>
+          <a:off x="1879500" y="4416159"/>
+          <a:ext cx="2337000" cy="720000"/>
         </a:xfrm>
         <a:prstGeom prst="rect">
           <a:avLst/>
@@ -6598,9 +7651,9 @@
         </a:bodyPr>
         <a:lstStyle/>
         <a:p>
-          <a:pPr marL="0" lvl="0" indent="0" algn="ctr" defTabSz="755650">
+          <a:pPr marL="0" lvl="0" indent="0" algn="ctr" defTabSz="1200150">
             <a:lnSpc>
-              <a:spcPct val="100000"/>
+              <a:spcPct val="90000"/>
             </a:lnSpc>
             <a:spcBef>
               <a:spcPct val="0"/>
@@ -6611,22 +7664,419 @@
             <a:buNone/>
           </a:pPr>
           <a:r>
-            <a:rPr lang="en-US" sz="1700" kern="1200"/>
-            <a:t>The </a:t>
+            <a:rPr lang="fr-FR" sz="2700" kern="1200"/>
+            <a:t>No missing values</a:t>
+          </a:r>
+          <a:endParaRPr lang="en-US" sz="2700" kern="1200"/>
+        </a:p>
+      </dsp:txBody>
+      <dsp:txXfrm>
+        <a:off x="1879500" y="4416159"/>
+        <a:ext cx="2337000" cy="720000"/>
+      </dsp:txXfrm>
+    </dsp:sp>
+  </dsp:spTree>
+</dsp:drawing>
+</file>
+
+<file path=ppt/diagrams/drawing4.xml><?xml version="1.0" encoding="utf-8"?>
+<dsp:drawing xmlns:dgm="http://schemas.openxmlformats.org/drawingml/2006/diagram" xmlns:dsp="http://schemas.microsoft.com/office/drawing/2008/diagram" xmlns:a="http://schemas.openxmlformats.org/drawingml/2006/main">
+  <dsp:spTree>
+    <dsp:nvGrpSpPr>
+      <dsp:cNvPr id="0" name=""/>
+      <dsp:cNvGrpSpPr/>
+    </dsp:nvGrpSpPr>
+    <dsp:grpSpPr/>
+    <dsp:sp modelId="{A4FB64FD-1F96-4CA0-B071-D9B35C178207}">
+      <dsp:nvSpPr>
+        <dsp:cNvPr id="0" name=""/>
+        <dsp:cNvSpPr/>
+      </dsp:nvSpPr>
+      <dsp:spPr>
+        <a:xfrm>
+          <a:off x="0" y="284849"/>
+          <a:ext cx="6096000" cy="3515400"/>
+        </a:xfrm>
+        <a:prstGeom prst="rect">
+          <a:avLst/>
+        </a:prstGeom>
+        <a:solidFill>
+          <a:schemeClr val="lt1">
+            <a:alpha val="90000"/>
+            <a:hueOff val="0"/>
+            <a:satOff val="0"/>
+            <a:lumOff val="0"/>
+            <a:alphaOff val="0"/>
+          </a:schemeClr>
+        </a:solidFill>
+        <a:ln w="12700" cap="flat" cmpd="sng" algn="ctr">
+          <a:solidFill>
+            <a:schemeClr val="accent2">
+              <a:hueOff val="0"/>
+              <a:satOff val="0"/>
+              <a:lumOff val="0"/>
+              <a:alphaOff val="0"/>
+            </a:schemeClr>
+          </a:solidFill>
+          <a:prstDash val="solid"/>
+          <a:miter lim="800000"/>
+        </a:ln>
+        <a:effectLst/>
+      </dsp:spPr>
+      <dsp:style>
+        <a:lnRef idx="2">
+          <a:scrgbClr r="0" g="0" b="0"/>
+        </a:lnRef>
+        <a:fillRef idx="1">
+          <a:scrgbClr r="0" g="0" b="0"/>
+        </a:fillRef>
+        <a:effectRef idx="0">
+          <a:scrgbClr r="0" g="0" b="0"/>
+        </a:effectRef>
+        <a:fontRef idx="minor"/>
+      </dsp:style>
+      <dsp:txBody>
+        <a:bodyPr spcFirstLastPara="0" vert="horz" wrap="square" lIns="473117" tIns="374904" rIns="473117" bIns="120904" numCol="1" spcCol="1270" anchor="t" anchorCtr="0">
+          <a:noAutofit/>
+        </a:bodyPr>
+        <a:lstStyle/>
+        <a:p>
+          <a:pPr marL="171450" lvl="1" indent="-171450" algn="l" defTabSz="755650">
+            <a:lnSpc>
+              <a:spcPct val="90000"/>
+            </a:lnSpc>
+            <a:spcBef>
+              <a:spcPct val="0"/>
+            </a:spcBef>
+            <a:spcAft>
+              <a:spcPct val="15000"/>
+            </a:spcAft>
+            <a:buNone/>
+          </a:pPr>
+          <a:r>
+            <a:rPr lang="en-US" sz="1700" kern="1200" dirty="0"/>
+            <a:t>Request to the </a:t>
           </a:r>
           <a:r>
-            <a:rPr lang="en-US" sz="1700" kern="1200" err="1"/>
+            <a:rPr lang="en-US" sz="1700" kern="1200" dirty="0" err="1"/>
             <a:t>api</a:t>
           </a:r>
           <a:r>
-            <a:rPr lang="en-US" sz="1700" kern="1200"/>
-            <a:t> will return data in the following format :</a:t>
+            <a:rPr lang="en-US" sz="1700" kern="1200" dirty="0"/>
+            <a:t> must have the following Json format :</a:t>
           </a:r>
         </a:p>
         <a:p>
-          <a:pPr marL="0" lvl="0" indent="0" algn="ctr" defTabSz="755650">
+          <a:pPr marL="171450" lvl="1" indent="-171450" algn="l" defTabSz="755650">
             <a:lnSpc>
-              <a:spcPct val="100000"/>
+              <a:spcPct val="90000"/>
+            </a:lnSpc>
+            <a:spcBef>
+              <a:spcPct val="0"/>
+            </a:spcBef>
+            <a:spcAft>
+              <a:spcPct val="15000"/>
+            </a:spcAft>
+            <a:buChar char="•"/>
+          </a:pPr>
+          <a:r>
+            <a:rPr lang="en-US" sz="1700" kern="1200" dirty="0"/>
+            <a:t>For vectorized data :</a:t>
+          </a:r>
+        </a:p>
+        <a:p>
+          <a:pPr marL="342900" lvl="2" indent="-171450" algn="l" defTabSz="755650">
+            <a:lnSpc>
+              <a:spcPct val="90000"/>
+            </a:lnSpc>
+            <a:spcBef>
+              <a:spcPct val="0"/>
+            </a:spcBef>
+            <a:spcAft>
+              <a:spcPct val="15000"/>
+            </a:spcAft>
+            <a:buFont typeface="Wingdings" panose="05000000000000000000" pitchFamily="2" charset="2"/>
+            <a:buChar char="Ø"/>
+          </a:pPr>
+          <a:r>
+            <a:rPr lang="en-US" sz="1700" kern="1200" dirty="0"/>
+            <a:t> data = </a:t>
+          </a:r>
+          <a:r>
+            <a:rPr lang="en-US" sz="1700" kern="1200" dirty="0">
+              <a:latin typeface="Courier New" panose="02070309020205020404" pitchFamily="49" charset="0"/>
+              <a:cs typeface="Courier New" panose="02070309020205020404" pitchFamily="49" charset="0"/>
+            </a:rPr>
+            <a:t>[1,[X</a:t>
+          </a:r>
+          <a:r>
+            <a:rPr lang="en-US" sz="1200" kern="1200" dirty="0">
+              <a:latin typeface="Courier New" panose="02070309020205020404" pitchFamily="49" charset="0"/>
+              <a:cs typeface="Courier New" panose="02070309020205020404" pitchFamily="49" charset="0"/>
+            </a:rPr>
+            <a:t>1</a:t>
+          </a:r>
+          <a:r>
+            <a:rPr lang="en-US" sz="1700" kern="1200" dirty="0">
+              <a:latin typeface="Courier New" panose="02070309020205020404" pitchFamily="49" charset="0"/>
+              <a:cs typeface="Courier New" panose="02070309020205020404" pitchFamily="49" charset="0"/>
+            </a:rPr>
+            <a:t>,X</a:t>
+          </a:r>
+          <a:r>
+            <a:rPr lang="en-US" sz="1200" kern="1200" dirty="0">
+              <a:latin typeface="Courier New" panose="02070309020205020404" pitchFamily="49" charset="0"/>
+              <a:cs typeface="Courier New" panose="02070309020205020404" pitchFamily="49" charset="0"/>
+            </a:rPr>
+            <a:t>2</a:t>
+          </a:r>
+          <a:r>
+            <a:rPr lang="en-US" sz="1700" kern="1200" dirty="0">
+              <a:latin typeface="Courier New" panose="02070309020205020404" pitchFamily="49" charset="0"/>
+              <a:cs typeface="Courier New" panose="02070309020205020404" pitchFamily="49" charset="0"/>
+            </a:rPr>
+            <a:t>,...] = [1,[[x</a:t>
+          </a:r>
+          <a:r>
+            <a:rPr lang="en-US" sz="1200" kern="1200" dirty="0">
+              <a:latin typeface="Courier New" panose="02070309020205020404" pitchFamily="49" charset="0"/>
+              <a:cs typeface="Courier New" panose="02070309020205020404" pitchFamily="49" charset="0"/>
+            </a:rPr>
+            <a:t>1i</a:t>
+          </a:r>
+          <a:r>
+            <a:rPr lang="en-US" sz="1700" kern="1200" dirty="0">
+              <a:latin typeface="Courier New" panose="02070309020205020404" pitchFamily="49" charset="0"/>
+              <a:cs typeface="Courier New" panose="02070309020205020404" pitchFamily="49" charset="0"/>
+            </a:rPr>
+            <a:t>]*57, [x</a:t>
+          </a:r>
+          <a:r>
+            <a:rPr lang="en-US" sz="1200" kern="1200" dirty="0">
+              <a:latin typeface="Courier New" panose="02070309020205020404" pitchFamily="49" charset="0"/>
+              <a:cs typeface="Courier New" panose="02070309020205020404" pitchFamily="49" charset="0"/>
+            </a:rPr>
+            <a:t>2i</a:t>
+          </a:r>
+          <a:r>
+            <a:rPr lang="en-US" sz="1700" kern="1200" dirty="0">
+              <a:latin typeface="Courier New" panose="02070309020205020404" pitchFamily="49" charset="0"/>
+              <a:cs typeface="Courier New" panose="02070309020205020404" pitchFamily="49" charset="0"/>
+            </a:rPr>
+            <a:t>]*57, ... [</a:t>
+          </a:r>
+          <a:r>
+            <a:rPr lang="en-US" sz="1700" kern="1200" dirty="0" err="1">
+              <a:latin typeface="Courier New" panose="02070309020205020404" pitchFamily="49" charset="0"/>
+              <a:cs typeface="Courier New" panose="02070309020205020404" pitchFamily="49" charset="0"/>
+            </a:rPr>
+            <a:t>x</a:t>
+          </a:r>
+          <a:r>
+            <a:rPr lang="en-US" sz="1400" kern="1200" dirty="0" err="1">
+              <a:latin typeface="Courier New" panose="02070309020205020404" pitchFamily="49" charset="0"/>
+              <a:cs typeface="Courier New" panose="02070309020205020404" pitchFamily="49" charset="0"/>
+            </a:rPr>
+            <a:t>ni</a:t>
+          </a:r>
+          <a:r>
+            <a:rPr lang="en-US" sz="1700" kern="1200" dirty="0">
+              <a:latin typeface="Courier New" panose="02070309020205020404" pitchFamily="49" charset="0"/>
+              <a:cs typeface="Courier New" panose="02070309020205020404" pitchFamily="49" charset="0"/>
+            </a:rPr>
+            <a:t>]*57]</a:t>
+          </a:r>
+        </a:p>
+        <a:p>
+          <a:pPr marL="514350" lvl="3" indent="-171450" algn="l" defTabSz="755650">
+            <a:lnSpc>
+              <a:spcPct val="90000"/>
+            </a:lnSpc>
+            <a:spcBef>
+              <a:spcPct val="0"/>
+            </a:spcBef>
+            <a:spcAft>
+              <a:spcPct val="15000"/>
+            </a:spcAft>
+            <a:buFont typeface="Wingdings" panose="05000000000000000000" pitchFamily="2" charset="2"/>
+            <a:buNone/>
+          </a:pPr>
+          <a:r>
+            <a:rPr lang="en-US" sz="1700" kern="1200" dirty="0"/>
+            <a:t>with every </a:t>
+          </a:r>
+          <a:r>
+            <a:rPr lang="en-US" sz="1700" kern="1200" dirty="0" err="1"/>
+            <a:t>xni</a:t>
+          </a:r>
+          <a:r>
+            <a:rPr lang="en-US" sz="1700" kern="1200" dirty="0"/>
+            <a:t> corresponding to a columns of </a:t>
+          </a:r>
+          <a:r>
+            <a:rPr lang="en-US" sz="1700" kern="1200" dirty="0" err="1"/>
+            <a:t>Xn</a:t>
+          </a:r>
+          <a:endParaRPr lang="en-US" sz="1700" kern="1200" dirty="0"/>
+        </a:p>
+        <a:p>
+          <a:pPr marL="171450" lvl="1" indent="-171450" algn="l" defTabSz="755650">
+            <a:lnSpc>
+              <a:spcPct val="90000"/>
+            </a:lnSpc>
+            <a:spcBef>
+              <a:spcPct val="0"/>
+            </a:spcBef>
+            <a:spcAft>
+              <a:spcPct val="15000"/>
+            </a:spcAft>
+            <a:buChar char="•"/>
+          </a:pPr>
+          <a:r>
+            <a:rPr lang="en-US" sz="1700" kern="1200" dirty="0">
+              <a:latin typeface="Gill Sans MT"/>
+              <a:ea typeface="+mn-ea"/>
+              <a:cs typeface="+mn-cs"/>
+            </a:rPr>
+            <a:t>For raw email data :</a:t>
+          </a:r>
+          <a:endParaRPr lang="en-US" sz="1700" kern="1200" dirty="0"/>
+        </a:p>
+        <a:p>
+          <a:pPr marL="342900" lvl="2" indent="-171450" algn="l" defTabSz="755650">
+            <a:lnSpc>
+              <a:spcPct val="90000"/>
+            </a:lnSpc>
+            <a:spcBef>
+              <a:spcPct val="0"/>
+            </a:spcBef>
+            <a:spcAft>
+              <a:spcPct val="15000"/>
+            </a:spcAft>
+            <a:buFont typeface="Wingdings" panose="05000000000000000000" pitchFamily="2" charset="2"/>
+            <a:buChar char="Ø"/>
+          </a:pPr>
+          <a:r>
+            <a:rPr lang="en-US" sz="1700" kern="1200" dirty="0"/>
+            <a:t> data = [0,["raw email text 1", "raw email text 2", ... ]]</a:t>
+          </a:r>
+        </a:p>
+        <a:p>
+          <a:pPr marL="342900" lvl="2" indent="-171450" algn="l" defTabSz="755650">
+            <a:lnSpc>
+              <a:spcPct val="90000"/>
+            </a:lnSpc>
+            <a:spcBef>
+              <a:spcPct val="0"/>
+            </a:spcBef>
+            <a:spcAft>
+              <a:spcPct val="15000"/>
+            </a:spcAft>
+            <a:buChar char="•"/>
+          </a:pPr>
+          <a:endParaRPr lang="en-US" sz="1700" kern="1200" dirty="0"/>
+        </a:p>
+        <a:p>
+          <a:pPr marL="171450" lvl="1" indent="-171450" algn="l" defTabSz="755650">
+            <a:lnSpc>
+              <a:spcPct val="90000"/>
+            </a:lnSpc>
+            <a:spcBef>
+              <a:spcPct val="0"/>
+            </a:spcBef>
+            <a:spcAft>
+              <a:spcPct val="15000"/>
+            </a:spcAft>
+            <a:buNone/>
+          </a:pPr>
+          <a:r>
+            <a:rPr lang="en-US" sz="1700" kern="1200" dirty="0"/>
+            <a:t>data[0] is a flag to know if the data is a row emails or a vector :</a:t>
+          </a:r>
+        </a:p>
+        <a:p>
+          <a:pPr marL="342900" lvl="2" indent="-171450" algn="l" defTabSz="755650">
+            <a:lnSpc>
+              <a:spcPct val="90000"/>
+            </a:lnSpc>
+            <a:spcBef>
+              <a:spcPct val="0"/>
+            </a:spcBef>
+            <a:spcAft>
+              <a:spcPct val="15000"/>
+            </a:spcAft>
+            <a:buFont typeface="Wingdings" panose="05000000000000000000" pitchFamily="2" charset="2"/>
+            <a:buChar char="Ø"/>
+          </a:pPr>
+          <a:r>
+            <a:rPr lang="en-US" sz="1700" kern="1200" dirty="0"/>
+            <a:t> data[0]=0 if it is a list of raw emails, data[0]=1 if it is a list of vector compatible with the model</a:t>
+          </a:r>
+        </a:p>
+      </dsp:txBody>
+      <dsp:txXfrm>
+        <a:off x="0" y="284849"/>
+        <a:ext cx="6096000" cy="3515400"/>
+      </dsp:txXfrm>
+    </dsp:sp>
+    <dsp:sp modelId="{609A8973-722A-4A19-B38E-0DF607150791}">
+      <dsp:nvSpPr>
+        <dsp:cNvPr id="0" name=""/>
+        <dsp:cNvSpPr/>
+      </dsp:nvSpPr>
+      <dsp:spPr>
+        <a:xfrm>
+          <a:off x="304800" y="19169"/>
+          <a:ext cx="4267200" cy="531360"/>
+        </a:xfrm>
+        <a:prstGeom prst="roundRect">
+          <a:avLst/>
+        </a:prstGeom>
+        <a:solidFill>
+          <a:schemeClr val="accent2">
+            <a:hueOff val="0"/>
+            <a:satOff val="0"/>
+            <a:lumOff val="0"/>
+            <a:alphaOff val="0"/>
+          </a:schemeClr>
+        </a:solidFill>
+        <a:ln w="12700" cap="flat" cmpd="sng" algn="ctr">
+          <a:solidFill>
+            <a:schemeClr val="lt1">
+              <a:hueOff val="0"/>
+              <a:satOff val="0"/>
+              <a:lumOff val="0"/>
+              <a:alphaOff val="0"/>
+            </a:schemeClr>
+          </a:solidFill>
+          <a:prstDash val="solid"/>
+          <a:miter lim="800000"/>
+        </a:ln>
+        <a:effectLst/>
+      </dsp:spPr>
+      <dsp:style>
+        <a:lnRef idx="2">
+          <a:scrgbClr r="0" g="0" b="0"/>
+        </a:lnRef>
+        <a:fillRef idx="1">
+          <a:scrgbClr r="0" g="0" b="0"/>
+        </a:fillRef>
+        <a:effectRef idx="0">
+          <a:scrgbClr r="0" g="0" b="0"/>
+        </a:effectRef>
+        <a:fontRef idx="minor">
+          <a:schemeClr val="lt1"/>
+        </a:fontRef>
+      </dsp:style>
+      <dsp:txBody>
+        <a:bodyPr spcFirstLastPara="0" vert="horz" wrap="square" lIns="161290" tIns="0" rIns="161290" bIns="0" numCol="1" spcCol="1270" anchor="ctr" anchorCtr="0">
+          <a:noAutofit/>
+        </a:bodyPr>
+        <a:lstStyle/>
+        <a:p>
+          <a:pPr marL="0" lvl="0" indent="0" algn="l" defTabSz="800100">
+            <a:lnSpc>
+              <a:spcPct val="90000"/>
             </a:lnSpc>
             <a:spcBef>
               <a:spcPct val="0"/>
@@ -6635,32 +8085,214 @@
               <a:spcPct val="35000"/>
             </a:spcAft>
             <a:buNone/>
+            <a:defRPr b="1"/>
           </a:pPr>
           <a:r>
-            <a:rPr lang="en-US" sz="1700" kern="1200"/>
-            <a:t>[p</a:t>
+            <a:rPr lang="en-US" sz="1800" kern="1200" dirty="0"/>
+            <a:t>Input :</a:t>
+          </a:r>
+        </a:p>
+      </dsp:txBody>
+      <dsp:txXfrm>
+        <a:off x="330739" y="45108"/>
+        <a:ext cx="4215322" cy="479482"/>
+      </dsp:txXfrm>
+    </dsp:sp>
+    <dsp:sp modelId="{075BEA9C-7BFF-4B30-8EDE-82F5D04E1CB0}">
+      <dsp:nvSpPr>
+        <dsp:cNvPr id="0" name=""/>
+        <dsp:cNvSpPr/>
+      </dsp:nvSpPr>
+      <dsp:spPr>
+        <a:xfrm>
+          <a:off x="0" y="4163130"/>
+          <a:ext cx="6096000" cy="1304100"/>
+        </a:xfrm>
+        <a:prstGeom prst="rect">
+          <a:avLst/>
+        </a:prstGeom>
+        <a:solidFill>
+          <a:schemeClr val="lt1">
+            <a:alpha val="90000"/>
+            <a:hueOff val="0"/>
+            <a:satOff val="0"/>
+            <a:lumOff val="0"/>
+            <a:alphaOff val="0"/>
+          </a:schemeClr>
+        </a:solidFill>
+        <a:ln w="12700" cap="flat" cmpd="sng" algn="ctr">
+          <a:solidFill>
+            <a:schemeClr val="accent3">
+              <a:hueOff val="0"/>
+              <a:satOff val="0"/>
+              <a:lumOff val="0"/>
+              <a:alphaOff val="0"/>
+            </a:schemeClr>
+          </a:solidFill>
+          <a:prstDash val="solid"/>
+          <a:miter lim="800000"/>
+        </a:ln>
+        <a:effectLst/>
+      </dsp:spPr>
+      <dsp:style>
+        <a:lnRef idx="2">
+          <a:scrgbClr r="0" g="0" b="0"/>
+        </a:lnRef>
+        <a:fillRef idx="1">
+          <a:scrgbClr r="0" g="0" b="0"/>
+        </a:fillRef>
+        <a:effectRef idx="0">
+          <a:scrgbClr r="0" g="0" b="0"/>
+        </a:effectRef>
+        <a:fontRef idx="minor"/>
+      </dsp:style>
+      <dsp:txBody>
+        <a:bodyPr spcFirstLastPara="0" vert="horz" wrap="square" lIns="473117" tIns="374904" rIns="473117" bIns="128016" numCol="1" spcCol="1270" anchor="t" anchorCtr="0">
+          <a:noAutofit/>
+        </a:bodyPr>
+        <a:lstStyle/>
+        <a:p>
+          <a:pPr marL="171450" lvl="1" indent="-171450" algn="l" defTabSz="800100">
+            <a:lnSpc>
+              <a:spcPct val="90000"/>
+            </a:lnSpc>
+            <a:spcBef>
+              <a:spcPct val="0"/>
+            </a:spcBef>
+            <a:spcAft>
+              <a:spcPct val="15000"/>
+            </a:spcAft>
+            <a:buNone/>
+          </a:pPr>
+          <a:r>
+            <a:rPr lang="en-US" sz="1800" kern="1200" dirty="0"/>
+            <a:t>The </a:t>
           </a:r>
           <a:r>
-            <a:rPr lang="en-US" sz="1200" kern="1200"/>
-            <a:t>1</a:t>
+            <a:rPr lang="en-US" sz="1800" kern="1200" dirty="0" err="1"/>
+            <a:t>api</a:t>
           </a:r>
           <a:r>
-            <a:rPr lang="en-US" sz="1700" kern="1200"/>
-            <a:t>,p</a:t>
-          </a:r>
-          <a:r>
-            <a:rPr lang="en-US" sz="1200" kern="1200"/>
-            <a:t>2</a:t>
-          </a:r>
-          <a:r>
-            <a:rPr lang="en-US" sz="1700" kern="1200"/>
-            <a:t>,...]</a:t>
+            <a:rPr lang="en-US" sz="1800" kern="1200" dirty="0"/>
+            <a:t> will return data in the following Json format :</a:t>
           </a:r>
         </a:p>
         <a:p>
-          <a:pPr marL="0" lvl="0" indent="0" algn="ctr" defTabSz="755650">
+          <a:pPr marL="171450" lvl="1" indent="-171450" algn="l" defTabSz="800100">
             <a:lnSpc>
-              <a:spcPct val="100000"/>
+              <a:spcPct val="90000"/>
+            </a:lnSpc>
+            <a:spcBef>
+              <a:spcPct val="0"/>
+            </a:spcBef>
+            <a:spcAft>
+              <a:spcPct val="15000"/>
+            </a:spcAft>
+            <a:buChar char="•"/>
+          </a:pPr>
+          <a:r>
+            <a:rPr lang="en-US" sz="1800" kern="1200" dirty="0"/>
+            <a:t>[p1,p2,...]</a:t>
+          </a:r>
+        </a:p>
+        <a:p>
+          <a:pPr marL="342900" lvl="2" indent="-171450" algn="l" defTabSz="800100">
+            <a:lnSpc>
+              <a:spcPct val="90000"/>
+            </a:lnSpc>
+            <a:spcBef>
+              <a:spcPct val="0"/>
+            </a:spcBef>
+            <a:spcAft>
+              <a:spcPct val="15000"/>
+            </a:spcAft>
+            <a:buNone/>
+          </a:pPr>
+          <a:r>
+            <a:rPr lang="en-US" sz="1800" kern="1200" dirty="0"/>
+            <a:t>with </a:t>
+          </a:r>
+          <a:r>
+            <a:rPr lang="en-US" sz="1800" kern="1200" dirty="0" err="1"/>
+            <a:t>pn</a:t>
+          </a:r>
+          <a:r>
+            <a:rPr lang="en-US" sz="1800" kern="1200" dirty="0"/>
+            <a:t> the prediction for the n </a:t>
+          </a:r>
+          <a:r>
+            <a:rPr lang="en-US" sz="1800" kern="1200" dirty="0" err="1"/>
+            <a:t>th</a:t>
+          </a:r>
+          <a:r>
+            <a:rPr lang="en-US" sz="1800" kern="1200" dirty="0"/>
+            <a:t> element</a:t>
+          </a:r>
+        </a:p>
+      </dsp:txBody>
+      <dsp:txXfrm>
+        <a:off x="0" y="4163130"/>
+        <a:ext cx="6096000" cy="1304100"/>
+      </dsp:txXfrm>
+    </dsp:sp>
+    <dsp:sp modelId="{424CB831-90AD-4109-8527-48DDD90B9888}">
+      <dsp:nvSpPr>
+        <dsp:cNvPr id="0" name=""/>
+        <dsp:cNvSpPr/>
+      </dsp:nvSpPr>
+      <dsp:spPr>
+        <a:xfrm>
+          <a:off x="304800" y="3897450"/>
+          <a:ext cx="4267200" cy="531360"/>
+        </a:xfrm>
+        <a:prstGeom prst="roundRect">
+          <a:avLst/>
+        </a:prstGeom>
+        <a:solidFill>
+          <a:schemeClr val="accent3">
+            <a:hueOff val="0"/>
+            <a:satOff val="0"/>
+            <a:lumOff val="0"/>
+            <a:alphaOff val="0"/>
+          </a:schemeClr>
+        </a:solidFill>
+        <a:ln w="12700" cap="flat" cmpd="sng" algn="ctr">
+          <a:solidFill>
+            <a:schemeClr val="lt1">
+              <a:hueOff val="0"/>
+              <a:satOff val="0"/>
+              <a:lumOff val="0"/>
+              <a:alphaOff val="0"/>
+            </a:schemeClr>
+          </a:solidFill>
+          <a:prstDash val="solid"/>
+          <a:miter lim="800000"/>
+        </a:ln>
+        <a:effectLst/>
+      </dsp:spPr>
+      <dsp:style>
+        <a:lnRef idx="2">
+          <a:scrgbClr r="0" g="0" b="0"/>
+        </a:lnRef>
+        <a:fillRef idx="1">
+          <a:scrgbClr r="0" g="0" b="0"/>
+        </a:fillRef>
+        <a:effectRef idx="0">
+          <a:scrgbClr r="0" g="0" b="0"/>
+        </a:effectRef>
+        <a:fontRef idx="minor">
+          <a:schemeClr val="lt1"/>
+        </a:fontRef>
+      </dsp:style>
+      <dsp:txBody>
+        <a:bodyPr spcFirstLastPara="0" vert="horz" wrap="square" lIns="161290" tIns="0" rIns="161290" bIns="0" numCol="1" spcCol="1270" anchor="ctr" anchorCtr="0">
+          <a:noAutofit/>
+        </a:bodyPr>
+        <a:lstStyle/>
+        <a:p>
+          <a:pPr marL="0" lvl="0" indent="0" algn="l" defTabSz="800100">
+            <a:lnSpc>
+              <a:spcPct val="90000"/>
             </a:lnSpc>
             <a:spcBef>
               <a:spcPct val="0"/>
@@ -6669,36 +8301,17 @@
               <a:spcPct val="35000"/>
             </a:spcAft>
             <a:buNone/>
+            <a:defRPr b="1"/>
           </a:pPr>
           <a:r>
-            <a:rPr lang="en-US" sz="1700" kern="1200"/>
-            <a:t>with </a:t>
-          </a:r>
-          <a:r>
-            <a:rPr lang="en-US" sz="1700" kern="1200" err="1"/>
-            <a:t>p</a:t>
-          </a:r>
-          <a:r>
-            <a:rPr lang="en-US" sz="1200" kern="1200" err="1"/>
-            <a:t>n</a:t>
-          </a:r>
-          <a:r>
-            <a:rPr lang="en-US" sz="1700" kern="1200"/>
-            <a:t> the prediction for the n </a:t>
-          </a:r>
-          <a:r>
-            <a:rPr lang="en-US" sz="1700" kern="1200" err="1"/>
-            <a:t>th</a:t>
-          </a:r>
-          <a:r>
-            <a:rPr lang="en-US" sz="1700" kern="1200"/>
-            <a:t> element</a:t>
+            <a:rPr lang="en-US" sz="1800" kern="1200"/>
+            <a:t>Output : </a:t>
           </a:r>
         </a:p>
       </dsp:txBody>
       <dsp:txXfrm>
-        <a:off x="5906590" y="1369359"/>
-        <a:ext cx="4311566" cy="3010"/>
+        <a:off x="330739" y="3923389"/>
+        <a:ext cx="4215322" cy="479482"/>
       </dsp:txXfrm>
     </dsp:sp>
   </dsp:spTree>
@@ -7201,9 +8814,9 @@
 </file>
 
 <file path=ppt/diagrams/layout3.xml><?xml version="1.0" encoding="utf-8"?>
-<dgm:layoutDef xmlns:dgm="http://schemas.openxmlformats.org/drawingml/2006/diagram" xmlns:a="http://schemas.openxmlformats.org/drawingml/2006/main" uniqueId="urn:microsoft.com/office/officeart/2018/5/layout/CenteredIconLabelDescriptionList">
-  <dgm:title val="Centered Icon Label Description List"/>
-  <dgm:desc val="Use to show non-sequential or grouped chunks of information. The placeholder holds an icon or small picture, and corresponding text boxes show Level 1 and Level 2 text respectively. Works well for minimal Level 1 text accompanied by lengthier Level two text."/>
+<dgm:layoutDef xmlns:dgm="http://schemas.openxmlformats.org/drawingml/2006/diagram" xmlns:a="http://schemas.openxmlformats.org/drawingml/2006/main" uniqueId="urn:microsoft.com/office/officeart/2018/2/layout/IconLabelList">
+  <dgm:title val="Icon Label List"/>
+  <dgm:desc val="Use to show non-sequential or grouped chunks of information accompanied by a related visuals. Works best with icons or small pictures with short text captions."/>
   <dgm:catLst>
     <dgm:cat type="icon" pri="500"/>
   </dgm:catLst>
@@ -7235,11 +8848,23 @@
     </dgm:varLst>
     <dgm:choose name="Name0">
       <dgm:if name="Name1" axis="self" func="var" arg="dir" op="equ" val="norm">
-        <dgm:alg type="lin"/>
+        <dgm:alg type="snake">
+          <dgm:param type="grDir" val="tL"/>
+          <dgm:param type="flowDir" val="row"/>
+          <dgm:param type="contDir" val="sameDir"/>
+          <dgm:param type="off" val="ctr"/>
+          <dgm:param type="vertAlign" val="mid"/>
+          <dgm:param type="horzAlign" val="ctr"/>
+        </dgm:alg>
       </dgm:if>
       <dgm:else name="Name2">
-        <dgm:alg type="lin">
-          <dgm:param type="linDir" val="fromR"/>
+        <dgm:alg type="snake">
+          <dgm:param type="grDir" val="tR"/>
+          <dgm:param type="flowDir" val="row"/>
+          <dgm:param type="contDir" val="sameDir"/>
+          <dgm:param type="off" val="ctr"/>
+          <dgm:param type="vertAlign" val="mid"/>
+          <dgm:param type="horzAlign" val="ctr"/>
         </dgm:alg>
       </dgm:else>
     </dgm:choose>
@@ -7247,24 +8872,45 @@
       <dgm:adjLst/>
     </dgm:shape>
     <dgm:presOf/>
-    <dgm:constrLst>
-      <dgm:constr type="h" for="ch" forName="compNode" refType="h" fact="0.45"/>
-      <dgm:constr type="w" for="ch" forName="compNode" val="120"/>
-      <dgm:constr type="w" for="ch" forName="sibTrans" refType="w" refFor="ch" refForName="compNode" fact="0.175"/>
-      <dgm:constr type="primFontSz" for="des" forName="parTx" val="36"/>
-      <dgm:constr type="primFontSz" for="des" forName="desTx" refType="primFontSz" refFor="des" refForName="parTx" op="lte" fact="0.75"/>
-      <dgm:constr type="h" for="des" forName="compNode" op="equ"/>
-      <dgm:constr type="h" for="des" forName="iconRect" op="equ"/>
-      <dgm:constr type="w" for="des" forName="iconRect" op="equ"/>
-      <dgm:constr type="h" for="des" forName="iconSpace" op="equ"/>
-      <dgm:constr type="h" for="des" forName="parTx" op="equ"/>
-      <dgm:constr type="h" for="des" forName="txSpace" op="equ"/>
-      <dgm:constr type="h" for="des" forName="desTx" op="equ"/>
-    </dgm:constrLst>
+    <dgm:choose name="Name3">
+      <dgm:if name="Name4" axis="ch" ptType="node" func="cnt" op="lte" val="2">
+        <dgm:constrLst>
+          <dgm:constr type="h" for="ch" forName="compNode" refType="h" fact="0.4"/>
+          <dgm:constr type="w" for="ch" forName="compNode" val="120"/>
+          <dgm:constr type="w" for="ch" forName="sibTrans" refType="w" refFor="ch" refForName="compNode" fact="0.175"/>
+          <dgm:constr type="sp" refType="w" refFor="ch" refForName="compNode" op="equ" fact="0.25"/>
+          <dgm:constr type="primFontSz" for="des" ptType="node" op="equ" val="50"/>
+          <dgm:constr type="h" for="des" forName="compNode" op="equ"/>
+          <dgm:constr type="h" for="des" forName="textRect" op="equ"/>
+        </dgm:constrLst>
+      </dgm:if>
+      <dgm:if name="Name5" axis="ch" ptType="node" func="cnt" op="lte" val="4">
+        <dgm:constrLst>
+          <dgm:constr type="h" for="ch" forName="compNode" refType="h" fact="0.4"/>
+          <dgm:constr type="w" for="ch" forName="compNode" refType="w"/>
+          <dgm:constr type="w" for="ch" forName="sibTrans" refType="w" refFor="ch" refForName="compNode" fact="0.175"/>
+          <dgm:constr type="sp" refType="w" refFor="ch" refForName="compNode" op="equ" fact="0.25"/>
+          <dgm:constr type="primFontSz" for="des" ptType="node" op="equ" val="36"/>
+          <dgm:constr type="h" for="des" forName="compNode" op="equ"/>
+          <dgm:constr type="h" for="des" forName="textRect" op="equ"/>
+        </dgm:constrLst>
+      </dgm:if>
+      <dgm:else name="Name6">
+        <dgm:constrLst>
+          <dgm:constr type="h" for="ch" forName="compNode" refType="h" fact="0.4"/>
+          <dgm:constr type="w" for="ch" forName="compNode" refType="w"/>
+          <dgm:constr type="w" for="ch" forName="sibTrans" refType="w" refFor="ch" refForName="compNode" fact="0.175"/>
+          <dgm:constr type="sp" refType="w" refFor="ch" refForName="compNode" op="equ" fact="0.25"/>
+          <dgm:constr type="primFontSz" for="des" ptType="node" op="equ" val="24"/>
+          <dgm:constr type="h" for="des" forName="compNode" op="equ"/>
+          <dgm:constr type="h" for="des" forName="textRect" op="equ"/>
+        </dgm:constrLst>
+      </dgm:else>
+    </dgm:choose>
     <dgm:ruleLst>
-      <dgm:rule type="w" for="ch" forName="compNode" val="0" fact="NaN" max="NaN"/>
+      <dgm:rule type="w" for="ch" forName="compNode" val="50" fact="NaN" max="NaN"/>
     </dgm:ruleLst>
-    <dgm:forEach name="Name3" axis="ch" ptType="node">
+    <dgm:forEach name="Name7" axis="ch" ptType="node">
       <dgm:layoutNode name="compNode">
         <dgm:alg type="composite"/>
         <dgm:shape xmlns:r="http://schemas.openxmlformats.org/officeDocument/2006/relationships" r:blip="">
@@ -7272,25 +8918,18 @@
         </dgm:shape>
         <dgm:presOf axis="self"/>
         <dgm:constrLst>
-          <dgm:constr type="w" for="ch" forName="iconRect" refType="w" fact="0.35"/>
+          <dgm:constr type="w" for="ch" forName="iconRect" refType="w" fact="0.45"/>
           <dgm:constr type="h" for="ch" forName="iconRect" refType="w" refFor="ch" refForName="iconRect"/>
           <dgm:constr type="ctrX" for="ch" forName="iconRect" refType="w" fact="0.5"/>
           <dgm:constr type="t" for="ch" forName="iconRect"/>
-          <dgm:constr type="w" for="ch" forName="iconSpace" refType="w"/>
-          <dgm:constr type="h" for="ch" forName="iconSpace" refType="h" fact="0.043"/>
-          <dgm:constr type="l" for="ch" forName="iconSpace"/>
-          <dgm:constr type="t" for="ch" forName="iconSpace" refType="b" refFor="ch" refForName="iconRect"/>
-          <dgm:constr type="w" for="ch" forName="parTx" refType="w"/>
-          <dgm:constr type="h" for="ch" forName="parTx" refType="w" fact="0.15"/>
-          <dgm:constr type="l" for="ch" forName="parTx"/>
-          <dgm:constr type="t" for="ch" forName="parTx" refType="b" refFor="ch" refForName="iconSpace"/>
-          <dgm:constr type="h" for="ch" forName="txSpace" refType="h" fact="0.02"/>
-          <dgm:constr type="w" for="ch" forName="txSpace" refType="w"/>
-          <dgm:constr type="l" for="ch" forName="txSpace"/>
-          <dgm:constr type="t" for="ch" forName="txSpace" refType="b" refFor="ch" refForName="parTx"/>
-          <dgm:constr type="w" for="ch" forName="desTx" refType="w"/>
-          <dgm:constr type="l" for="ch" forName="desTx"/>
-          <dgm:constr type="t" for="ch" forName="desTx" refType="b" refFor="ch" refForName="txSpace"/>
+          <dgm:constr type="h" for="ch" forName="spaceRect" refType="h" fact="0.15"/>
+          <dgm:constr type="w" for="ch" forName="spaceRect" refType="w"/>
+          <dgm:constr type="l" for="ch" forName="spaceRect"/>
+          <dgm:constr type="t" for="ch" forName="spaceRect" refType="b" refFor="ch" refForName="iconRect"/>
+          <dgm:constr type="h" for="ch" forName="textRect" val="20"/>
+          <dgm:constr type="w" for="ch" forName="textRect" refType="w"/>
+          <dgm:constr type="l" for="ch" forName="textRect"/>
+          <dgm:constr type="t" for="ch" forName="textRect" refType="b" refFor="ch" refForName="spaceRect"/>
         </dgm:constrLst>
         <dgm:ruleLst>
           <dgm:rule type="h" val="INF" fact="NaN" max="NaN"/>
@@ -7304,7 +8943,7 @@
           <dgm:constrLst/>
           <dgm:ruleLst/>
         </dgm:layoutNode>
-        <dgm:layoutNode name="iconSpace">
+        <dgm:layoutNode name="spaceRect">
           <dgm:alg type="sp"/>
           <dgm:shape xmlns:r="http://schemas.openxmlformats.org/officeDocument/2006/relationships" r:blip="">
             <dgm:adjLst/>
@@ -7313,10 +8952,10 @@
           <dgm:constrLst/>
           <dgm:ruleLst/>
         </dgm:layoutNode>
-        <dgm:layoutNode name="parTx" styleLbl="revTx">
+        <dgm:layoutNode name="textRect" styleLbl="revTx">
           <dgm:varLst>
-            <dgm:chMax val="0"/>
-            <dgm:chPref val="0"/>
+            <dgm:chMax val="1"/>
+            <dgm:chPref val="1"/>
           </dgm:varLst>
           <dgm:alg type="tx">
             <dgm:param type="txAnchorVert" val="t"/>
@@ -7332,43 +8971,12 @@
             <dgm:constr type="bMarg"/>
           </dgm:constrLst>
           <dgm:ruleLst>
-            <dgm:rule type="primFontSz" val="14" fact="NaN" max="NaN"/>
-            <dgm:rule type="h" val="INF" fact="NaN" max="NaN"/>
-          </dgm:ruleLst>
-        </dgm:layoutNode>
-        <dgm:layoutNode name="txSpace">
-          <dgm:alg type="sp"/>
-          <dgm:shape xmlns:r="http://schemas.openxmlformats.org/officeDocument/2006/relationships" r:blip="">
-            <dgm:adjLst/>
-          </dgm:shape>
-          <dgm:presOf/>
-          <dgm:constrLst/>
-          <dgm:ruleLst/>
-        </dgm:layoutNode>
-        <dgm:layoutNode name="desTx" styleLbl="revTx">
-          <dgm:varLst/>
-          <dgm:alg type="tx">
-            <dgm:param type="stBulletLvl" val="0"/>
-            <dgm:param type="txAnchorVert" val="t"/>
-          </dgm:alg>
-          <dgm:shape xmlns:r="http://schemas.openxmlformats.org/officeDocument/2006/relationships" type="rect" r:blip="">
-            <dgm:adjLst/>
-          </dgm:shape>
-          <dgm:presOf axis="des" ptType="node"/>
-          <dgm:constrLst>
-            <dgm:constr type="secFontSz" refType="primFontSz"/>
-            <dgm:constr type="lMarg"/>
-            <dgm:constr type="rMarg"/>
-            <dgm:constr type="tMarg"/>
-            <dgm:constr type="bMarg"/>
-          </dgm:constrLst>
-          <dgm:ruleLst>
-            <dgm:rule type="primFontSz" val="NaN" fact="NaN" max="17"/>
+            <dgm:rule type="primFontSz" val="11" fact="NaN" max="NaN"/>
             <dgm:rule type="h" val="INF" fact="NaN" max="NaN"/>
           </dgm:ruleLst>
         </dgm:layoutNode>
       </dgm:layoutNode>
-      <dgm:forEach name="Name4" axis="followSib" ptType="sibTrans" cnt="1">
+      <dgm:forEach name="Name8" axis="followSib" ptType="sibTrans" cnt="1">
         <dgm:layoutNode name="sibTrans">
           <dgm:alg type="sp"/>
           <dgm:shape xmlns:r="http://schemas.openxmlformats.org/officeDocument/2006/relationships" r:blip="">
@@ -7388,16 +8996,235 @@
           <a:lnSpc>
             <a:spcPct val="100000"/>
           </a:lnSpc>
-          <a:defRPr b="1"/>
         </a:lvl1pPr>
-        <a:lvl2pPr>
-          <a:lnSpc>
-            <a:spcPct val="100000"/>
-          </a:lnSpc>
-        </a:lvl2pPr>
       </dgm1612:lstStyle>
     </a:ext>
   </dgm:extLst>
+</dgm:layoutDef>
+</file>
+
+<file path=ppt/diagrams/layout4.xml><?xml version="1.0" encoding="utf-8"?>
+<dgm:layoutDef xmlns:dgm="http://schemas.openxmlformats.org/drawingml/2006/diagram" xmlns:a="http://schemas.openxmlformats.org/drawingml/2006/main" uniqueId="urn:microsoft.com/office/officeart/2005/8/layout/list1">
+  <dgm:title val=""/>
+  <dgm:desc val=""/>
+  <dgm:catLst>
+    <dgm:cat type="list" pri="4000"/>
+  </dgm:catLst>
+  <dgm:sampData>
+    <dgm:dataModel>
+      <dgm:ptLst>
+        <dgm:pt modelId="0" type="doc"/>
+        <dgm:pt modelId="1">
+          <dgm:prSet phldr="1"/>
+        </dgm:pt>
+        <dgm:pt modelId="2">
+          <dgm:prSet phldr="1"/>
+        </dgm:pt>
+        <dgm:pt modelId="3">
+          <dgm:prSet phldr="1"/>
+        </dgm:pt>
+      </dgm:ptLst>
+      <dgm:cxnLst>
+        <dgm:cxn modelId="4" srcId="0" destId="1" srcOrd="0" destOrd="0"/>
+        <dgm:cxn modelId="5" srcId="0" destId="2" srcOrd="1" destOrd="0"/>
+        <dgm:cxn modelId="6" srcId="0" destId="3" srcOrd="2" destOrd="0"/>
+      </dgm:cxnLst>
+      <dgm:bg/>
+      <dgm:whole/>
+    </dgm:dataModel>
+  </dgm:sampData>
+  <dgm:styleData>
+    <dgm:dataModel>
+      <dgm:ptLst>
+        <dgm:pt modelId="0" type="doc"/>
+        <dgm:pt modelId="1"/>
+        <dgm:pt modelId="2"/>
+      </dgm:ptLst>
+      <dgm:cxnLst>
+        <dgm:cxn modelId="4" srcId="0" destId="1" srcOrd="0" destOrd="0"/>
+        <dgm:cxn modelId="5" srcId="0" destId="2" srcOrd="1" destOrd="0"/>
+      </dgm:cxnLst>
+      <dgm:bg/>
+      <dgm:whole/>
+    </dgm:dataModel>
+  </dgm:styleData>
+  <dgm:clrData>
+    <dgm:dataModel>
+      <dgm:ptLst>
+        <dgm:pt modelId="0" type="doc"/>
+        <dgm:pt modelId="1"/>
+        <dgm:pt modelId="2"/>
+        <dgm:pt modelId="3"/>
+        <dgm:pt modelId="4"/>
+      </dgm:ptLst>
+      <dgm:cxnLst>
+        <dgm:cxn modelId="5" srcId="0" destId="1" srcOrd="0" destOrd="0"/>
+        <dgm:cxn modelId="6" srcId="0" destId="2" srcOrd="1" destOrd="0"/>
+        <dgm:cxn modelId="7" srcId="0" destId="3" srcOrd="2" destOrd="0"/>
+        <dgm:cxn modelId="8" srcId="0" destId="4" srcOrd="3" destOrd="0"/>
+      </dgm:cxnLst>
+      <dgm:bg/>
+      <dgm:whole/>
+    </dgm:dataModel>
+  </dgm:clrData>
+  <dgm:layoutNode name="linear">
+    <dgm:varLst>
+      <dgm:dir/>
+      <dgm:animLvl val="lvl"/>
+      <dgm:resizeHandles val="exact"/>
+    </dgm:varLst>
+    <dgm:choose name="Name0">
+      <dgm:if name="Name1" func="var" arg="dir" op="equ" val="norm">
+        <dgm:alg type="lin">
+          <dgm:param type="linDir" val="fromT"/>
+          <dgm:param type="vertAlign" val="mid"/>
+          <dgm:param type="horzAlign" val="l"/>
+          <dgm:param type="nodeHorzAlign" val="l"/>
+        </dgm:alg>
+      </dgm:if>
+      <dgm:else name="Name2">
+        <dgm:alg type="lin">
+          <dgm:param type="linDir" val="fromT"/>
+          <dgm:param type="vertAlign" val="mid"/>
+          <dgm:param type="horzAlign" val="r"/>
+          <dgm:param type="nodeHorzAlign" val="r"/>
+        </dgm:alg>
+      </dgm:else>
+    </dgm:choose>
+    <dgm:shape xmlns:r="http://schemas.openxmlformats.org/officeDocument/2006/relationships" r:blip="">
+      <dgm:adjLst/>
+    </dgm:shape>
+    <dgm:presOf/>
+    <dgm:constrLst>
+      <dgm:constr type="w" for="ch" forName="parentLin" refType="w"/>
+      <dgm:constr type="h" for="ch" forName="parentLin" val="INF"/>
+      <dgm:constr type="w" for="des" forName="parentLeftMargin" refType="w" fact="0.05"/>
+      <dgm:constr type="w" for="des" forName="parentText" refType="w" fact="0.7"/>
+      <dgm:constr type="h" for="des" forName="parentText" refType="primFontSz" refFor="des" refForName="parentText" fact="0.82"/>
+      <dgm:constr type="h" for="ch" forName="negativeSpace" refType="primFontSz" refFor="des" refForName="parentText" fact="-0.41"/>
+      <dgm:constr type="h" for="ch" forName="negativeSpace" refType="h" refFor="des" refForName="parentText" op="lte" fact="-0.82"/>
+      <dgm:constr type="h" for="ch" forName="negativeSpace" refType="h" refFor="des" refForName="parentText" op="gte" fact="-0.82"/>
+      <dgm:constr type="w" for="ch" forName="childText" refType="w"/>
+      <dgm:constr type="h" for="ch" forName="childText" refType="primFontSz" refFor="des" refForName="parentText" fact="0.7"/>
+      <dgm:constr type="primFontSz" for="des" forName="parentText" val="65"/>
+      <dgm:constr type="primFontSz" for="ch" forName="childText" refType="primFontSz" refFor="des" refForName="parentText"/>
+      <dgm:constr type="tMarg" for="ch" forName="childText" refType="primFontSz" refFor="des" refForName="parentText" fact="1.64"/>
+      <dgm:constr type="tMarg" for="ch" forName="childText" refType="h" refFor="des" refForName="parentText" op="lte" fact="3.28"/>
+      <dgm:constr type="tMarg" for="ch" forName="childText" refType="h" refFor="des" refForName="parentText" op="gte" fact="3.28"/>
+      <dgm:constr type="lMarg" for="ch" forName="childText" refType="w" fact="0.22"/>
+      <dgm:constr type="rMarg" for="ch" forName="childText" refType="lMarg" refFor="ch" refForName="childText"/>
+      <dgm:constr type="lMarg" for="des" forName="parentText" refType="w" fact="0.075"/>
+      <dgm:constr type="rMarg" for="des" forName="parentText" refType="lMarg" refFor="des" refForName="parentText"/>
+      <dgm:constr type="h" for="ch" forName="spaceBetweenRectangles" refType="primFontSz" refFor="des" refForName="parentText" fact="0.15"/>
+    </dgm:constrLst>
+    <dgm:ruleLst>
+      <dgm:rule type="primFontSz" for="des" forName="parentText" val="5" fact="NaN" max="NaN"/>
+    </dgm:ruleLst>
+    <dgm:forEach name="Name3" axis="ch" ptType="node">
+      <dgm:layoutNode name="parentLin">
+        <dgm:choose name="Name4">
+          <dgm:if name="Name5" func="var" arg="dir" op="equ" val="norm">
+            <dgm:alg type="lin">
+              <dgm:param type="linDir" val="fromL"/>
+              <dgm:param type="horzAlign" val="l"/>
+              <dgm:param type="nodeHorzAlign" val="l"/>
+            </dgm:alg>
+          </dgm:if>
+          <dgm:else name="Name6">
+            <dgm:alg type="lin">
+              <dgm:param type="linDir" val="fromR"/>
+              <dgm:param type="horzAlign" val="r"/>
+              <dgm:param type="nodeHorzAlign" val="r"/>
+            </dgm:alg>
+          </dgm:else>
+        </dgm:choose>
+        <dgm:shape xmlns:r="http://schemas.openxmlformats.org/officeDocument/2006/relationships" r:blip="">
+          <dgm:adjLst/>
+        </dgm:shape>
+        <dgm:presOf/>
+        <dgm:constrLst/>
+        <dgm:ruleLst/>
+        <dgm:layoutNode name="parentLeftMargin">
+          <dgm:alg type="sp"/>
+          <dgm:shape xmlns:r="http://schemas.openxmlformats.org/officeDocument/2006/relationships" type="rect" r:blip="" hideGeom="1">
+            <dgm:adjLst/>
+          </dgm:shape>
+          <dgm:presOf axis="self"/>
+          <dgm:constrLst>
+            <dgm:constr type="h"/>
+          </dgm:constrLst>
+          <dgm:ruleLst/>
+        </dgm:layoutNode>
+        <dgm:layoutNode name="parentText" styleLbl="node1">
+          <dgm:varLst>
+            <dgm:chMax val="0"/>
+            <dgm:bulletEnabled val="1"/>
+          </dgm:varLst>
+          <dgm:choose name="Name7">
+            <dgm:if name="Name8" func="var" arg="dir" op="equ" val="norm">
+              <dgm:alg type="tx">
+                <dgm:param type="parTxLTRAlign" val="l"/>
+                <dgm:param type="parTxRTLAlign" val="l"/>
+              </dgm:alg>
+            </dgm:if>
+            <dgm:else name="Name9">
+              <dgm:alg type="tx">
+                <dgm:param type="parTxLTRAlign" val="r"/>
+                <dgm:param type="parTxRTLAlign" val="r"/>
+              </dgm:alg>
+            </dgm:else>
+          </dgm:choose>
+          <dgm:shape xmlns:r="http://schemas.openxmlformats.org/officeDocument/2006/relationships" type="roundRect" r:blip="">
+            <dgm:adjLst/>
+          </dgm:shape>
+          <dgm:presOf axis="self" ptType="node"/>
+          <dgm:constrLst>
+            <dgm:constr type="tMarg"/>
+            <dgm:constr type="bMarg"/>
+          </dgm:constrLst>
+          <dgm:ruleLst/>
+        </dgm:layoutNode>
+      </dgm:layoutNode>
+      <dgm:layoutNode name="negativeSpace">
+        <dgm:alg type="sp"/>
+        <dgm:shape xmlns:r="http://schemas.openxmlformats.org/officeDocument/2006/relationships" r:blip="">
+          <dgm:adjLst/>
+        </dgm:shape>
+        <dgm:presOf/>
+        <dgm:constrLst/>
+        <dgm:ruleLst/>
+      </dgm:layoutNode>
+      <dgm:layoutNode name="childText" styleLbl="conFgAcc1">
+        <dgm:varLst>
+          <dgm:bulletEnabled val="1"/>
+        </dgm:varLst>
+        <dgm:alg type="tx">
+          <dgm:param type="stBulletLvl" val="1"/>
+        </dgm:alg>
+        <dgm:shape xmlns:r="http://schemas.openxmlformats.org/officeDocument/2006/relationships" type="rect" r:blip="" zOrderOff="-2">
+          <dgm:adjLst/>
+        </dgm:shape>
+        <dgm:presOf axis="des" ptType="node"/>
+        <dgm:constrLst>
+          <dgm:constr type="secFontSz" refType="primFontSz"/>
+        </dgm:constrLst>
+        <dgm:ruleLst>
+          <dgm:rule type="h" val="INF" fact="NaN" max="NaN"/>
+        </dgm:ruleLst>
+      </dgm:layoutNode>
+      <dgm:forEach name="Name10" axis="followSib" ptType="sibTrans" cnt="1">
+        <dgm:layoutNode name="spaceBetweenRectangles">
+          <dgm:alg type="sp"/>
+          <dgm:shape xmlns:r="http://schemas.openxmlformats.org/officeDocument/2006/relationships" r:blip="">
+            <dgm:adjLst/>
+          </dgm:shape>
+          <dgm:presOf/>
+          <dgm:constrLst/>
+          <dgm:ruleLst/>
+        </dgm:layoutNode>
+      </dgm:forEach>
+    </dgm:forEach>
+  </dgm:layoutNode>
 </dgm:layoutDef>
 </file>
 
@@ -9470,6 +11297,1040 @@
 </file>
 
 <file path=ppt/diagrams/quickStyle3.xml><?xml version="1.0" encoding="utf-8"?>
+<dgm:styleDef xmlns:dgm="http://schemas.openxmlformats.org/drawingml/2006/diagram" xmlns:a="http://schemas.openxmlformats.org/drawingml/2006/main" uniqueId="urn:microsoft.com/office/officeart/2005/8/quickstyle/simple1">
+  <dgm:title val=""/>
+  <dgm:desc val=""/>
+  <dgm:catLst>
+    <dgm:cat type="simple" pri="10100"/>
+  </dgm:catLst>
+  <dgm:scene3d>
+    <a:camera prst="orthographicFront"/>
+    <a:lightRig rig="threePt" dir="t"/>
+  </dgm:scene3d>
+  <dgm:styleLbl name="node0">
+    <dgm:scene3d>
+      <a:camera prst="orthographicFront"/>
+      <a:lightRig rig="threePt" dir="t"/>
+    </dgm:scene3d>
+    <dgm:sp3d/>
+    <dgm:txPr/>
+    <dgm:style>
+      <a:lnRef idx="2">
+        <a:scrgbClr r="0" g="0" b="0"/>
+      </a:lnRef>
+      <a:fillRef idx="1">
+        <a:scrgbClr r="0" g="0" b="0"/>
+      </a:fillRef>
+      <a:effectRef idx="0">
+        <a:scrgbClr r="0" g="0" b="0"/>
+      </a:effectRef>
+      <a:fontRef idx="minor">
+        <a:schemeClr val="lt1"/>
+      </a:fontRef>
+    </dgm:style>
+  </dgm:styleLbl>
+  <dgm:styleLbl name="lnNode1">
+    <dgm:scene3d>
+      <a:camera prst="orthographicFront"/>
+      <a:lightRig rig="threePt" dir="t"/>
+    </dgm:scene3d>
+    <dgm:sp3d/>
+    <dgm:txPr/>
+    <dgm:style>
+      <a:lnRef idx="2">
+        <a:scrgbClr r="0" g="0" b="0"/>
+      </a:lnRef>
+      <a:fillRef idx="1">
+        <a:scrgbClr r="0" g="0" b="0"/>
+      </a:fillRef>
+      <a:effectRef idx="0">
+        <a:scrgbClr r="0" g="0" b="0"/>
+      </a:effectRef>
+      <a:fontRef idx="minor">
+        <a:schemeClr val="lt1"/>
+      </a:fontRef>
+    </dgm:style>
+  </dgm:styleLbl>
+  <dgm:styleLbl name="vennNode1">
+    <dgm:scene3d>
+      <a:camera prst="orthographicFront"/>
+      <a:lightRig rig="threePt" dir="t"/>
+    </dgm:scene3d>
+    <dgm:sp3d/>
+    <dgm:txPr/>
+    <dgm:style>
+      <a:lnRef idx="2">
+        <a:scrgbClr r="0" g="0" b="0"/>
+      </a:lnRef>
+      <a:fillRef idx="1">
+        <a:scrgbClr r="0" g="0" b="0"/>
+      </a:fillRef>
+      <a:effectRef idx="0">
+        <a:scrgbClr r="0" g="0" b="0"/>
+      </a:effectRef>
+      <a:fontRef idx="minor">
+        <a:schemeClr val="tx1"/>
+      </a:fontRef>
+    </dgm:style>
+  </dgm:styleLbl>
+  <dgm:styleLbl name="alignNode1">
+    <dgm:scene3d>
+      <a:camera prst="orthographicFront"/>
+      <a:lightRig rig="threePt" dir="t"/>
+    </dgm:scene3d>
+    <dgm:sp3d/>
+    <dgm:txPr/>
+    <dgm:style>
+      <a:lnRef idx="2">
+        <a:scrgbClr r="0" g="0" b="0"/>
+      </a:lnRef>
+      <a:fillRef idx="1">
+        <a:scrgbClr r="0" g="0" b="0"/>
+      </a:fillRef>
+      <a:effectRef idx="0">
+        <a:scrgbClr r="0" g="0" b="0"/>
+      </a:effectRef>
+      <a:fontRef idx="minor">
+        <a:schemeClr val="lt1"/>
+      </a:fontRef>
+    </dgm:style>
+  </dgm:styleLbl>
+  <dgm:styleLbl name="node1">
+    <dgm:scene3d>
+      <a:camera prst="orthographicFront"/>
+      <a:lightRig rig="threePt" dir="t"/>
+    </dgm:scene3d>
+    <dgm:sp3d/>
+    <dgm:txPr/>
+    <dgm:style>
+      <a:lnRef idx="2">
+        <a:scrgbClr r="0" g="0" b="0"/>
+      </a:lnRef>
+      <a:fillRef idx="1">
+        <a:scrgbClr r="0" g="0" b="0"/>
+      </a:fillRef>
+      <a:effectRef idx="0">
+        <a:scrgbClr r="0" g="0" b="0"/>
+      </a:effectRef>
+      <a:fontRef idx="minor">
+        <a:schemeClr val="lt1"/>
+      </a:fontRef>
+    </dgm:style>
+  </dgm:styleLbl>
+  <dgm:styleLbl name="node2">
+    <dgm:scene3d>
+      <a:camera prst="orthographicFront"/>
+      <a:lightRig rig="threePt" dir="t"/>
+    </dgm:scene3d>
+    <dgm:sp3d/>
+    <dgm:txPr/>
+    <dgm:style>
+      <a:lnRef idx="2">
+        <a:scrgbClr r="0" g="0" b="0"/>
+      </a:lnRef>
+      <a:fillRef idx="1">
+        <a:scrgbClr r="0" g="0" b="0"/>
+      </a:fillRef>
+      <a:effectRef idx="0">
+        <a:scrgbClr r="0" g="0" b="0"/>
+      </a:effectRef>
+      <a:fontRef idx="minor">
+        <a:schemeClr val="lt1"/>
+      </a:fontRef>
+    </dgm:style>
+  </dgm:styleLbl>
+  <dgm:styleLbl name="node3">
+    <dgm:scene3d>
+      <a:camera prst="orthographicFront"/>
+      <a:lightRig rig="threePt" dir="t"/>
+    </dgm:scene3d>
+    <dgm:sp3d/>
+    <dgm:txPr/>
+    <dgm:style>
+      <a:lnRef idx="2">
+        <a:scrgbClr r="0" g="0" b="0"/>
+      </a:lnRef>
+      <a:fillRef idx="1">
+        <a:scrgbClr r="0" g="0" b="0"/>
+      </a:fillRef>
+      <a:effectRef idx="0">
+        <a:scrgbClr r="0" g="0" b="0"/>
+      </a:effectRef>
+      <a:fontRef idx="minor">
+        <a:schemeClr val="lt1"/>
+      </a:fontRef>
+    </dgm:style>
+  </dgm:styleLbl>
+  <dgm:styleLbl name="node4">
+    <dgm:scene3d>
+      <a:camera prst="orthographicFront"/>
+      <a:lightRig rig="threePt" dir="t"/>
+    </dgm:scene3d>
+    <dgm:sp3d/>
+    <dgm:txPr/>
+    <dgm:style>
+      <a:lnRef idx="2">
+        <a:scrgbClr r="0" g="0" b="0"/>
+      </a:lnRef>
+      <a:fillRef idx="1">
+        <a:scrgbClr r="0" g="0" b="0"/>
+      </a:fillRef>
+      <a:effectRef idx="0">
+        <a:scrgbClr r="0" g="0" b="0"/>
+      </a:effectRef>
+      <a:fontRef idx="minor">
+        <a:schemeClr val="lt1"/>
+      </a:fontRef>
+    </dgm:style>
+  </dgm:styleLbl>
+  <dgm:styleLbl name="fgImgPlace1">
+    <dgm:scene3d>
+      <a:camera prst="orthographicFront"/>
+      <a:lightRig rig="threePt" dir="t"/>
+    </dgm:scene3d>
+    <dgm:sp3d/>
+    <dgm:txPr/>
+    <dgm:style>
+      <a:lnRef idx="2">
+        <a:scrgbClr r="0" g="0" b="0"/>
+      </a:lnRef>
+      <a:fillRef idx="1">
+        <a:scrgbClr r="0" g="0" b="0"/>
+      </a:fillRef>
+      <a:effectRef idx="0">
+        <a:scrgbClr r="0" g="0" b="0"/>
+      </a:effectRef>
+      <a:fontRef idx="minor"/>
+    </dgm:style>
+  </dgm:styleLbl>
+  <dgm:styleLbl name="alignImgPlace1">
+    <dgm:scene3d>
+      <a:camera prst="orthographicFront"/>
+      <a:lightRig rig="threePt" dir="t"/>
+    </dgm:scene3d>
+    <dgm:sp3d/>
+    <dgm:txPr/>
+    <dgm:style>
+      <a:lnRef idx="2">
+        <a:scrgbClr r="0" g="0" b="0"/>
+      </a:lnRef>
+      <a:fillRef idx="1">
+        <a:scrgbClr r="0" g="0" b="0"/>
+      </a:fillRef>
+      <a:effectRef idx="0">
+        <a:scrgbClr r="0" g="0" b="0"/>
+      </a:effectRef>
+      <a:fontRef idx="minor"/>
+    </dgm:style>
+  </dgm:styleLbl>
+  <dgm:styleLbl name="bgImgPlace1">
+    <dgm:scene3d>
+      <a:camera prst="orthographicFront"/>
+      <a:lightRig rig="threePt" dir="t"/>
+    </dgm:scene3d>
+    <dgm:sp3d/>
+    <dgm:txPr/>
+    <dgm:style>
+      <a:lnRef idx="2">
+        <a:scrgbClr r="0" g="0" b="0"/>
+      </a:lnRef>
+      <a:fillRef idx="1">
+        <a:scrgbClr r="0" g="0" b="0"/>
+      </a:fillRef>
+      <a:effectRef idx="0">
+        <a:scrgbClr r="0" g="0" b="0"/>
+      </a:effectRef>
+      <a:fontRef idx="minor"/>
+    </dgm:style>
+  </dgm:styleLbl>
+  <dgm:styleLbl name="sibTrans2D1">
+    <dgm:scene3d>
+      <a:camera prst="orthographicFront"/>
+      <a:lightRig rig="threePt" dir="t"/>
+    </dgm:scene3d>
+    <dgm:sp3d/>
+    <dgm:txPr/>
+    <dgm:style>
+      <a:lnRef idx="0">
+        <a:scrgbClr r="0" g="0" b="0"/>
+      </a:lnRef>
+      <a:fillRef idx="1">
+        <a:scrgbClr r="0" g="0" b="0"/>
+      </a:fillRef>
+      <a:effectRef idx="0">
+        <a:scrgbClr r="0" g="0" b="0"/>
+      </a:effectRef>
+      <a:fontRef idx="minor">
+        <a:schemeClr val="lt1"/>
+      </a:fontRef>
+    </dgm:style>
+  </dgm:styleLbl>
+  <dgm:styleLbl name="fgSibTrans2D1">
+    <dgm:scene3d>
+      <a:camera prst="orthographicFront"/>
+      <a:lightRig rig="threePt" dir="t"/>
+    </dgm:scene3d>
+    <dgm:sp3d/>
+    <dgm:txPr/>
+    <dgm:style>
+      <a:lnRef idx="0">
+        <a:scrgbClr r="0" g="0" b="0"/>
+      </a:lnRef>
+      <a:fillRef idx="1">
+        <a:scrgbClr r="0" g="0" b="0"/>
+      </a:fillRef>
+      <a:effectRef idx="0">
+        <a:scrgbClr r="0" g="0" b="0"/>
+      </a:effectRef>
+      <a:fontRef idx="minor">
+        <a:schemeClr val="lt1"/>
+      </a:fontRef>
+    </dgm:style>
+  </dgm:styleLbl>
+  <dgm:styleLbl name="bgSibTrans2D1">
+    <dgm:scene3d>
+      <a:camera prst="orthographicFront"/>
+      <a:lightRig rig="threePt" dir="t"/>
+    </dgm:scene3d>
+    <dgm:sp3d/>
+    <dgm:txPr/>
+    <dgm:style>
+      <a:lnRef idx="0">
+        <a:scrgbClr r="0" g="0" b="0"/>
+      </a:lnRef>
+      <a:fillRef idx="1">
+        <a:scrgbClr r="0" g="0" b="0"/>
+      </a:fillRef>
+      <a:effectRef idx="0">
+        <a:scrgbClr r="0" g="0" b="0"/>
+      </a:effectRef>
+      <a:fontRef idx="minor">
+        <a:schemeClr val="lt1"/>
+      </a:fontRef>
+    </dgm:style>
+  </dgm:styleLbl>
+  <dgm:styleLbl name="sibTrans1D1">
+    <dgm:scene3d>
+      <a:camera prst="orthographicFront"/>
+      <a:lightRig rig="threePt" dir="t"/>
+    </dgm:scene3d>
+    <dgm:sp3d/>
+    <dgm:txPr/>
+    <dgm:style>
+      <a:lnRef idx="1">
+        <a:scrgbClr r="0" g="0" b="0"/>
+      </a:lnRef>
+      <a:fillRef idx="0">
+        <a:scrgbClr r="0" g="0" b="0"/>
+      </a:fillRef>
+      <a:effectRef idx="0">
+        <a:scrgbClr r="0" g="0" b="0"/>
+      </a:effectRef>
+      <a:fontRef idx="minor"/>
+    </dgm:style>
+  </dgm:styleLbl>
+  <dgm:styleLbl name="callout">
+    <dgm:scene3d>
+      <a:camera prst="orthographicFront"/>
+      <a:lightRig rig="threePt" dir="t"/>
+    </dgm:scene3d>
+    <dgm:sp3d/>
+    <dgm:txPr/>
+    <dgm:style>
+      <a:lnRef idx="2">
+        <a:scrgbClr r="0" g="0" b="0"/>
+      </a:lnRef>
+      <a:fillRef idx="1">
+        <a:scrgbClr r="0" g="0" b="0"/>
+      </a:fillRef>
+      <a:effectRef idx="0">
+        <a:scrgbClr r="0" g="0" b="0"/>
+      </a:effectRef>
+      <a:fontRef idx="minor"/>
+    </dgm:style>
+  </dgm:styleLbl>
+  <dgm:styleLbl name="asst0">
+    <dgm:scene3d>
+      <a:camera prst="orthographicFront"/>
+      <a:lightRig rig="threePt" dir="t"/>
+    </dgm:scene3d>
+    <dgm:sp3d/>
+    <dgm:txPr/>
+    <dgm:style>
+      <a:lnRef idx="2">
+        <a:scrgbClr r="0" g="0" b="0"/>
+      </a:lnRef>
+      <a:fillRef idx="1">
+        <a:scrgbClr r="0" g="0" b="0"/>
+      </a:fillRef>
+      <a:effectRef idx="0">
+        <a:scrgbClr r="0" g="0" b="0"/>
+      </a:effectRef>
+      <a:fontRef idx="minor">
+        <a:schemeClr val="lt1"/>
+      </a:fontRef>
+    </dgm:style>
+  </dgm:styleLbl>
+  <dgm:styleLbl name="asst1">
+    <dgm:scene3d>
+      <a:camera prst="orthographicFront"/>
+      <a:lightRig rig="threePt" dir="t"/>
+    </dgm:scene3d>
+    <dgm:sp3d/>
+    <dgm:txPr/>
+    <dgm:style>
+      <a:lnRef idx="2">
+        <a:scrgbClr r="0" g="0" b="0"/>
+      </a:lnRef>
+      <a:fillRef idx="1">
+        <a:scrgbClr r="0" g="0" b="0"/>
+      </a:fillRef>
+      <a:effectRef idx="0">
+        <a:scrgbClr r="0" g="0" b="0"/>
+      </a:effectRef>
+      <a:fontRef idx="minor">
+        <a:schemeClr val="lt1"/>
+      </a:fontRef>
+    </dgm:style>
+  </dgm:styleLbl>
+  <dgm:styleLbl name="asst2">
+    <dgm:scene3d>
+      <a:camera prst="orthographicFront"/>
+      <a:lightRig rig="threePt" dir="t"/>
+    </dgm:scene3d>
+    <dgm:sp3d/>
+    <dgm:txPr/>
+    <dgm:style>
+      <a:lnRef idx="2">
+        <a:scrgbClr r="0" g="0" b="0"/>
+      </a:lnRef>
+      <a:fillRef idx="1">
+        <a:scrgbClr r="0" g="0" b="0"/>
+      </a:fillRef>
+      <a:effectRef idx="0">
+        <a:scrgbClr r="0" g="0" b="0"/>
+      </a:effectRef>
+      <a:fontRef idx="minor">
+        <a:schemeClr val="lt1"/>
+      </a:fontRef>
+    </dgm:style>
+  </dgm:styleLbl>
+  <dgm:styleLbl name="asst3">
+    <dgm:scene3d>
+      <a:camera prst="orthographicFront"/>
+      <a:lightRig rig="threePt" dir="t"/>
+    </dgm:scene3d>
+    <dgm:sp3d/>
+    <dgm:txPr/>
+    <dgm:style>
+      <a:lnRef idx="2">
+        <a:scrgbClr r="0" g="0" b="0"/>
+      </a:lnRef>
+      <a:fillRef idx="1">
+        <a:scrgbClr r="0" g="0" b="0"/>
+      </a:fillRef>
+      <a:effectRef idx="0">
+        <a:scrgbClr r="0" g="0" b="0"/>
+      </a:effectRef>
+      <a:fontRef idx="minor">
+        <a:schemeClr val="lt1"/>
+      </a:fontRef>
+    </dgm:style>
+  </dgm:styleLbl>
+  <dgm:styleLbl name="asst4">
+    <dgm:scene3d>
+      <a:camera prst="orthographicFront"/>
+      <a:lightRig rig="threePt" dir="t"/>
+    </dgm:scene3d>
+    <dgm:sp3d/>
+    <dgm:txPr/>
+    <dgm:style>
+      <a:lnRef idx="2">
+        <a:scrgbClr r="0" g="0" b="0"/>
+      </a:lnRef>
+      <a:fillRef idx="1">
+        <a:scrgbClr r="0" g="0" b="0"/>
+      </a:fillRef>
+      <a:effectRef idx="0">
+        <a:scrgbClr r="0" g="0" b="0"/>
+      </a:effectRef>
+      <a:fontRef idx="minor">
+        <a:schemeClr val="lt1"/>
+      </a:fontRef>
+    </dgm:style>
+  </dgm:styleLbl>
+  <dgm:styleLbl name="parChTrans2D1">
+    <dgm:scene3d>
+      <a:camera prst="orthographicFront"/>
+      <a:lightRig rig="threePt" dir="t"/>
+    </dgm:scene3d>
+    <dgm:sp3d/>
+    <dgm:txPr/>
+    <dgm:style>
+      <a:lnRef idx="2">
+        <a:scrgbClr r="0" g="0" b="0"/>
+      </a:lnRef>
+      <a:fillRef idx="1">
+        <a:scrgbClr r="0" g="0" b="0"/>
+      </a:fillRef>
+      <a:effectRef idx="0">
+        <a:scrgbClr r="0" g="0" b="0"/>
+      </a:effectRef>
+      <a:fontRef idx="minor">
+        <a:schemeClr val="lt1"/>
+      </a:fontRef>
+    </dgm:style>
+  </dgm:styleLbl>
+  <dgm:styleLbl name="parChTrans2D2">
+    <dgm:scene3d>
+      <a:camera prst="orthographicFront"/>
+      <a:lightRig rig="threePt" dir="t"/>
+    </dgm:scene3d>
+    <dgm:sp3d/>
+    <dgm:txPr/>
+    <dgm:style>
+      <a:lnRef idx="2">
+        <a:scrgbClr r="0" g="0" b="0"/>
+      </a:lnRef>
+      <a:fillRef idx="1">
+        <a:scrgbClr r="0" g="0" b="0"/>
+      </a:fillRef>
+      <a:effectRef idx="0">
+        <a:scrgbClr r="0" g="0" b="0"/>
+      </a:effectRef>
+      <a:fontRef idx="minor">
+        <a:schemeClr val="lt1"/>
+      </a:fontRef>
+    </dgm:style>
+  </dgm:styleLbl>
+  <dgm:styleLbl name="parChTrans2D3">
+    <dgm:scene3d>
+      <a:camera prst="orthographicFront"/>
+      <a:lightRig rig="threePt" dir="t"/>
+    </dgm:scene3d>
+    <dgm:sp3d/>
+    <dgm:txPr/>
+    <dgm:style>
+      <a:lnRef idx="2">
+        <a:scrgbClr r="0" g="0" b="0"/>
+      </a:lnRef>
+      <a:fillRef idx="1">
+        <a:scrgbClr r="0" g="0" b="0"/>
+      </a:fillRef>
+      <a:effectRef idx="0">
+        <a:scrgbClr r="0" g="0" b="0"/>
+      </a:effectRef>
+      <a:fontRef idx="minor">
+        <a:schemeClr val="lt1"/>
+      </a:fontRef>
+    </dgm:style>
+  </dgm:styleLbl>
+  <dgm:styleLbl name="parChTrans2D4">
+    <dgm:scene3d>
+      <a:camera prst="orthographicFront"/>
+      <a:lightRig rig="threePt" dir="t"/>
+    </dgm:scene3d>
+    <dgm:sp3d/>
+    <dgm:txPr/>
+    <dgm:style>
+      <a:lnRef idx="2">
+        <a:scrgbClr r="0" g="0" b="0"/>
+      </a:lnRef>
+      <a:fillRef idx="1">
+        <a:scrgbClr r="0" g="0" b="0"/>
+      </a:fillRef>
+      <a:effectRef idx="0">
+        <a:scrgbClr r="0" g="0" b="0"/>
+      </a:effectRef>
+      <a:fontRef idx="minor">
+        <a:schemeClr val="lt1"/>
+      </a:fontRef>
+    </dgm:style>
+  </dgm:styleLbl>
+  <dgm:styleLbl name="parChTrans1D1">
+    <dgm:scene3d>
+      <a:camera prst="orthographicFront"/>
+      <a:lightRig rig="threePt" dir="t"/>
+    </dgm:scene3d>
+    <dgm:sp3d/>
+    <dgm:txPr/>
+    <dgm:style>
+      <a:lnRef idx="2">
+        <a:scrgbClr r="0" g="0" b="0"/>
+      </a:lnRef>
+      <a:fillRef idx="0">
+        <a:scrgbClr r="0" g="0" b="0"/>
+      </a:fillRef>
+      <a:effectRef idx="0">
+        <a:scrgbClr r="0" g="0" b="0"/>
+      </a:effectRef>
+      <a:fontRef idx="minor"/>
+    </dgm:style>
+  </dgm:styleLbl>
+  <dgm:styleLbl name="parChTrans1D2">
+    <dgm:scene3d>
+      <a:camera prst="orthographicFront"/>
+      <a:lightRig rig="threePt" dir="t"/>
+    </dgm:scene3d>
+    <dgm:sp3d/>
+    <dgm:txPr/>
+    <dgm:style>
+      <a:lnRef idx="2">
+        <a:scrgbClr r="0" g="0" b="0"/>
+      </a:lnRef>
+      <a:fillRef idx="0">
+        <a:scrgbClr r="0" g="0" b="0"/>
+      </a:fillRef>
+      <a:effectRef idx="0">
+        <a:scrgbClr r="0" g="0" b="0"/>
+      </a:effectRef>
+      <a:fontRef idx="minor"/>
+    </dgm:style>
+  </dgm:styleLbl>
+  <dgm:styleLbl name="parChTrans1D3">
+    <dgm:scene3d>
+      <a:camera prst="orthographicFront"/>
+      <a:lightRig rig="threePt" dir="t"/>
+    </dgm:scene3d>
+    <dgm:sp3d/>
+    <dgm:txPr/>
+    <dgm:style>
+      <a:lnRef idx="2">
+        <a:scrgbClr r="0" g="0" b="0"/>
+      </a:lnRef>
+      <a:fillRef idx="0">
+        <a:scrgbClr r="0" g="0" b="0"/>
+      </a:fillRef>
+      <a:effectRef idx="0">
+        <a:scrgbClr r="0" g="0" b="0"/>
+      </a:effectRef>
+      <a:fontRef idx="minor"/>
+    </dgm:style>
+  </dgm:styleLbl>
+  <dgm:styleLbl name="parChTrans1D4">
+    <dgm:scene3d>
+      <a:camera prst="orthographicFront"/>
+      <a:lightRig rig="threePt" dir="t"/>
+    </dgm:scene3d>
+    <dgm:sp3d/>
+    <dgm:txPr/>
+    <dgm:style>
+      <a:lnRef idx="2">
+        <a:scrgbClr r="0" g="0" b="0"/>
+      </a:lnRef>
+      <a:fillRef idx="0">
+        <a:scrgbClr r="0" g="0" b="0"/>
+      </a:fillRef>
+      <a:effectRef idx="0">
+        <a:scrgbClr r="0" g="0" b="0"/>
+      </a:effectRef>
+      <a:fontRef idx="minor"/>
+    </dgm:style>
+  </dgm:styleLbl>
+  <dgm:styleLbl name="fgAcc1">
+    <dgm:scene3d>
+      <a:camera prst="orthographicFront"/>
+      <a:lightRig rig="threePt" dir="t"/>
+    </dgm:scene3d>
+    <dgm:sp3d/>
+    <dgm:txPr/>
+    <dgm:style>
+      <a:lnRef idx="2">
+        <a:scrgbClr r="0" g="0" b="0"/>
+      </a:lnRef>
+      <a:fillRef idx="1">
+        <a:scrgbClr r="0" g="0" b="0"/>
+      </a:fillRef>
+      <a:effectRef idx="0">
+        <a:scrgbClr r="0" g="0" b="0"/>
+      </a:effectRef>
+      <a:fontRef idx="minor"/>
+    </dgm:style>
+  </dgm:styleLbl>
+  <dgm:styleLbl name="conFgAcc1">
+    <dgm:scene3d>
+      <a:camera prst="orthographicFront"/>
+      <a:lightRig rig="threePt" dir="t"/>
+    </dgm:scene3d>
+    <dgm:sp3d/>
+    <dgm:txPr/>
+    <dgm:style>
+      <a:lnRef idx="2">
+        <a:scrgbClr r="0" g="0" b="0"/>
+      </a:lnRef>
+      <a:fillRef idx="1">
+        <a:scrgbClr r="0" g="0" b="0"/>
+      </a:fillRef>
+      <a:effectRef idx="0">
+        <a:scrgbClr r="0" g="0" b="0"/>
+      </a:effectRef>
+      <a:fontRef idx="minor"/>
+    </dgm:style>
+  </dgm:styleLbl>
+  <dgm:styleLbl name="alignAcc1">
+    <dgm:scene3d>
+      <a:camera prst="orthographicFront"/>
+      <a:lightRig rig="threePt" dir="t"/>
+    </dgm:scene3d>
+    <dgm:sp3d/>
+    <dgm:txPr/>
+    <dgm:style>
+      <a:lnRef idx="2">
+        <a:scrgbClr r="0" g="0" b="0"/>
+      </a:lnRef>
+      <a:fillRef idx="1">
+        <a:scrgbClr r="0" g="0" b="0"/>
+      </a:fillRef>
+      <a:effectRef idx="0">
+        <a:scrgbClr r="0" g="0" b="0"/>
+      </a:effectRef>
+      <a:fontRef idx="minor"/>
+    </dgm:style>
+  </dgm:styleLbl>
+  <dgm:styleLbl name="trAlignAcc1">
+    <dgm:scene3d>
+      <a:camera prst="orthographicFront"/>
+      <a:lightRig rig="threePt" dir="t"/>
+    </dgm:scene3d>
+    <dgm:sp3d/>
+    <dgm:txPr/>
+    <dgm:style>
+      <a:lnRef idx="1">
+        <a:scrgbClr r="0" g="0" b="0"/>
+      </a:lnRef>
+      <a:fillRef idx="1">
+        <a:scrgbClr r="0" g="0" b="0"/>
+      </a:fillRef>
+      <a:effectRef idx="0">
+        <a:scrgbClr r="0" g="0" b="0"/>
+      </a:effectRef>
+      <a:fontRef idx="minor"/>
+    </dgm:style>
+  </dgm:styleLbl>
+  <dgm:styleLbl name="bgAcc1">
+    <dgm:scene3d>
+      <a:camera prst="orthographicFront"/>
+      <a:lightRig rig="threePt" dir="t"/>
+    </dgm:scene3d>
+    <dgm:sp3d/>
+    <dgm:txPr/>
+    <dgm:style>
+      <a:lnRef idx="2">
+        <a:scrgbClr r="0" g="0" b="0"/>
+      </a:lnRef>
+      <a:fillRef idx="1">
+        <a:scrgbClr r="0" g="0" b="0"/>
+      </a:fillRef>
+      <a:effectRef idx="0">
+        <a:scrgbClr r="0" g="0" b="0"/>
+      </a:effectRef>
+      <a:fontRef idx="minor"/>
+    </dgm:style>
+  </dgm:styleLbl>
+  <dgm:styleLbl name="solidFgAcc1">
+    <dgm:scene3d>
+      <a:camera prst="orthographicFront"/>
+      <a:lightRig rig="threePt" dir="t"/>
+    </dgm:scene3d>
+    <dgm:sp3d/>
+    <dgm:txPr/>
+    <dgm:style>
+      <a:lnRef idx="2">
+        <a:scrgbClr r="0" g="0" b="0"/>
+      </a:lnRef>
+      <a:fillRef idx="1">
+        <a:scrgbClr r="0" g="0" b="0"/>
+      </a:fillRef>
+      <a:effectRef idx="0">
+        <a:scrgbClr r="0" g="0" b="0"/>
+      </a:effectRef>
+      <a:fontRef idx="minor"/>
+    </dgm:style>
+  </dgm:styleLbl>
+  <dgm:styleLbl name="solidAlignAcc1">
+    <dgm:scene3d>
+      <a:camera prst="orthographicFront"/>
+      <a:lightRig rig="threePt" dir="t"/>
+    </dgm:scene3d>
+    <dgm:sp3d/>
+    <dgm:txPr/>
+    <dgm:style>
+      <a:lnRef idx="2">
+        <a:scrgbClr r="0" g="0" b="0"/>
+      </a:lnRef>
+      <a:fillRef idx="1">
+        <a:scrgbClr r="0" g="0" b="0"/>
+      </a:fillRef>
+      <a:effectRef idx="0">
+        <a:scrgbClr r="0" g="0" b="0"/>
+      </a:effectRef>
+      <a:fontRef idx="minor"/>
+    </dgm:style>
+  </dgm:styleLbl>
+  <dgm:styleLbl name="solidBgAcc1">
+    <dgm:scene3d>
+      <a:camera prst="orthographicFront"/>
+      <a:lightRig rig="threePt" dir="t"/>
+    </dgm:scene3d>
+    <dgm:sp3d/>
+    <dgm:txPr/>
+    <dgm:style>
+      <a:lnRef idx="2">
+        <a:scrgbClr r="0" g="0" b="0"/>
+      </a:lnRef>
+      <a:fillRef idx="1">
+        <a:scrgbClr r="0" g="0" b="0"/>
+      </a:fillRef>
+      <a:effectRef idx="0">
+        <a:scrgbClr r="0" g="0" b="0"/>
+      </a:effectRef>
+      <a:fontRef idx="minor"/>
+    </dgm:style>
+  </dgm:styleLbl>
+  <dgm:styleLbl name="fgAccFollowNode1">
+    <dgm:scene3d>
+      <a:camera prst="orthographicFront"/>
+      <a:lightRig rig="threePt" dir="t"/>
+    </dgm:scene3d>
+    <dgm:sp3d/>
+    <dgm:txPr/>
+    <dgm:style>
+      <a:lnRef idx="2">
+        <a:scrgbClr r="0" g="0" b="0"/>
+      </a:lnRef>
+      <a:fillRef idx="1">
+        <a:scrgbClr r="0" g="0" b="0"/>
+      </a:fillRef>
+      <a:effectRef idx="0">
+        <a:scrgbClr r="0" g="0" b="0"/>
+      </a:effectRef>
+      <a:fontRef idx="minor"/>
+    </dgm:style>
+  </dgm:styleLbl>
+  <dgm:styleLbl name="alignAccFollowNode1">
+    <dgm:scene3d>
+      <a:camera prst="orthographicFront"/>
+      <a:lightRig rig="threePt" dir="t"/>
+    </dgm:scene3d>
+    <dgm:sp3d/>
+    <dgm:txPr/>
+    <dgm:style>
+      <a:lnRef idx="2">
+        <a:scrgbClr r="0" g="0" b="0"/>
+      </a:lnRef>
+      <a:fillRef idx="1">
+        <a:scrgbClr r="0" g="0" b="0"/>
+      </a:fillRef>
+      <a:effectRef idx="0">
+        <a:scrgbClr r="0" g="0" b="0"/>
+      </a:effectRef>
+      <a:fontRef idx="minor"/>
+    </dgm:style>
+  </dgm:styleLbl>
+  <dgm:styleLbl name="bgAccFollowNode1">
+    <dgm:scene3d>
+      <a:camera prst="orthographicFront"/>
+      <a:lightRig rig="threePt" dir="t"/>
+    </dgm:scene3d>
+    <dgm:sp3d/>
+    <dgm:txPr/>
+    <dgm:style>
+      <a:lnRef idx="2">
+        <a:scrgbClr r="0" g="0" b="0"/>
+      </a:lnRef>
+      <a:fillRef idx="1">
+        <a:scrgbClr r="0" g="0" b="0"/>
+      </a:fillRef>
+      <a:effectRef idx="0">
+        <a:scrgbClr r="0" g="0" b="0"/>
+      </a:effectRef>
+      <a:fontRef idx="minor"/>
+    </dgm:style>
+  </dgm:styleLbl>
+  <dgm:styleLbl name="fgAcc0">
+    <dgm:scene3d>
+      <a:camera prst="orthographicFront"/>
+      <a:lightRig rig="threePt" dir="t"/>
+    </dgm:scene3d>
+    <dgm:sp3d/>
+    <dgm:txPr/>
+    <dgm:style>
+      <a:lnRef idx="2">
+        <a:scrgbClr r="0" g="0" b="0"/>
+      </a:lnRef>
+      <a:fillRef idx="1">
+        <a:scrgbClr r="0" g="0" b="0"/>
+      </a:fillRef>
+      <a:effectRef idx="0">
+        <a:scrgbClr r="0" g="0" b="0"/>
+      </a:effectRef>
+      <a:fontRef idx="minor"/>
+    </dgm:style>
+  </dgm:styleLbl>
+  <dgm:styleLbl name="fgAcc2">
+    <dgm:scene3d>
+      <a:camera prst="orthographicFront"/>
+      <a:lightRig rig="threePt" dir="t"/>
+    </dgm:scene3d>
+    <dgm:sp3d/>
+    <dgm:txPr/>
+    <dgm:style>
+      <a:lnRef idx="2">
+        <a:scrgbClr r="0" g="0" b="0"/>
+      </a:lnRef>
+      <a:fillRef idx="1">
+        <a:scrgbClr r="0" g="0" b="0"/>
+      </a:fillRef>
+      <a:effectRef idx="0">
+        <a:scrgbClr r="0" g="0" b="0"/>
+      </a:effectRef>
+      <a:fontRef idx="minor"/>
+    </dgm:style>
+  </dgm:styleLbl>
+  <dgm:styleLbl name="fgAcc3">
+    <dgm:scene3d>
+      <a:camera prst="orthographicFront"/>
+      <a:lightRig rig="threePt" dir="t"/>
+    </dgm:scene3d>
+    <dgm:sp3d/>
+    <dgm:txPr/>
+    <dgm:style>
+      <a:lnRef idx="2">
+        <a:scrgbClr r="0" g="0" b="0"/>
+      </a:lnRef>
+      <a:fillRef idx="1">
+        <a:scrgbClr r="0" g="0" b="0"/>
+      </a:fillRef>
+      <a:effectRef idx="0">
+        <a:scrgbClr r="0" g="0" b="0"/>
+      </a:effectRef>
+      <a:fontRef idx="minor"/>
+    </dgm:style>
+  </dgm:styleLbl>
+  <dgm:styleLbl name="fgAcc4">
+    <dgm:scene3d>
+      <a:camera prst="orthographicFront"/>
+      <a:lightRig rig="threePt" dir="t"/>
+    </dgm:scene3d>
+    <dgm:sp3d/>
+    <dgm:txPr/>
+    <dgm:style>
+      <a:lnRef idx="2">
+        <a:scrgbClr r="0" g="0" b="0"/>
+      </a:lnRef>
+      <a:fillRef idx="1">
+        <a:scrgbClr r="0" g="0" b="0"/>
+      </a:fillRef>
+      <a:effectRef idx="0">
+        <a:scrgbClr r="0" g="0" b="0"/>
+      </a:effectRef>
+      <a:fontRef idx="minor"/>
+    </dgm:style>
+  </dgm:styleLbl>
+  <dgm:styleLbl name="bgShp">
+    <dgm:scene3d>
+      <a:camera prst="orthographicFront"/>
+      <a:lightRig rig="threePt" dir="t"/>
+    </dgm:scene3d>
+    <dgm:sp3d/>
+    <dgm:txPr/>
+    <dgm:style>
+      <a:lnRef idx="0">
+        <a:scrgbClr r="0" g="0" b="0"/>
+      </a:lnRef>
+      <a:fillRef idx="1">
+        <a:scrgbClr r="0" g="0" b="0"/>
+      </a:fillRef>
+      <a:effectRef idx="0">
+        <a:scrgbClr r="0" g="0" b="0"/>
+      </a:effectRef>
+      <a:fontRef idx="minor"/>
+    </dgm:style>
+  </dgm:styleLbl>
+  <dgm:styleLbl name="dkBgShp">
+    <dgm:scene3d>
+      <a:camera prst="orthographicFront"/>
+      <a:lightRig rig="threePt" dir="t"/>
+    </dgm:scene3d>
+    <dgm:sp3d/>
+    <dgm:txPr/>
+    <dgm:style>
+      <a:lnRef idx="0">
+        <a:scrgbClr r="0" g="0" b="0"/>
+      </a:lnRef>
+      <a:fillRef idx="1">
+        <a:scrgbClr r="0" g="0" b="0"/>
+      </a:fillRef>
+      <a:effectRef idx="0">
+        <a:scrgbClr r="0" g="0" b="0"/>
+      </a:effectRef>
+      <a:fontRef idx="minor"/>
+    </dgm:style>
+  </dgm:styleLbl>
+  <dgm:styleLbl name="trBgShp">
+    <dgm:scene3d>
+      <a:camera prst="orthographicFront"/>
+      <a:lightRig rig="threePt" dir="t"/>
+    </dgm:scene3d>
+    <dgm:sp3d/>
+    <dgm:txPr/>
+    <dgm:style>
+      <a:lnRef idx="0">
+        <a:scrgbClr r="0" g="0" b="0"/>
+      </a:lnRef>
+      <a:fillRef idx="1">
+        <a:scrgbClr r="0" g="0" b="0"/>
+      </a:fillRef>
+      <a:effectRef idx="0">
+        <a:scrgbClr r="0" g="0" b="0"/>
+      </a:effectRef>
+      <a:fontRef idx="minor"/>
+    </dgm:style>
+  </dgm:styleLbl>
+  <dgm:styleLbl name="fgShp">
+    <dgm:scene3d>
+      <a:camera prst="orthographicFront"/>
+      <a:lightRig rig="threePt" dir="t"/>
+    </dgm:scene3d>
+    <dgm:sp3d/>
+    <dgm:txPr/>
+    <dgm:style>
+      <a:lnRef idx="2">
+        <a:scrgbClr r="0" g="0" b="0"/>
+      </a:lnRef>
+      <a:fillRef idx="1">
+        <a:scrgbClr r="0" g="0" b="0"/>
+      </a:fillRef>
+      <a:effectRef idx="0">
+        <a:scrgbClr r="0" g="0" b="0"/>
+      </a:effectRef>
+      <a:fontRef idx="minor"/>
+    </dgm:style>
+  </dgm:styleLbl>
+  <dgm:styleLbl name="revTx">
+    <dgm:scene3d>
+      <a:camera prst="orthographicFront"/>
+      <a:lightRig rig="threePt" dir="t"/>
+    </dgm:scene3d>
+    <dgm:sp3d/>
+    <dgm:txPr/>
+    <dgm:style>
+      <a:lnRef idx="0">
+        <a:scrgbClr r="0" g="0" b="0"/>
+      </a:lnRef>
+      <a:fillRef idx="0">
+        <a:scrgbClr r="0" g="0" b="0"/>
+      </a:fillRef>
+      <a:effectRef idx="0">
+        <a:scrgbClr r="0" g="0" b="0"/>
+      </a:effectRef>
+      <a:fontRef idx="minor"/>
+    </dgm:style>
+  </dgm:styleLbl>
+</dgm:styleDef>
+</file>
+
+<file path=ppt/diagrams/quickStyle4.xml><?xml version="1.0" encoding="utf-8"?>
 <dgm:styleDef xmlns:dgm="http://schemas.openxmlformats.org/drawingml/2006/diagram" xmlns:a="http://schemas.openxmlformats.org/drawingml/2006/main" uniqueId="urn:microsoft.com/office/officeart/2005/8/quickstyle/simple1">
   <dgm:title val=""/>
   <dgm:desc val=""/>
@@ -14103,86 +16964,6 @@
 </p:sld>
 </file>
 
-<file path=ppt/slides/slide10.xml><?xml version="1.0" encoding="utf-8"?>
-<p:sld xmlns:a="http://schemas.openxmlformats.org/drawingml/2006/main" xmlns:r="http://schemas.openxmlformats.org/officeDocument/2006/relationships" xmlns:p="http://schemas.openxmlformats.org/presentationml/2006/main">
-  <p:cSld>
-    <p:spTree>
-      <p:nvGrpSpPr>
-        <p:cNvPr id="1" name=""/>
-        <p:cNvGrpSpPr/>
-        <p:nvPr/>
-      </p:nvGrpSpPr>
-      <p:grpSpPr>
-        <a:xfrm>
-          <a:off x="0" y="0"/>
-          <a:ext cx="0" cy="0"/>
-          <a:chOff x="0" y="0"/>
-          <a:chExt cx="0" cy="0"/>
-        </a:xfrm>
-      </p:grpSpPr>
-      <p:sp>
-        <p:nvSpPr>
-          <p:cNvPr id="2" name="Titre 1">
-            <a:extLst>
-              <a:ext uri="{FF2B5EF4-FFF2-40B4-BE49-F238E27FC236}">
-                <a16:creationId xmlns:a16="http://schemas.microsoft.com/office/drawing/2014/main" id="{1024D442-826A-48C5-870E-8D2A642240F8}"/>
-              </a:ext>
-            </a:extLst>
-          </p:cNvPr>
-          <p:cNvSpPr>
-            <a:spLocks noGrp="1"/>
-          </p:cNvSpPr>
-          <p:nvPr>
-            <p:ph type="title"/>
-          </p:nvPr>
-        </p:nvSpPr>
-        <p:spPr/>
-        <p:txBody>
-          <a:bodyPr/>
-          <a:lstStyle/>
-          <a:p>
-            <a:endParaRPr lang="fr-FR"/>
-          </a:p>
-        </p:txBody>
-      </p:sp>
-      <p:sp>
-        <p:nvSpPr>
-          <p:cNvPr id="3" name="Espace réservé du contenu 2">
-            <a:extLst>
-              <a:ext uri="{FF2B5EF4-FFF2-40B4-BE49-F238E27FC236}">
-                <a16:creationId xmlns:a16="http://schemas.microsoft.com/office/drawing/2014/main" id="{D822CA7C-C66F-4934-8365-B4D2B821A0C9}"/>
-              </a:ext>
-            </a:extLst>
-          </p:cNvPr>
-          <p:cNvSpPr>
-            <a:spLocks noGrp="1"/>
-          </p:cNvSpPr>
-          <p:nvPr>
-            <p:ph idx="1"/>
-          </p:nvPr>
-        </p:nvSpPr>
-        <p:spPr/>
-        <p:txBody>
-          <a:bodyPr/>
-          <a:lstStyle/>
-          <a:p>
-            <a:endParaRPr lang="fr-FR"/>
-          </a:p>
-        </p:txBody>
-      </p:sp>
-    </p:spTree>
-    <p:extLst>
-      <p:ext uri="{BB962C8B-B14F-4D97-AF65-F5344CB8AC3E}">
-        <p14:creationId xmlns:p14="http://schemas.microsoft.com/office/powerpoint/2010/main" val="4288854647"/>
-      </p:ext>
-    </p:extLst>
-  </p:cSld>
-  <p:clrMapOvr>
-    <a:masterClrMapping/>
-  </p:clrMapOvr>
-</p:sld>
-</file>
-
 <file path=ppt/slides/slide2.xml><?xml version="1.0" encoding="utf-8"?>
 <p:sld xmlns:a="http://schemas.openxmlformats.org/drawingml/2006/main" xmlns:r="http://schemas.openxmlformats.org/officeDocument/2006/relationships" xmlns:p="http://schemas.openxmlformats.org/presentationml/2006/main">
   <p:cSld>
@@ -15401,6 +18182,14 @@
 <file path=ppt/slides/slide4.xml><?xml version="1.0" encoding="utf-8"?>
 <p:sld xmlns:a="http://schemas.openxmlformats.org/drawingml/2006/main" xmlns:r="http://schemas.openxmlformats.org/officeDocument/2006/relationships" xmlns:p="http://schemas.openxmlformats.org/presentationml/2006/main">
   <p:cSld>
+    <p:bg>
+      <p:bgPr>
+        <a:solidFill>
+          <a:schemeClr val="bg1"/>
+        </a:solidFill>
+        <a:effectLst/>
+      </p:bgPr>
+    </p:bg>
     <p:spTree>
       <p:nvGrpSpPr>
         <p:cNvPr id="1" name=""/>
@@ -15417,6 +18206,72 @@
       </p:grpSpPr>
       <p:sp>
         <p:nvSpPr>
+          <p:cNvPr id="9" name="Rectangle 8">
+            <a:extLst>
+              <a:ext uri="{FF2B5EF4-FFF2-40B4-BE49-F238E27FC236}">
+                <a16:creationId xmlns:a16="http://schemas.microsoft.com/office/drawing/2014/main" id="{ECD538B8-489B-407A-A760-436DB4C563CC}"/>
+              </a:ext>
+              <a:ext uri="{C183D7F6-B498-43B3-948B-1728B52AA6E4}">
+                <adec:decorative xmlns:adec="http://schemas.microsoft.com/office/drawing/2017/decorative" val="1"/>
+              </a:ext>
+            </a:extLst>
+          </p:cNvPr>
+          <p:cNvSpPr>
+            <a:spLocks noGrp="1" noRot="1" noChangeAspect="1" noMove="1" noResize="1" noEditPoints="1" noAdjustHandles="1" noChangeArrowheads="1" noChangeShapeType="1" noTextEdit="1"/>
+          </p:cNvSpPr>
+          <p:nvPr>
+            <p:extLst>
+              <p:ext uri="{386F3935-93C4-4BCD-93E2-E3B085C9AB24}">
+                <p16:designElem xmlns:p16="http://schemas.microsoft.com/office/powerpoint/2015/main" val="1"/>
+              </p:ext>
+            </p:extLst>
+          </p:nvPr>
+        </p:nvSpPr>
+        <p:spPr>
+          <a:xfrm>
+            <a:off x="685800" y="685800"/>
+            <a:ext cx="4076700" cy="5486400"/>
+          </a:xfrm>
+          <a:prstGeom prst="rect">
+            <a:avLst/>
+          </a:prstGeom>
+          <a:solidFill>
+            <a:schemeClr val="tx2">
+              <a:lumMod val="75000"/>
+              <a:lumOff val="25000"/>
+            </a:schemeClr>
+          </a:solidFill>
+          <a:ln>
+            <a:noFill/>
+          </a:ln>
+        </p:spPr>
+        <p:style>
+          <a:lnRef idx="2">
+            <a:schemeClr val="accent1">
+              <a:shade val="50000"/>
+            </a:schemeClr>
+          </a:lnRef>
+          <a:fillRef idx="1">
+            <a:schemeClr val="accent1"/>
+          </a:fillRef>
+          <a:effectRef idx="0">
+            <a:schemeClr val="accent1"/>
+          </a:effectRef>
+          <a:fontRef idx="minor">
+            <a:schemeClr val="lt1"/>
+          </a:fontRef>
+        </p:style>
+        <p:txBody>
+          <a:bodyPr rtlCol="0" anchor="ctr"/>
+          <a:lstStyle/>
+          <a:p>
+            <a:pPr algn="ctr"/>
+            <a:endParaRPr lang="en-US"/>
+          </a:p>
+        </p:txBody>
+      </p:sp>
+      <p:sp>
+        <p:nvSpPr>
           <p:cNvPr id="2" name="Titre 1">
             <a:extLst>
               <a:ext uri="{FF2B5EF4-FFF2-40B4-BE49-F238E27FC236}">
@@ -15431,68 +18286,61 @@
             <p:ph type="title"/>
           </p:nvPr>
         </p:nvSpPr>
-        <p:spPr/>
+        <p:spPr>
+          <a:xfrm>
+            <a:off x="1371600" y="1371600"/>
+            <a:ext cx="2705100" cy="4114800"/>
+          </a:xfrm>
+        </p:spPr>
         <p:txBody>
-          <a:bodyPr/>
+          <a:bodyPr anchor="ctr">
+            <a:normAutofit/>
+          </a:bodyPr>
           <a:lstStyle/>
           <a:p>
-            <a:r>
-              <a:rPr lang="fr-FR" dirty="0"/>
-              <a:t>Data exploration</a:t>
+            <a:pPr algn="ctr"/>
+            <a:r>
+              <a:rPr lang="fr-FR" sz="2000">
+                <a:solidFill>
+                  <a:schemeClr val="bg2"/>
+                </a:solidFill>
+              </a:rPr>
+              <a:t>Data Informations</a:t>
             </a:r>
           </a:p>
         </p:txBody>
       </p:sp>
-      <p:sp>
-        <p:nvSpPr>
-          <p:cNvPr id="3" name="Espace réservé du contenu 2">
+      <p:graphicFrame>
+        <p:nvGraphicFramePr>
+          <p:cNvPr id="7" name="Espace réservé du contenu 2">
             <a:extLst>
               <a:ext uri="{FF2B5EF4-FFF2-40B4-BE49-F238E27FC236}">
-                <a16:creationId xmlns:a16="http://schemas.microsoft.com/office/drawing/2014/main" id="{7E8534C6-8F99-4FB8-ACBE-E786728B2361}"/>
+                <a16:creationId xmlns:a16="http://schemas.microsoft.com/office/drawing/2014/main" id="{1973D876-BBA7-497C-BFDC-0BFD74716D68}"/>
               </a:ext>
             </a:extLst>
           </p:cNvPr>
-          <p:cNvSpPr>
-            <a:spLocks noGrp="1"/>
-          </p:cNvSpPr>
+          <p:cNvGraphicFramePr>
+            <a:graphicFrameLocks noGrp="1"/>
+          </p:cNvGraphicFramePr>
           <p:nvPr>
             <p:ph idx="1"/>
+            <p:extLst>
+              <p:ext uri="{D42A27DB-BD31-4B8C-83A1-F6EECF244321}">
+                <p14:modId xmlns:p14="http://schemas.microsoft.com/office/powerpoint/2010/main" val="3592882888"/>
+              </p:ext>
+            </p:extLst>
           </p:nvPr>
-        </p:nvSpPr>
-        <p:spPr/>
-        <p:txBody>
-          <a:bodyPr/>
-          <a:lstStyle/>
-          <a:p>
-            <a:r>
-              <a:rPr lang="fr-FR" dirty="0"/>
-              <a:t>39% of the emails are spams</a:t>
-            </a:r>
-          </a:p>
-          <a:p>
-            <a:r>
-              <a:rPr lang="fr-FR" dirty="0"/>
-              <a:t>No </a:t>
-            </a:r>
-            <a:r>
-              <a:rPr lang="fr-FR" dirty="0" err="1"/>
-              <a:t>outliers</a:t>
-            </a:r>
-            <a:r>
-              <a:rPr lang="fr-FR" dirty="0"/>
-              <a:t> or </a:t>
-            </a:r>
-            <a:r>
-              <a:rPr lang="fr-FR" dirty="0" err="1"/>
-              <a:t>missing</a:t>
-            </a:r>
-            <a:r>
-              <a:rPr lang="fr-FR" dirty="0"/>
-              <a:t> values</a:t>
-            </a:r>
-          </a:p>
-        </p:txBody>
-      </p:sp>
+        </p:nvGraphicFramePr>
+        <p:xfrm>
+          <a:off x="5410200" y="685800"/>
+          <a:ext cx="6096000" cy="5486400"/>
+        </p:xfrm>
+        <a:graphic>
+          <a:graphicData uri="http://schemas.openxmlformats.org/drawingml/2006/diagram">
+            <dgm:relIds xmlns:dgm="http://schemas.openxmlformats.org/drawingml/2006/diagram" xmlns:r="http://schemas.openxmlformats.org/officeDocument/2006/relationships" r:dm="rId2" r:lo="rId3" r:qs="rId4" r:cs="rId5"/>
+          </a:graphicData>
+        </a:graphic>
+      </p:graphicFrame>
     </p:spTree>
     <p:extLst>
       <p:ext uri="{BB962C8B-B14F-4D97-AF65-F5344CB8AC3E}">
@@ -15533,10 +18381,10 @@
       </p:grpSpPr>
       <p:sp useBgFill="1">
         <p:nvSpPr>
-          <p:cNvPr id="21" name="Rectangle 11">
+          <p:cNvPr id="27" name="Rectangle 26">
             <a:extLst>
               <a:ext uri="{FF2B5EF4-FFF2-40B4-BE49-F238E27FC236}">
-                <a16:creationId xmlns:a16="http://schemas.microsoft.com/office/drawing/2014/main" id="{C69E4C79-4A25-4DCA-9CC1-94147A10E7EE}"/>
+                <a16:creationId xmlns:a16="http://schemas.microsoft.com/office/drawing/2014/main" id="{C4D50C41-5487-4C6D-B233-2DC613D05CB1}"/>
               </a:ext>
               <a:ext uri="{C183D7F6-B498-43B3-948B-1728B52AA6E4}">
                 <adec:decorative xmlns:adec="http://schemas.microsoft.com/office/drawing/2017/decorative" val="1"/>
@@ -15609,7 +18457,7 @@
       </p:sp>
       <p:sp>
         <p:nvSpPr>
-          <p:cNvPr id="22" name="Rectangle 13">
+          <p:cNvPr id="29" name="Rectangle 28">
             <a:extLst>
               <a:ext uri="{FF2B5EF4-FFF2-40B4-BE49-F238E27FC236}">
                 <a16:creationId xmlns:a16="http://schemas.microsoft.com/office/drawing/2014/main" id="{C2794E3E-966D-43D0-B426-D33988B92C6F}"/>
@@ -15632,8 +18480,8 @@
         </p:nvSpPr>
         <p:spPr>
           <a:xfrm>
-            <a:off x="5410200" y="-1"/>
-            <a:ext cx="6781799" cy="6857999"/>
+            <a:off x="0" y="-1"/>
+            <a:ext cx="4076700" cy="6857999"/>
           </a:xfrm>
           <a:prstGeom prst="rect">
             <a:avLst/>
@@ -15692,35 +18540,35 @@
         </p:nvSpPr>
         <p:spPr>
           <a:xfrm>
-            <a:off x="6096000" y="454393"/>
-            <a:ext cx="5393824" cy="1088305"/>
+            <a:off x="692164" y="277336"/>
+            <a:ext cx="2692372" cy="933893"/>
           </a:xfrm>
         </p:spPr>
         <p:txBody>
-          <a:bodyPr>
+          <a:bodyPr anchor="ctr">
             <a:normAutofit/>
           </a:bodyPr>
           <a:lstStyle/>
           <a:p>
             <a:pPr algn="ctr"/>
             <a:r>
-              <a:rPr lang="fr-FR" dirty="0"/>
+              <a:rPr lang="fr-FR" sz="2200" dirty="0"/>
               <a:t>Variables </a:t>
             </a:r>
             <a:r>
-              <a:rPr lang="fr-FR" dirty="0" err="1"/>
+              <a:rPr lang="fr-FR" sz="2200" dirty="0" err="1"/>
               <a:t>correlation</a:t>
             </a:r>
-            <a:endParaRPr lang="fr-FR" dirty="0"/>
+            <a:endParaRPr lang="fr-FR" sz="2200" dirty="0"/>
           </a:p>
         </p:txBody>
       </p:sp>
       <p:pic>
         <p:nvPicPr>
-          <p:cNvPr id="7" name="Image 6">
+          <p:cNvPr id="5" name="Image 4">
             <a:extLst>
               <a:ext uri="{FF2B5EF4-FFF2-40B4-BE49-F238E27FC236}">
-                <a16:creationId xmlns:a16="http://schemas.microsoft.com/office/drawing/2014/main" id="{9432C593-0C5C-4D83-AE13-F786B273774B}"/>
+                <a16:creationId xmlns:a16="http://schemas.microsoft.com/office/drawing/2014/main" id="{8E4DF8C2-C4D5-4093-B478-8FE6DA1BF397}"/>
               </a:ext>
             </a:extLst>
           </p:cNvPr>
@@ -15737,8 +18585,8 @@
         </p:blipFill>
         <p:spPr>
           <a:xfrm>
-            <a:off x="883862" y="4085115"/>
-            <a:ext cx="3136873" cy="2689869"/>
+            <a:off x="4576779" y="189614"/>
+            <a:ext cx="4848214" cy="4460358"/>
           </a:xfrm>
           <a:prstGeom prst="rect">
             <a:avLst/>
@@ -15747,10 +18595,10 @@
       </p:pic>
       <p:pic>
         <p:nvPicPr>
-          <p:cNvPr id="5" name="Image 4">
+          <p:cNvPr id="7" name="Image 6">
             <a:extLst>
               <a:ext uri="{FF2B5EF4-FFF2-40B4-BE49-F238E27FC236}">
-                <a16:creationId xmlns:a16="http://schemas.microsoft.com/office/drawing/2014/main" id="{8E4DF8C2-C4D5-4093-B478-8FE6DA1BF397}"/>
+                <a16:creationId xmlns:a16="http://schemas.microsoft.com/office/drawing/2014/main" id="{9432C593-0C5C-4D83-AE13-F786B273774B}"/>
               </a:ext>
             </a:extLst>
           </p:cNvPr>
@@ -15767,8 +18615,8 @@
         </p:blipFill>
         <p:spPr>
           <a:xfrm>
-            <a:off x="297158" y="83016"/>
-            <a:ext cx="4310283" cy="3965461"/>
+            <a:off x="8725786" y="4004950"/>
+            <a:ext cx="3212668" cy="2754863"/>
           </a:xfrm>
           <a:prstGeom prst="rect">
             <a:avLst/>
@@ -15793,15 +18641,192 @@
         </p:nvSpPr>
         <p:spPr>
           <a:xfrm>
-            <a:off x="6002503" y="1829349"/>
-            <a:ext cx="5487321" cy="4459255"/>
+            <a:off x="489908" y="1688032"/>
+            <a:ext cx="3146819" cy="4158409"/>
           </a:xfrm>
         </p:spPr>
         <p:txBody>
           <a:bodyPr>
-            <a:normAutofit/>
+            <a:normAutofit fontScale="85000" lnSpcReduction="20000"/>
           </a:bodyPr>
           <a:lstStyle/>
+          <a:p>
+            <a:pPr algn="just"/>
+            <a:r>
+              <a:rPr lang="fr-FR" dirty="0"/>
+              <a:t> « </a:t>
+            </a:r>
+            <a:r>
+              <a:rPr lang="fr-FR" dirty="0" err="1"/>
+              <a:t>your</a:t>
+            </a:r>
+            <a:r>
+              <a:rPr lang="fr-FR" dirty="0"/>
+              <a:t> »,  « 000 », « </a:t>
+            </a:r>
+            <a:r>
+              <a:rPr lang="fr-FR" dirty="0" err="1"/>
+              <a:t>remove</a:t>
+            </a:r>
+            <a:r>
+              <a:rPr lang="fr-FR" dirty="0"/>
+              <a:t> », « $ »,  « </a:t>
+            </a:r>
+            <a:r>
+              <a:rPr lang="fr-FR" dirty="0" err="1"/>
+              <a:t>you</a:t>
+            </a:r>
+            <a:r>
+              <a:rPr lang="fr-FR" dirty="0"/>
+              <a:t> », « free », « business » and total </a:t>
+            </a:r>
+            <a:r>
+              <a:rPr lang="fr-FR" dirty="0" err="1"/>
+              <a:t>number</a:t>
+            </a:r>
+            <a:r>
+              <a:rPr lang="fr-FR" dirty="0"/>
+              <a:t> of capital </a:t>
+            </a:r>
+            <a:r>
+              <a:rPr lang="fr-FR" dirty="0" err="1"/>
+              <a:t>letters</a:t>
+            </a:r>
+            <a:r>
+              <a:rPr lang="fr-FR" dirty="0"/>
+              <a:t> have the </a:t>
+            </a:r>
+            <a:r>
+              <a:rPr lang="fr-FR" dirty="0" err="1"/>
+              <a:t>highest</a:t>
+            </a:r>
+            <a:r>
+              <a:rPr lang="fr-FR" dirty="0"/>
+              <a:t> positive </a:t>
+            </a:r>
+            <a:r>
+              <a:rPr lang="fr-FR" dirty="0" err="1"/>
+              <a:t>correlation</a:t>
+            </a:r>
+            <a:r>
+              <a:rPr lang="fr-FR" dirty="0"/>
+              <a:t> </a:t>
+            </a:r>
+            <a:r>
+              <a:rPr lang="fr-FR" dirty="0" err="1"/>
+              <a:t>with</a:t>
+            </a:r>
+            <a:r>
+              <a:rPr lang="fr-FR" dirty="0"/>
+              <a:t> the email </a:t>
+            </a:r>
+            <a:r>
+              <a:rPr lang="fr-FR" dirty="0" err="1"/>
+              <a:t>being</a:t>
+            </a:r>
+            <a:r>
+              <a:rPr lang="fr-FR" dirty="0"/>
+              <a:t> a spam</a:t>
+            </a:r>
+          </a:p>
+          <a:p>
+            <a:pPr algn="just"/>
+            <a:r>
+              <a:rPr lang="fr-FR" dirty="0"/>
+              <a:t>« </a:t>
+            </a:r>
+            <a:r>
+              <a:rPr lang="fr-FR" dirty="0" err="1"/>
+              <a:t>hp</a:t>
+            </a:r>
+            <a:r>
+              <a:rPr lang="fr-FR" dirty="0"/>
+              <a:t> » has the </a:t>
+            </a:r>
+            <a:r>
+              <a:rPr lang="fr-FR" dirty="0" err="1"/>
+              <a:t>highest</a:t>
+            </a:r>
+            <a:r>
+              <a:rPr lang="fr-FR" dirty="0"/>
+              <a:t> </a:t>
+            </a:r>
+            <a:r>
+              <a:rPr lang="fr-FR" dirty="0" err="1"/>
+              <a:t>correlation</a:t>
+            </a:r>
+            <a:r>
+              <a:rPr lang="fr-FR" dirty="0"/>
+              <a:t> </a:t>
+            </a:r>
+            <a:r>
+              <a:rPr lang="fr-FR" dirty="0" err="1"/>
+              <a:t>with</a:t>
+            </a:r>
+            <a:r>
+              <a:rPr lang="fr-FR" dirty="0"/>
+              <a:t> the email not </a:t>
+            </a:r>
+            <a:r>
+              <a:rPr lang="fr-FR" dirty="0" err="1"/>
+              <a:t>being</a:t>
+            </a:r>
+            <a:r>
+              <a:rPr lang="fr-FR" dirty="0"/>
+              <a:t> a spam</a:t>
+            </a:r>
+          </a:p>
+          <a:p>
+            <a:pPr algn="just"/>
+            <a:r>
+              <a:rPr lang="fr-FR" dirty="0" err="1"/>
+              <a:t>Their</a:t>
+            </a:r>
+            <a:r>
+              <a:rPr lang="fr-FR" dirty="0"/>
+              <a:t> </a:t>
+            </a:r>
+            <a:r>
+              <a:rPr lang="fr-FR" dirty="0" err="1"/>
+              <a:t>is</a:t>
+            </a:r>
+            <a:r>
+              <a:rPr lang="fr-FR" dirty="0"/>
+              <a:t> no </a:t>
+            </a:r>
+            <a:r>
+              <a:rPr lang="fr-FR" dirty="0" err="1"/>
+              <a:t>strong</a:t>
+            </a:r>
+            <a:r>
+              <a:rPr lang="fr-FR" dirty="0"/>
+              <a:t> </a:t>
+            </a:r>
+            <a:r>
+              <a:rPr lang="fr-FR" dirty="0" err="1"/>
+              <a:t>correlation</a:t>
+            </a:r>
+            <a:r>
+              <a:rPr lang="fr-FR" dirty="0"/>
+              <a:t> </a:t>
+            </a:r>
+            <a:r>
+              <a:rPr lang="fr-FR" dirty="0" err="1"/>
+              <a:t>between</a:t>
+            </a:r>
+            <a:r>
+              <a:rPr lang="fr-FR" dirty="0"/>
+              <a:t> one variable and the email </a:t>
+            </a:r>
+            <a:r>
+              <a:rPr lang="fr-FR" dirty="0" err="1"/>
+              <a:t>being</a:t>
+            </a:r>
+            <a:r>
+              <a:rPr lang="fr-FR" dirty="0"/>
+              <a:t> a spam or not (all &lt;0.38)</a:t>
+            </a:r>
+          </a:p>
           <a:p>
             <a:endParaRPr lang="fr-FR" dirty="0"/>
           </a:p>
@@ -16006,20 +19031,36 @@
         </p:nvSpPr>
         <p:spPr>
           <a:xfrm>
-            <a:off x="8128028" y="239150"/>
+            <a:off x="8134350" y="511126"/>
             <a:ext cx="3390899" cy="1303606"/>
           </a:xfrm>
         </p:spPr>
         <p:txBody>
           <a:bodyPr>
-            <a:normAutofit/>
+            <a:normAutofit fontScale="90000"/>
           </a:bodyPr>
           <a:lstStyle/>
           <a:p>
             <a:pPr algn="ctr"/>
             <a:r>
               <a:rPr lang="fr-FR" dirty="0"/>
-              <a:t>Pair plot Top 4</a:t>
+              <a:t>Pair plot Top 4 </a:t>
+            </a:r>
+            <a:r>
+              <a:rPr lang="fr-FR" dirty="0" err="1"/>
+              <a:t>most</a:t>
+            </a:r>
+            <a:r>
+              <a:rPr lang="fr-FR" dirty="0"/>
+              <a:t> </a:t>
+            </a:r>
+            <a:r>
+              <a:rPr lang="fr-FR" dirty="0" err="1"/>
+              <a:t>correlated</a:t>
+            </a:r>
+            <a:r>
+              <a:rPr lang="fr-FR" dirty="0"/>
+              <a:t> variables </a:t>
             </a:r>
           </a:p>
         </p:txBody>
@@ -16072,7 +19113,7 @@
         </p:nvSpPr>
         <p:spPr>
           <a:xfrm>
-            <a:off x="8115301" y="1814732"/>
+            <a:off x="8134349" y="2077523"/>
             <a:ext cx="3390899" cy="4501662"/>
           </a:xfrm>
         </p:spPr>
@@ -16082,7 +19123,19 @@
           </a:bodyPr>
           <a:lstStyle/>
           <a:p>
-            <a:endParaRPr lang="en-US"/>
+            <a:r>
+              <a:rPr lang="en-US" dirty="0"/>
+              <a:t>“your” is more present in non spam at lower frequency. It often appears once or less. In spam it appears more than once.</a:t>
+            </a:r>
+          </a:p>
+          <a:p>
+            <a:r>
+              <a:rPr lang="en-US" dirty="0"/>
+              <a:t>“000”, “remove” and “$” appear more in spam at all frequencies.</a:t>
+            </a:r>
+          </a:p>
+          <a:p>
+            <a:endParaRPr lang="en-US" dirty="0"/>
           </a:p>
         </p:txBody>
       </p:sp>
@@ -17393,10 +20446,10 @@
       </p:grpSpPr>
       <p:sp>
         <p:nvSpPr>
-          <p:cNvPr id="9" name="Rectangle 8">
+          <p:cNvPr id="14" name="Rectangle 13">
             <a:extLst>
               <a:ext uri="{FF2B5EF4-FFF2-40B4-BE49-F238E27FC236}">
-                <a16:creationId xmlns:a16="http://schemas.microsoft.com/office/drawing/2014/main" id="{38E646A7-D148-4320-A501-0291AA75AC42}"/>
+                <a16:creationId xmlns:a16="http://schemas.microsoft.com/office/drawing/2014/main" id="{ECD538B8-489B-407A-A760-436DB4C563CC}"/>
               </a:ext>
               <a:ext uri="{C183D7F6-B498-43B3-948B-1728B52AA6E4}">
                 <adec:decorative xmlns:adec="http://schemas.microsoft.com/office/drawing/2017/decorative" val="1"/>
@@ -17416,8 +20469,8 @@
         </p:nvSpPr>
         <p:spPr>
           <a:xfrm>
-            <a:off x="685800" y="685799"/>
-            <a:ext cx="10820400" cy="1371601"/>
+            <a:off x="685800" y="685800"/>
+            <a:ext cx="4076700" cy="5486400"/>
           </a:xfrm>
           <a:prstGeom prst="rect">
             <a:avLst/>
@@ -17426,7 +20479,6 @@
             <a:schemeClr val="tx2">
               <a:lumMod val="75000"/>
               <a:lumOff val="25000"/>
-              <a:alpha val="25000"/>
             </a:schemeClr>
           </a:solidFill>
           <a:ln>
@@ -17476,8 +20528,8 @@
         </p:nvSpPr>
         <p:spPr>
           <a:xfrm>
-            <a:off x="1345426" y="907365"/>
-            <a:ext cx="9394874" cy="928467"/>
+            <a:off x="1371600" y="2134609"/>
+            <a:ext cx="2705100" cy="1153597"/>
           </a:xfrm>
         </p:spPr>
         <p:txBody>
@@ -17488,8 +20540,20 @@
           <a:p>
             <a:pPr algn="ctr"/>
             <a:r>
-              <a:rPr lang="fr-FR" dirty="0"/>
-              <a:t>API :</a:t>
+              <a:rPr lang="fr-FR" sz="6000" dirty="0">
+                <a:solidFill>
+                  <a:schemeClr val="bg2"/>
+                </a:solidFill>
+              </a:rPr>
+              <a:t>API</a:t>
+            </a:r>
+            <a:r>
+              <a:rPr lang="fr-FR" dirty="0">
+                <a:solidFill>
+                  <a:schemeClr val="bg2"/>
+                </a:solidFill>
+              </a:rPr>
+              <a:t> :</a:t>
             </a:r>
           </a:p>
         </p:txBody>
@@ -17510,14 +20574,14 @@
             <p:ph idx="1"/>
             <p:extLst>
               <p:ext uri="{D42A27DB-BD31-4B8C-83A1-F6EECF244321}">
-                <p14:modId xmlns:p14="http://schemas.microsoft.com/office/powerpoint/2010/main" val="770823117"/>
+                <p14:modId xmlns:p14="http://schemas.microsoft.com/office/powerpoint/2010/main" val="1858015541"/>
               </p:ext>
             </p:extLst>
           </p:nvPr>
         </p:nvGraphicFramePr>
         <p:xfrm>
-          <a:off x="685800" y="2057398"/>
-          <a:ext cx="10820400" cy="4454894"/>
+          <a:off x="5410200" y="685800"/>
+          <a:ext cx="6096000" cy="5486400"/>
         </p:xfrm>
         <a:graphic>
           <a:graphicData uri="http://schemas.openxmlformats.org/drawingml/2006/diagram">
@@ -17525,6 +20589,74 @@
           </a:graphicData>
         </a:graphic>
       </p:graphicFrame>
+      <p:sp>
+        <p:nvSpPr>
+          <p:cNvPr id="3" name="ZoneTexte 2">
+            <a:extLst>
+              <a:ext uri="{FF2B5EF4-FFF2-40B4-BE49-F238E27FC236}">
+                <a16:creationId xmlns:a16="http://schemas.microsoft.com/office/drawing/2014/main" id="{D6CB4767-04FB-4859-B41A-F87A816EED50}"/>
+              </a:ext>
+            </a:extLst>
+          </p:cNvPr>
+          <p:cNvSpPr txBox="1"/>
+          <p:nvPr/>
+        </p:nvSpPr>
+        <p:spPr>
+          <a:xfrm>
+            <a:off x="1570552" y="3507027"/>
+            <a:ext cx="2210305" cy="369332"/>
+          </a:xfrm>
+          <a:prstGeom prst="rect">
+            <a:avLst/>
+          </a:prstGeom>
+          <a:noFill/>
+        </p:spPr>
+        <p:txBody>
+          <a:bodyPr wrap="square" rtlCol="0">
+            <a:spAutoFit/>
+          </a:bodyPr>
+          <a:lstStyle/>
+          <a:p>
+            <a:pPr algn="ctr"/>
+            <a:r>
+              <a:rPr lang="fr-FR" dirty="0" err="1">
+                <a:solidFill>
+                  <a:schemeClr val="bg1"/>
+                </a:solidFill>
+                <a:latin typeface="+mj-lt"/>
+              </a:rPr>
+              <a:t>Created</a:t>
+            </a:r>
+            <a:r>
+              <a:rPr lang="fr-FR" dirty="0">
+                <a:solidFill>
+                  <a:schemeClr val="bg1"/>
+                </a:solidFill>
+                <a:latin typeface="+mj-lt"/>
+              </a:rPr>
+              <a:t> </a:t>
+            </a:r>
+            <a:r>
+              <a:rPr lang="fr-FR" dirty="0" err="1">
+                <a:solidFill>
+                  <a:schemeClr val="bg1"/>
+                </a:solidFill>
+                <a:latin typeface="+mj-lt"/>
+              </a:rPr>
+              <a:t>using</a:t>
+            </a:r>
+            <a:r>
+              <a:rPr lang="fr-FR" dirty="0">
+                <a:solidFill>
+                  <a:schemeClr val="bg1"/>
+                </a:solidFill>
+                <a:latin typeface="+mj-lt"/>
+              </a:rPr>
+              <a:t> Flask</a:t>
+            </a:r>
+          </a:p>
+        </p:txBody>
+      </p:sp>
     </p:spTree>
     <p:extLst>
       <p:ext uri="{BB962C8B-B14F-4D97-AF65-F5344CB8AC3E}">
